--- a/4° Año/1° Semestre/Seguridad informatica I/4 Teoria/Clase 6.1 Gestión Integral de Seguridad.pptx
+++ b/4° Año/1° Semestre/Seguridad informatica I/4 Teoria/Clase 6.1 Gestión Integral de Seguridad.pptx
@@ -1,29 +1,29 @@
 
 <file path=ppt/presentation.xml><?xml version="1.0" encoding="utf-8"?>
-<p:presentation xmlns:a="http://schemas.openxmlformats.org/drawingml/2006/main" xmlns:r="http://schemas.openxmlformats.org/officeDocument/2006/relationships" xmlns:mc="http://schemas.openxmlformats.org/markup-compatibility/2006" xmlns:mv="urn:schemas-microsoft-com:mac:vml" xmlns:p="http://schemas.openxmlformats.org/presentationml/2006/main" xmlns:c="http://schemas.openxmlformats.org/drawingml/2006/chart" xmlns:dgm="http://schemas.openxmlformats.org/drawingml/2006/diagram" xmlns:o="urn:schemas-microsoft-com:office:office" xmlns:v="urn:schemas-microsoft-com:vml" xmlns:pvml="urn:schemas-microsoft-com:office:powerpoint" xmlns:com="http://schemas.openxmlformats.org/drawingml/2006/compatibility" xmlns:p14="http://schemas.microsoft.com/office/powerpoint/2010/main" xmlns:p15="http://schemas.microsoft.com/office/powerpoint/2012/main" xmlns:ahyp="http://schemas.microsoft.com/office/drawing/2018/hyperlinkcolor" autoCompressPictures="0" strictFirstAndLastChars="0" saveSubsetFonts="1">
+<p:presentation xmlns:a="http://schemas.openxmlformats.org/drawingml/2006/main" xmlns:r="http://schemas.openxmlformats.org/officeDocument/2006/relationships" xmlns:p="http://schemas.openxmlformats.org/presentationml/2006/main" strictFirstAndLastChars="0" saveSubsetFonts="1" autoCompressPictures="0">
   <p:sldMasterIdLst>
-    <p:sldMasterId id="2147483659" r:id="rId4"/>
+    <p:sldMasterId id="2147483659" r:id="rId1"/>
   </p:sldMasterIdLst>
   <p:notesMasterIdLst>
-    <p:notesMasterId r:id="rId5"/>
+    <p:notesMasterId r:id="rId13"/>
   </p:notesMasterIdLst>
   <p:sldIdLst>
-    <p:sldId id="256" r:id="rId6"/>
-    <p:sldId id="257" r:id="rId7"/>
-    <p:sldId id="258" r:id="rId8"/>
-    <p:sldId id="259" r:id="rId9"/>
-    <p:sldId id="260" r:id="rId10"/>
-    <p:sldId id="261" r:id="rId11"/>
-    <p:sldId id="262" r:id="rId12"/>
-    <p:sldId id="263" r:id="rId13"/>
-    <p:sldId id="264" r:id="rId14"/>
-    <p:sldId id="265" r:id="rId15"/>
-    <p:sldId id="266" r:id="rId16"/>
+    <p:sldId id="256" r:id="rId2"/>
+    <p:sldId id="257" r:id="rId3"/>
+    <p:sldId id="258" r:id="rId4"/>
+    <p:sldId id="259" r:id="rId5"/>
+    <p:sldId id="260" r:id="rId6"/>
+    <p:sldId id="261" r:id="rId7"/>
+    <p:sldId id="262" r:id="rId8"/>
+    <p:sldId id="263" r:id="rId9"/>
+    <p:sldId id="264" r:id="rId10"/>
+    <p:sldId id="265" r:id="rId11"/>
+    <p:sldId id="266" r:id="rId12"/>
   </p:sldIdLst>
-  <p:sldSz cy="5143500" cx="9144000"/>
+  <p:sldSz cx="9144000" cy="5143500" type="screen16x9"/>
   <p:notesSz cx="6858000" cy="9144000"/>
   <p:defaultTextStyle>
-    <a:defPPr lvl="0" marR="0" rtl="0" algn="l">
+    <a:defPPr marR="0" lvl="0" algn="l" rtl="0">
       <a:lnSpc>
         <a:spcPct val="100000"/>
       </a:lnSpc>
@@ -34,7 +34,7 @@
         <a:spcPts val="0"/>
       </a:spcAft>
     </a:defPPr>
-    <a:lvl1pPr lvl="0" marR="0" rtl="0" algn="l">
+    <a:lvl1pPr marR="0" lvl="0" algn="l" rtl="0">
       <a:lnSpc>
         <a:spcPct val="100000"/>
       </a:lnSpc>
@@ -48,7 +48,7 @@
         <a:srgbClr val="000000"/>
       </a:buClr>
       <a:buFont typeface="Arial"/>
-      <a:defRPr b="0" i="0" sz="1400" u="none" cap="none" strike="noStrike">
+      <a:defRPr sz="1400" b="0" i="0" u="none" strike="noStrike" cap="none">
         <a:solidFill>
           <a:srgbClr val="000000"/>
         </a:solidFill>
@@ -58,7 +58,7 @@
         <a:sym typeface="Arial"/>
       </a:defRPr>
     </a:lvl1pPr>
-    <a:lvl2pPr lvl="1" marR="0" rtl="0" algn="l">
+    <a:lvl2pPr marR="0" lvl="1" algn="l" rtl="0">
       <a:lnSpc>
         <a:spcPct val="100000"/>
       </a:lnSpc>
@@ -72,7 +72,7 @@
         <a:srgbClr val="000000"/>
       </a:buClr>
       <a:buFont typeface="Arial"/>
-      <a:defRPr b="0" i="0" sz="1400" u="none" cap="none" strike="noStrike">
+      <a:defRPr sz="1400" b="0" i="0" u="none" strike="noStrike" cap="none">
         <a:solidFill>
           <a:srgbClr val="000000"/>
         </a:solidFill>
@@ -82,7 +82,7 @@
         <a:sym typeface="Arial"/>
       </a:defRPr>
     </a:lvl2pPr>
-    <a:lvl3pPr lvl="2" marR="0" rtl="0" algn="l">
+    <a:lvl3pPr marR="0" lvl="2" algn="l" rtl="0">
       <a:lnSpc>
         <a:spcPct val="100000"/>
       </a:lnSpc>
@@ -96,7 +96,7 @@
         <a:srgbClr val="000000"/>
       </a:buClr>
       <a:buFont typeface="Arial"/>
-      <a:defRPr b="0" i="0" sz="1400" u="none" cap="none" strike="noStrike">
+      <a:defRPr sz="1400" b="0" i="0" u="none" strike="noStrike" cap="none">
         <a:solidFill>
           <a:srgbClr val="000000"/>
         </a:solidFill>
@@ -106,7 +106,7 @@
         <a:sym typeface="Arial"/>
       </a:defRPr>
     </a:lvl3pPr>
-    <a:lvl4pPr lvl="3" marR="0" rtl="0" algn="l">
+    <a:lvl4pPr marR="0" lvl="3" algn="l" rtl="0">
       <a:lnSpc>
         <a:spcPct val="100000"/>
       </a:lnSpc>
@@ -120,7 +120,7 @@
         <a:srgbClr val="000000"/>
       </a:buClr>
       <a:buFont typeface="Arial"/>
-      <a:defRPr b="0" i="0" sz="1400" u="none" cap="none" strike="noStrike">
+      <a:defRPr sz="1400" b="0" i="0" u="none" strike="noStrike" cap="none">
         <a:solidFill>
           <a:srgbClr val="000000"/>
         </a:solidFill>
@@ -130,7 +130,7 @@
         <a:sym typeface="Arial"/>
       </a:defRPr>
     </a:lvl4pPr>
-    <a:lvl5pPr lvl="4" marR="0" rtl="0" algn="l">
+    <a:lvl5pPr marR="0" lvl="4" algn="l" rtl="0">
       <a:lnSpc>
         <a:spcPct val="100000"/>
       </a:lnSpc>
@@ -144,7 +144,7 @@
         <a:srgbClr val="000000"/>
       </a:buClr>
       <a:buFont typeface="Arial"/>
-      <a:defRPr b="0" i="0" sz="1400" u="none" cap="none" strike="noStrike">
+      <a:defRPr sz="1400" b="0" i="0" u="none" strike="noStrike" cap="none">
         <a:solidFill>
           <a:srgbClr val="000000"/>
         </a:solidFill>
@@ -154,7 +154,7 @@
         <a:sym typeface="Arial"/>
       </a:defRPr>
     </a:lvl5pPr>
-    <a:lvl6pPr lvl="5" marR="0" rtl="0" algn="l">
+    <a:lvl6pPr marR="0" lvl="5" algn="l" rtl="0">
       <a:lnSpc>
         <a:spcPct val="100000"/>
       </a:lnSpc>
@@ -168,7 +168,7 @@
         <a:srgbClr val="000000"/>
       </a:buClr>
       <a:buFont typeface="Arial"/>
-      <a:defRPr b="0" i="0" sz="1400" u="none" cap="none" strike="noStrike">
+      <a:defRPr sz="1400" b="0" i="0" u="none" strike="noStrike" cap="none">
         <a:solidFill>
           <a:srgbClr val="000000"/>
         </a:solidFill>
@@ -178,7 +178,7 @@
         <a:sym typeface="Arial"/>
       </a:defRPr>
     </a:lvl6pPr>
-    <a:lvl7pPr lvl="6" marR="0" rtl="0" algn="l">
+    <a:lvl7pPr marR="0" lvl="6" algn="l" rtl="0">
       <a:lnSpc>
         <a:spcPct val="100000"/>
       </a:lnSpc>
@@ -192,7 +192,7 @@
         <a:srgbClr val="000000"/>
       </a:buClr>
       <a:buFont typeface="Arial"/>
-      <a:defRPr b="0" i="0" sz="1400" u="none" cap="none" strike="noStrike">
+      <a:defRPr sz="1400" b="0" i="0" u="none" strike="noStrike" cap="none">
         <a:solidFill>
           <a:srgbClr val="000000"/>
         </a:solidFill>
@@ -202,7 +202,7 @@
         <a:sym typeface="Arial"/>
       </a:defRPr>
     </a:lvl7pPr>
-    <a:lvl8pPr lvl="7" marR="0" rtl="0" algn="l">
+    <a:lvl8pPr marR="0" lvl="7" algn="l" rtl="0">
       <a:lnSpc>
         <a:spcPct val="100000"/>
       </a:lnSpc>
@@ -216,7 +216,7 @@
         <a:srgbClr val="000000"/>
       </a:buClr>
       <a:buFont typeface="Arial"/>
-      <a:defRPr b="0" i="0" sz="1400" u="none" cap="none" strike="noStrike">
+      <a:defRPr sz="1400" b="0" i="0" u="none" strike="noStrike" cap="none">
         <a:solidFill>
           <a:srgbClr val="000000"/>
         </a:solidFill>
@@ -226,7 +226,7 @@
         <a:sym typeface="Arial"/>
       </a:defRPr>
     </a:lvl8pPr>
-    <a:lvl9pPr lvl="8" marR="0" rtl="0" algn="l">
+    <a:lvl9pPr marR="0" lvl="8" algn="l" rtl="0">
       <a:lnSpc>
         <a:spcPct val="100000"/>
       </a:lnSpc>
@@ -240,7 +240,7 @@
         <a:srgbClr val="000000"/>
       </a:buClr>
       <a:buFont typeface="Arial"/>
-      <a:defRPr b="0" i="0" sz="1400" u="none" cap="none" strike="noStrike">
+      <a:defRPr sz="1400" b="0" i="0" u="none" strike="noStrike" cap="none">
         <a:solidFill>
           <a:srgbClr val="000000"/>
         </a:solidFill>
@@ -253,7 +253,7 @@
   </p:defaultTextStyle>
   <p:extLst>
     <p:ext uri="{EFAFB233-063F-42B5-8137-9DF3F51BA10A}">
-      <p15:sldGuideLst>
+      <p15:sldGuideLst xmlns:p15="http://schemas.microsoft.com/office/powerpoint/2012/main">
         <p15:guide id="1" orient="horz" pos="1620">
           <p15:clr>
             <a:srgbClr val="A4A3A4"/>
@@ -271,11 +271,16 @@
 </file>
 
 <file path=ppt/notesMasters/notesMaster1.xml><?xml version="1.0" encoding="utf-8"?>
-<p:notesMaster xmlns:a="http://schemas.openxmlformats.org/drawingml/2006/main" xmlns:r="http://schemas.openxmlformats.org/officeDocument/2006/relationships" xmlns:mc="http://schemas.openxmlformats.org/markup-compatibility/2006" xmlns:mv="urn:schemas-microsoft-com:mac:vml" xmlns:p="http://schemas.openxmlformats.org/presentationml/2006/main" xmlns:c="http://schemas.openxmlformats.org/drawingml/2006/chart" xmlns:dgm="http://schemas.openxmlformats.org/drawingml/2006/diagram" xmlns:o="urn:schemas-microsoft-com:office:office" xmlns:v="urn:schemas-microsoft-com:vml" xmlns:pvml="urn:schemas-microsoft-com:office:powerpoint" xmlns:com="http://schemas.openxmlformats.org/drawingml/2006/compatibility" xmlns:p14="http://schemas.microsoft.com/office/powerpoint/2010/main" xmlns:p15="http://schemas.microsoft.com/office/powerpoint/2012/main" xmlns:ahyp="http://schemas.microsoft.com/office/drawing/2018/hyperlinkcolor">
+<p:notesMaster xmlns:a="http://schemas.openxmlformats.org/drawingml/2006/main" xmlns:r="http://schemas.openxmlformats.org/officeDocument/2006/relationships" xmlns:p="http://schemas.openxmlformats.org/presentationml/2006/main">
   <p:cSld>
+    <p:bg>
+      <p:bgRef idx="1001">
+        <a:schemeClr val="bg1"/>
+      </p:bgRef>
+    </p:bg>
     <p:spTree>
       <p:nvGrpSpPr>
-        <p:cNvPr id="2" name="Shape 2"/>
+        <p:cNvPr id="1" name="Shape 2"/>
         <p:cNvGrpSpPr/>
         <p:nvPr/>
       </p:nvGrpSpPr>
@@ -290,9 +295,11 @@
       <p:sp>
         <p:nvSpPr>
           <p:cNvPr id="3" name="Google Shape;3;n"/>
-          <p:cNvSpPr/>
+          <p:cNvSpPr>
+            <a:spLocks noGrp="1" noRot="1" noChangeAspect="1"/>
+          </p:cNvSpPr>
           <p:nvPr>
-            <p:ph idx="2" type="sldImg"/>
+            <p:ph type="sldImg" idx="2"/>
           </p:nvPr>
         </p:nvSpPr>
         <p:spPr>
@@ -301,9 +308,13 @@
             <a:ext cx="6096075" cy="3429000"/>
           </a:xfrm>
           <a:custGeom>
-            <a:rect b="b" l="l" r="r" t="t"/>
+            <a:avLst/>
+            <a:gdLst/>
+            <a:ahLst/>
+            <a:cxnLst/>
+            <a:rect l="l" t="t" r="r" b="b"/>
             <a:pathLst>
-              <a:path extrusionOk="0" h="120000" w="120000">
+              <a:path w="120000" h="120000" extrusionOk="0">
                 <a:moveTo>
                   <a:pt x="0" y="0"/>
                 </a:moveTo>
@@ -321,23 +332,25 @@
             </a:pathLst>
           </a:custGeom>
           <a:noFill/>
-          <a:ln cap="flat" cmpd="sng" w="9525">
+          <a:ln w="9525" cap="flat" cmpd="sng">
             <a:solidFill>
               <a:srgbClr val="000000"/>
             </a:solidFill>
             <a:prstDash val="solid"/>
             <a:round/>
-            <a:headEnd len="sm" w="sm" type="none"/>
-            <a:tailEnd len="sm" w="sm" type="none"/>
+            <a:headEnd type="none" w="sm" len="sm"/>
+            <a:tailEnd type="none" w="sm" len="sm"/>
           </a:ln>
         </p:spPr>
       </p:sp>
       <p:sp>
         <p:nvSpPr>
           <p:cNvPr id="4" name="Google Shape;4;n"/>
-          <p:cNvSpPr txBox="1"/>
+          <p:cNvSpPr txBox="1">
+            <a:spLocks noGrp="1"/>
+          </p:cNvSpPr>
           <p:nvPr>
-            <p:ph idx="1" type="body"/>
+            <p:ph type="body" idx="1"/>
           </p:nvPr>
         </p:nvSpPr>
         <p:spPr>
@@ -354,11 +367,11 @@
           </a:ln>
         </p:spPr>
         <p:txBody>
-          <a:bodyPr anchorCtr="0" anchor="t" bIns="91425" lIns="91425" spcFirstLastPara="1" rIns="91425" wrap="square" tIns="91425">
+          <a:bodyPr spcFirstLastPara="1" wrap="square" lIns="91425" tIns="91425" rIns="91425" bIns="91425" anchor="t" anchorCtr="0">
             <a:noAutofit/>
           </a:bodyPr>
           <a:lstStyle>
-            <a:lvl1pPr indent="-298450" lvl="0" marL="457200">
+            <a:lvl1pPr marL="457200" lvl="0" indent="-298450">
               <a:spcBef>
                 <a:spcPts val="0"/>
               </a:spcBef>
@@ -369,7 +382,7 @@
               <a:buChar char="●"/>
               <a:defRPr sz="1100"/>
             </a:lvl1pPr>
-            <a:lvl2pPr indent="-298450" lvl="1" marL="914400">
+            <a:lvl2pPr marL="914400" lvl="1" indent="-298450">
               <a:spcBef>
                 <a:spcPts val="0"/>
               </a:spcBef>
@@ -380,7 +393,7 @@
               <a:buChar char="○"/>
               <a:defRPr sz="1100"/>
             </a:lvl2pPr>
-            <a:lvl3pPr indent="-298450" lvl="2" marL="1371600">
+            <a:lvl3pPr marL="1371600" lvl="2" indent="-298450">
               <a:spcBef>
                 <a:spcPts val="0"/>
               </a:spcBef>
@@ -391,7 +404,7 @@
               <a:buChar char="■"/>
               <a:defRPr sz="1100"/>
             </a:lvl3pPr>
-            <a:lvl4pPr indent="-298450" lvl="3" marL="1828800">
+            <a:lvl4pPr marL="1828800" lvl="3" indent="-298450">
               <a:spcBef>
                 <a:spcPts val="0"/>
               </a:spcBef>
@@ -402,7 +415,7 @@
               <a:buChar char="●"/>
               <a:defRPr sz="1100"/>
             </a:lvl4pPr>
-            <a:lvl5pPr indent="-298450" lvl="4" marL="2286000">
+            <a:lvl5pPr marL="2286000" lvl="4" indent="-298450">
               <a:spcBef>
                 <a:spcPts val="0"/>
               </a:spcBef>
@@ -413,7 +426,7 @@
               <a:buChar char="○"/>
               <a:defRPr sz="1100"/>
             </a:lvl5pPr>
-            <a:lvl6pPr indent="-298450" lvl="5" marL="2743200">
+            <a:lvl6pPr marL="2743200" lvl="5" indent="-298450">
               <a:spcBef>
                 <a:spcPts val="0"/>
               </a:spcBef>
@@ -424,7 +437,7 @@
               <a:buChar char="■"/>
               <a:defRPr sz="1100"/>
             </a:lvl6pPr>
-            <a:lvl7pPr indent="-298450" lvl="6" marL="3200400">
+            <a:lvl7pPr marL="3200400" lvl="6" indent="-298450">
               <a:spcBef>
                 <a:spcPts val="0"/>
               </a:spcBef>
@@ -435,7 +448,7 @@
               <a:buChar char="●"/>
               <a:defRPr sz="1100"/>
             </a:lvl7pPr>
-            <a:lvl8pPr indent="-298450" lvl="7" marL="3657600">
+            <a:lvl8pPr marL="3657600" lvl="7" indent="-298450">
               <a:spcBef>
                 <a:spcPts val="0"/>
               </a:spcBef>
@@ -446,7 +459,7 @@
               <a:buChar char="○"/>
               <a:defRPr sz="1100"/>
             </a:lvl8pPr>
-            <a:lvl9pPr indent="-298450" lvl="8" marL="4114800">
+            <a:lvl9pPr marL="4114800" lvl="8" indent="-298450">
               <a:spcBef>
                 <a:spcPts val="0"/>
               </a:spcBef>
@@ -458,14 +471,16 @@
               <a:defRPr sz="1100"/>
             </a:lvl9pPr>
           </a:lstStyle>
-          <a:p/>
+          <a:p>
+            <a:endParaRPr/>
+          </a:p>
         </p:txBody>
       </p:sp>
     </p:spTree>
   </p:cSld>
-  <p:clrMap accent1="accent1" accent2="accent2" accent3="accent3" accent4="accent4" accent5="accent5" accent6="accent6" bg1="lt1" bg2="dk2" tx1="dk1" tx2="lt2" folHlink="folHlink" hlink="hlink"/>
+  <p:clrMap bg1="lt1" tx1="dk1" bg2="dk2" tx2="lt2" accent1="accent1" accent2="accent2" accent3="accent3" accent4="accent4" accent5="accent5" accent6="accent6" hlink="hlink" folHlink="folHlink"/>
   <p:notesStyle>
-    <a:defPPr lvl="0" marR="0" rtl="0" algn="l">
+    <a:defPPr marR="0" lvl="0" algn="l" rtl="0">
       <a:lnSpc>
         <a:spcPct val="100000"/>
       </a:lnSpc>
@@ -476,7 +491,7 @@
         <a:spcPts val="0"/>
       </a:spcAft>
     </a:defPPr>
-    <a:lvl1pPr lvl="0" marR="0" rtl="0" algn="l">
+    <a:lvl1pPr marR="0" lvl="0" algn="l" rtl="0">
       <a:lnSpc>
         <a:spcPct val="100000"/>
       </a:lnSpc>
@@ -490,7 +505,7 @@
         <a:srgbClr val="000000"/>
       </a:buClr>
       <a:buFont typeface="Arial"/>
-      <a:defRPr b="0" i="0" sz="1400" u="none" cap="none" strike="noStrike">
+      <a:defRPr sz="1400" b="0" i="0" u="none" strike="noStrike" cap="none">
         <a:solidFill>
           <a:srgbClr val="000000"/>
         </a:solidFill>
@@ -500,7 +515,7 @@
         <a:sym typeface="Arial"/>
       </a:defRPr>
     </a:lvl1pPr>
-    <a:lvl2pPr lvl="1" marR="0" rtl="0" algn="l">
+    <a:lvl2pPr marR="0" lvl="1" algn="l" rtl="0">
       <a:lnSpc>
         <a:spcPct val="100000"/>
       </a:lnSpc>
@@ -514,7 +529,7 @@
         <a:srgbClr val="000000"/>
       </a:buClr>
       <a:buFont typeface="Arial"/>
-      <a:defRPr b="0" i="0" sz="1400" u="none" cap="none" strike="noStrike">
+      <a:defRPr sz="1400" b="0" i="0" u="none" strike="noStrike" cap="none">
         <a:solidFill>
           <a:srgbClr val="000000"/>
         </a:solidFill>
@@ -524,7 +539,7 @@
         <a:sym typeface="Arial"/>
       </a:defRPr>
     </a:lvl2pPr>
-    <a:lvl3pPr lvl="2" marR="0" rtl="0" algn="l">
+    <a:lvl3pPr marR="0" lvl="2" algn="l" rtl="0">
       <a:lnSpc>
         <a:spcPct val="100000"/>
       </a:lnSpc>
@@ -538,7 +553,7 @@
         <a:srgbClr val="000000"/>
       </a:buClr>
       <a:buFont typeface="Arial"/>
-      <a:defRPr b="0" i="0" sz="1400" u="none" cap="none" strike="noStrike">
+      <a:defRPr sz="1400" b="0" i="0" u="none" strike="noStrike" cap="none">
         <a:solidFill>
           <a:srgbClr val="000000"/>
         </a:solidFill>
@@ -548,7 +563,7 @@
         <a:sym typeface="Arial"/>
       </a:defRPr>
     </a:lvl3pPr>
-    <a:lvl4pPr lvl="3" marR="0" rtl="0" algn="l">
+    <a:lvl4pPr marR="0" lvl="3" algn="l" rtl="0">
       <a:lnSpc>
         <a:spcPct val="100000"/>
       </a:lnSpc>
@@ -562,7 +577,7 @@
         <a:srgbClr val="000000"/>
       </a:buClr>
       <a:buFont typeface="Arial"/>
-      <a:defRPr b="0" i="0" sz="1400" u="none" cap="none" strike="noStrike">
+      <a:defRPr sz="1400" b="0" i="0" u="none" strike="noStrike" cap="none">
         <a:solidFill>
           <a:srgbClr val="000000"/>
         </a:solidFill>
@@ -572,7 +587,7 @@
         <a:sym typeface="Arial"/>
       </a:defRPr>
     </a:lvl4pPr>
-    <a:lvl5pPr lvl="4" marR="0" rtl="0" algn="l">
+    <a:lvl5pPr marR="0" lvl="4" algn="l" rtl="0">
       <a:lnSpc>
         <a:spcPct val="100000"/>
       </a:lnSpc>
@@ -586,7 +601,7 @@
         <a:srgbClr val="000000"/>
       </a:buClr>
       <a:buFont typeface="Arial"/>
-      <a:defRPr b="0" i="0" sz="1400" u="none" cap="none" strike="noStrike">
+      <a:defRPr sz="1400" b="0" i="0" u="none" strike="noStrike" cap="none">
         <a:solidFill>
           <a:srgbClr val="000000"/>
         </a:solidFill>
@@ -596,7 +611,7 @@
         <a:sym typeface="Arial"/>
       </a:defRPr>
     </a:lvl5pPr>
-    <a:lvl6pPr lvl="5" marR="0" rtl="0" algn="l">
+    <a:lvl6pPr marR="0" lvl="5" algn="l" rtl="0">
       <a:lnSpc>
         <a:spcPct val="100000"/>
       </a:lnSpc>
@@ -610,7 +625,7 @@
         <a:srgbClr val="000000"/>
       </a:buClr>
       <a:buFont typeface="Arial"/>
-      <a:defRPr b="0" i="0" sz="1400" u="none" cap="none" strike="noStrike">
+      <a:defRPr sz="1400" b="0" i="0" u="none" strike="noStrike" cap="none">
         <a:solidFill>
           <a:srgbClr val="000000"/>
         </a:solidFill>
@@ -620,7 +635,7 @@
         <a:sym typeface="Arial"/>
       </a:defRPr>
     </a:lvl6pPr>
-    <a:lvl7pPr lvl="6" marR="0" rtl="0" algn="l">
+    <a:lvl7pPr marR="0" lvl="6" algn="l" rtl="0">
       <a:lnSpc>
         <a:spcPct val="100000"/>
       </a:lnSpc>
@@ -634,7 +649,7 @@
         <a:srgbClr val="000000"/>
       </a:buClr>
       <a:buFont typeface="Arial"/>
-      <a:defRPr b="0" i="0" sz="1400" u="none" cap="none" strike="noStrike">
+      <a:defRPr sz="1400" b="0" i="0" u="none" strike="noStrike" cap="none">
         <a:solidFill>
           <a:srgbClr val="000000"/>
         </a:solidFill>
@@ -644,7 +659,7 @@
         <a:sym typeface="Arial"/>
       </a:defRPr>
     </a:lvl7pPr>
-    <a:lvl8pPr lvl="7" marR="0" rtl="0" algn="l">
+    <a:lvl8pPr marR="0" lvl="7" algn="l" rtl="0">
       <a:lnSpc>
         <a:spcPct val="100000"/>
       </a:lnSpc>
@@ -658,7 +673,7 @@
         <a:srgbClr val="000000"/>
       </a:buClr>
       <a:buFont typeface="Arial"/>
-      <a:defRPr b="0" i="0" sz="1400" u="none" cap="none" strike="noStrike">
+      <a:defRPr sz="1400" b="0" i="0" u="none" strike="noStrike" cap="none">
         <a:solidFill>
           <a:srgbClr val="000000"/>
         </a:solidFill>
@@ -668,7 +683,7 @@
         <a:sym typeface="Arial"/>
       </a:defRPr>
     </a:lvl8pPr>
-    <a:lvl9pPr lvl="8" marR="0" rtl="0" algn="l">
+    <a:lvl9pPr marR="0" lvl="8" algn="l" rtl="0">
       <a:lnSpc>
         <a:spcPct val="100000"/>
       </a:lnSpc>
@@ -682,7 +697,7 @@
         <a:srgbClr val="000000"/>
       </a:buClr>
       <a:buFont typeface="Arial"/>
-      <a:defRPr b="0" i="0" sz="1400" u="none" cap="none" strike="noStrike">
+      <a:defRPr sz="1400" b="0" i="0" u="none" strike="noStrike" cap="none">
         <a:solidFill>
           <a:srgbClr val="000000"/>
         </a:solidFill>
@@ -697,11 +712,11 @@
 </file>
 
 <file path=ppt/notesSlides/notesSlide1.xml><?xml version="1.0" encoding="utf-8"?>
-<p:notes xmlns:a="http://schemas.openxmlformats.org/drawingml/2006/main" xmlns:r="http://schemas.openxmlformats.org/officeDocument/2006/relationships" xmlns:mc="http://schemas.openxmlformats.org/markup-compatibility/2006" xmlns:mv="urn:schemas-microsoft-com:mac:vml" xmlns:p="http://schemas.openxmlformats.org/presentationml/2006/main" xmlns:c="http://schemas.openxmlformats.org/drawingml/2006/chart" xmlns:dgm="http://schemas.openxmlformats.org/drawingml/2006/diagram" xmlns:o="urn:schemas-microsoft-com:office:office" xmlns:v="urn:schemas-microsoft-com:vml" xmlns:pvml="urn:schemas-microsoft-com:office:powerpoint" xmlns:com="http://schemas.openxmlformats.org/drawingml/2006/compatibility" xmlns:p14="http://schemas.microsoft.com/office/powerpoint/2010/main" xmlns:p15="http://schemas.microsoft.com/office/powerpoint/2012/main" xmlns:ahyp="http://schemas.microsoft.com/office/drawing/2018/hyperlinkcolor" showMasterPhAnim="0" showMasterSp="0">
+<p:notes xmlns:a="http://schemas.openxmlformats.org/drawingml/2006/main" xmlns:r="http://schemas.openxmlformats.org/officeDocument/2006/relationships" xmlns:p="http://schemas.openxmlformats.org/presentationml/2006/main" showMasterSp="0" showMasterPhAnim="0">
   <p:cSld>
     <p:spTree>
       <p:nvGrpSpPr>
-        <p:cNvPr id="50" name="Shape 50"/>
+        <p:cNvPr id="1" name="Shape 50"/>
         <p:cNvGrpSpPr/>
         <p:nvPr/>
       </p:nvGrpSpPr>
@@ -716,9 +731,11 @@
       <p:sp>
         <p:nvSpPr>
           <p:cNvPr id="51" name="Google Shape;51;p:notes"/>
-          <p:cNvSpPr/>
+          <p:cNvSpPr>
+            <a:spLocks noGrp="1" noRot="1" noChangeAspect="1"/>
+          </p:cNvSpPr>
           <p:nvPr>
-            <p:ph idx="2" type="sldImg"/>
+            <p:ph type="sldImg" idx="2"/>
           </p:nvPr>
         </p:nvSpPr>
         <p:spPr>
@@ -727,9 +744,13 @@
             <a:ext cx="6096075" cy="3429000"/>
           </a:xfrm>
           <a:custGeom>
-            <a:rect b="b" l="l" r="r" t="t"/>
+            <a:avLst/>
+            <a:gdLst/>
+            <a:ahLst/>
+            <a:cxnLst/>
+            <a:rect l="l" t="t" r="r" b="b"/>
             <a:pathLst>
-              <a:path extrusionOk="0" h="120000" w="120000">
+              <a:path w="120000" h="120000" extrusionOk="0">
                 <a:moveTo>
                   <a:pt x="0" y="0"/>
                 </a:moveTo>
@@ -751,9 +772,11 @@
       <p:sp>
         <p:nvSpPr>
           <p:cNvPr id="52" name="Google Shape;52;p:notes"/>
-          <p:cNvSpPr txBox="1"/>
+          <p:cNvSpPr txBox="1">
+            <a:spLocks noGrp="1"/>
+          </p:cNvSpPr>
           <p:nvPr>
-            <p:ph idx="1" type="body"/>
+            <p:ph type="body" idx="1"/>
           </p:nvPr>
         </p:nvSpPr>
         <p:spPr>
@@ -766,12 +789,12 @@
           </a:prstGeom>
         </p:spPr>
         <p:txBody>
-          <a:bodyPr anchorCtr="0" anchor="t" bIns="91425" lIns="91425" spcFirstLastPara="1" rIns="91425" wrap="square" tIns="91425">
+          <a:bodyPr spcFirstLastPara="1" wrap="square" lIns="91425" tIns="91425" rIns="91425" bIns="91425" anchor="t" anchorCtr="0">
             <a:noAutofit/>
           </a:bodyPr>
           <a:lstStyle/>
           <a:p>
-            <a:pPr indent="0" lvl="0" marL="0" rtl="0" algn="l">
+            <a:pPr marL="0" lvl="0" indent="0" algn="l" rtl="0">
               <a:spcBef>
                 <a:spcPts val="0"/>
               </a:spcBef>
@@ -780,9 +803,6 @@
               </a:spcAft>
               <a:buNone/>
             </a:pPr>
-            <a:r>
-              <a:t/>
-            </a:r>
             <a:endParaRPr/>
           </a:p>
         </p:txBody>
@@ -796,11 +816,11 @@
 </file>
 
 <file path=ppt/notesSlides/notesSlide10.xml><?xml version="1.0" encoding="utf-8"?>
-<p:notes xmlns:a="http://schemas.openxmlformats.org/drawingml/2006/main" xmlns:r="http://schemas.openxmlformats.org/officeDocument/2006/relationships" xmlns:mc="http://schemas.openxmlformats.org/markup-compatibility/2006" xmlns:mv="urn:schemas-microsoft-com:mac:vml" xmlns:p="http://schemas.openxmlformats.org/presentationml/2006/main" xmlns:c="http://schemas.openxmlformats.org/drawingml/2006/chart" xmlns:dgm="http://schemas.openxmlformats.org/drawingml/2006/diagram" xmlns:o="urn:schemas-microsoft-com:office:office" xmlns:v="urn:schemas-microsoft-com:vml" xmlns:pvml="urn:schemas-microsoft-com:office:powerpoint" xmlns:com="http://schemas.openxmlformats.org/drawingml/2006/compatibility" xmlns:p14="http://schemas.microsoft.com/office/powerpoint/2010/main" xmlns:p15="http://schemas.microsoft.com/office/powerpoint/2012/main" xmlns:ahyp="http://schemas.microsoft.com/office/drawing/2018/hyperlinkcolor" showMasterPhAnim="0" showMasterSp="0">
+<p:notes xmlns:a="http://schemas.openxmlformats.org/drawingml/2006/main" xmlns:r="http://schemas.openxmlformats.org/officeDocument/2006/relationships" xmlns:p="http://schemas.openxmlformats.org/presentationml/2006/main" showMasterSp="0" showMasterPhAnim="0">
   <p:cSld>
     <p:spTree>
       <p:nvGrpSpPr>
-        <p:cNvPr id="106" name="Shape 106"/>
+        <p:cNvPr id="1" name="Shape 106"/>
         <p:cNvGrpSpPr/>
         <p:nvPr/>
       </p:nvGrpSpPr>
@@ -815,9 +835,11 @@
       <p:sp>
         <p:nvSpPr>
           <p:cNvPr id="107" name="Google Shape;107;gd73dba7497_0_9:notes"/>
-          <p:cNvSpPr/>
+          <p:cNvSpPr>
+            <a:spLocks noGrp="1" noRot="1" noChangeAspect="1"/>
+          </p:cNvSpPr>
           <p:nvPr>
-            <p:ph idx="2" type="sldImg"/>
+            <p:ph type="sldImg" idx="2"/>
           </p:nvPr>
         </p:nvSpPr>
         <p:spPr>
@@ -826,9 +848,13 @@
             <a:ext cx="6096000" cy="3429000"/>
           </a:xfrm>
           <a:custGeom>
-            <a:rect b="b" l="l" r="r" t="t"/>
+            <a:avLst/>
+            <a:gdLst/>
+            <a:ahLst/>
+            <a:cxnLst/>
+            <a:rect l="l" t="t" r="r" b="b"/>
             <a:pathLst>
-              <a:path extrusionOk="0" h="120000" w="120000">
+              <a:path w="120000" h="120000" extrusionOk="0">
                 <a:moveTo>
                   <a:pt x="0" y="0"/>
                 </a:moveTo>
@@ -850,9 +876,11 @@
       <p:sp>
         <p:nvSpPr>
           <p:cNvPr id="108" name="Google Shape;108;gd73dba7497_0_9:notes"/>
-          <p:cNvSpPr txBox="1"/>
+          <p:cNvSpPr txBox="1">
+            <a:spLocks noGrp="1"/>
+          </p:cNvSpPr>
           <p:nvPr>
-            <p:ph idx="1" type="body"/>
+            <p:ph type="body" idx="1"/>
           </p:nvPr>
         </p:nvSpPr>
         <p:spPr>
@@ -865,12 +893,12 @@
           </a:prstGeom>
         </p:spPr>
         <p:txBody>
-          <a:bodyPr anchorCtr="0" anchor="t" bIns="91425" lIns="91425" spcFirstLastPara="1" rIns="91425" wrap="square" tIns="91425">
+          <a:bodyPr spcFirstLastPara="1" wrap="square" lIns="91425" tIns="91425" rIns="91425" bIns="91425" anchor="t" anchorCtr="0">
             <a:noAutofit/>
           </a:bodyPr>
           <a:lstStyle/>
           <a:p>
-            <a:pPr indent="0" lvl="0" marL="0" rtl="0" algn="l">
+            <a:pPr marL="0" lvl="0" indent="0" algn="l" rtl="0">
               <a:spcBef>
                 <a:spcPts val="0"/>
               </a:spcBef>
@@ -879,9 +907,6 @@
               </a:spcAft>
               <a:buNone/>
             </a:pPr>
-            <a:r>
-              <a:t/>
-            </a:r>
             <a:endParaRPr/>
           </a:p>
         </p:txBody>
@@ -895,11 +920,11 @@
 </file>
 
 <file path=ppt/notesSlides/notesSlide11.xml><?xml version="1.0" encoding="utf-8"?>
-<p:notes xmlns:a="http://schemas.openxmlformats.org/drawingml/2006/main" xmlns:r="http://schemas.openxmlformats.org/officeDocument/2006/relationships" xmlns:mc="http://schemas.openxmlformats.org/markup-compatibility/2006" xmlns:mv="urn:schemas-microsoft-com:mac:vml" xmlns:p="http://schemas.openxmlformats.org/presentationml/2006/main" xmlns:c="http://schemas.openxmlformats.org/drawingml/2006/chart" xmlns:dgm="http://schemas.openxmlformats.org/drawingml/2006/diagram" xmlns:o="urn:schemas-microsoft-com:office:office" xmlns:v="urn:schemas-microsoft-com:vml" xmlns:pvml="urn:schemas-microsoft-com:office:powerpoint" xmlns:com="http://schemas.openxmlformats.org/drawingml/2006/compatibility" xmlns:p14="http://schemas.microsoft.com/office/powerpoint/2010/main" xmlns:p15="http://schemas.microsoft.com/office/powerpoint/2012/main" xmlns:ahyp="http://schemas.microsoft.com/office/drawing/2018/hyperlinkcolor" showMasterPhAnim="0" showMasterSp="0">
+<p:notes xmlns:a="http://schemas.openxmlformats.org/drawingml/2006/main" xmlns:r="http://schemas.openxmlformats.org/officeDocument/2006/relationships" xmlns:p="http://schemas.openxmlformats.org/presentationml/2006/main" showMasterSp="0" showMasterPhAnim="0">
   <p:cSld>
     <p:spTree>
       <p:nvGrpSpPr>
-        <p:cNvPr id="112" name="Shape 112"/>
+        <p:cNvPr id="1" name="Shape 112"/>
         <p:cNvGrpSpPr/>
         <p:nvPr/>
       </p:nvGrpSpPr>
@@ -914,9 +939,11 @@
       <p:sp>
         <p:nvSpPr>
           <p:cNvPr id="113" name="Google Shape;113;gd6cea87d1c_0_54:notes"/>
-          <p:cNvSpPr/>
+          <p:cNvSpPr>
+            <a:spLocks noGrp="1" noRot="1" noChangeAspect="1"/>
+          </p:cNvSpPr>
           <p:nvPr>
-            <p:ph idx="2" type="sldImg"/>
+            <p:ph type="sldImg" idx="2"/>
           </p:nvPr>
         </p:nvSpPr>
         <p:spPr>
@@ -925,9 +952,13 @@
             <a:ext cx="6096000" cy="3429000"/>
           </a:xfrm>
           <a:custGeom>
-            <a:rect b="b" l="l" r="r" t="t"/>
+            <a:avLst/>
+            <a:gdLst/>
+            <a:ahLst/>
+            <a:cxnLst/>
+            <a:rect l="l" t="t" r="r" b="b"/>
             <a:pathLst>
-              <a:path extrusionOk="0" h="120000" w="120000">
+              <a:path w="120000" h="120000" extrusionOk="0">
                 <a:moveTo>
                   <a:pt x="0" y="0"/>
                 </a:moveTo>
@@ -949,9 +980,11 @@
       <p:sp>
         <p:nvSpPr>
           <p:cNvPr id="114" name="Google Shape;114;gd6cea87d1c_0_54:notes"/>
-          <p:cNvSpPr txBox="1"/>
+          <p:cNvSpPr txBox="1">
+            <a:spLocks noGrp="1"/>
+          </p:cNvSpPr>
           <p:nvPr>
-            <p:ph idx="1" type="body"/>
+            <p:ph type="body" idx="1"/>
           </p:nvPr>
         </p:nvSpPr>
         <p:spPr>
@@ -964,12 +997,12 @@
           </a:prstGeom>
         </p:spPr>
         <p:txBody>
-          <a:bodyPr anchorCtr="0" anchor="t" bIns="91425" lIns="91425" spcFirstLastPara="1" rIns="91425" wrap="square" tIns="91425">
+          <a:bodyPr spcFirstLastPara="1" wrap="square" lIns="91425" tIns="91425" rIns="91425" bIns="91425" anchor="t" anchorCtr="0">
             <a:noAutofit/>
           </a:bodyPr>
           <a:lstStyle/>
           <a:p>
-            <a:pPr indent="0" lvl="0" marL="0" rtl="0" algn="l">
+            <a:pPr marL="0" lvl="0" indent="0" algn="l" rtl="0">
               <a:spcBef>
                 <a:spcPts val="0"/>
               </a:spcBef>
@@ -978,9 +1011,6 @@
               </a:spcAft>
               <a:buNone/>
             </a:pPr>
-            <a:r>
-              <a:t/>
-            </a:r>
             <a:endParaRPr/>
           </a:p>
         </p:txBody>
@@ -994,11 +1024,11 @@
 </file>
 
 <file path=ppt/notesSlides/notesSlide2.xml><?xml version="1.0" encoding="utf-8"?>
-<p:notes xmlns:a="http://schemas.openxmlformats.org/drawingml/2006/main" xmlns:r="http://schemas.openxmlformats.org/officeDocument/2006/relationships" xmlns:mc="http://schemas.openxmlformats.org/markup-compatibility/2006" xmlns:mv="urn:schemas-microsoft-com:mac:vml" xmlns:p="http://schemas.openxmlformats.org/presentationml/2006/main" xmlns:c="http://schemas.openxmlformats.org/drawingml/2006/chart" xmlns:dgm="http://schemas.openxmlformats.org/drawingml/2006/diagram" xmlns:o="urn:schemas-microsoft-com:office:office" xmlns:v="urn:schemas-microsoft-com:vml" xmlns:pvml="urn:schemas-microsoft-com:office:powerpoint" xmlns:com="http://schemas.openxmlformats.org/drawingml/2006/compatibility" xmlns:p14="http://schemas.microsoft.com/office/powerpoint/2010/main" xmlns:p15="http://schemas.microsoft.com/office/powerpoint/2012/main" xmlns:ahyp="http://schemas.microsoft.com/office/drawing/2018/hyperlinkcolor" showMasterPhAnim="0" showMasterSp="0">
+<p:notes xmlns:a="http://schemas.openxmlformats.org/drawingml/2006/main" xmlns:r="http://schemas.openxmlformats.org/officeDocument/2006/relationships" xmlns:p="http://schemas.openxmlformats.org/presentationml/2006/main" showMasterSp="0" showMasterPhAnim="0">
   <p:cSld>
     <p:spTree>
       <p:nvGrpSpPr>
-        <p:cNvPr id="56" name="Shape 56"/>
+        <p:cNvPr id="1" name="Shape 56"/>
         <p:cNvGrpSpPr/>
         <p:nvPr/>
       </p:nvGrpSpPr>
@@ -1013,9 +1043,11 @@
       <p:sp>
         <p:nvSpPr>
           <p:cNvPr id="57" name="Google Shape;57;gd6cea87d1c_0_1:notes"/>
-          <p:cNvSpPr/>
+          <p:cNvSpPr>
+            <a:spLocks noGrp="1" noRot="1" noChangeAspect="1"/>
+          </p:cNvSpPr>
           <p:nvPr>
-            <p:ph idx="2" type="sldImg"/>
+            <p:ph type="sldImg" idx="2"/>
           </p:nvPr>
         </p:nvSpPr>
         <p:spPr>
@@ -1024,9 +1056,13 @@
             <a:ext cx="6096000" cy="3429000"/>
           </a:xfrm>
           <a:custGeom>
-            <a:rect b="b" l="l" r="r" t="t"/>
+            <a:avLst/>
+            <a:gdLst/>
+            <a:ahLst/>
+            <a:cxnLst/>
+            <a:rect l="l" t="t" r="r" b="b"/>
             <a:pathLst>
-              <a:path extrusionOk="0" h="120000" w="120000">
+              <a:path w="120000" h="120000" extrusionOk="0">
                 <a:moveTo>
                   <a:pt x="0" y="0"/>
                 </a:moveTo>
@@ -1048,9 +1084,11 @@
       <p:sp>
         <p:nvSpPr>
           <p:cNvPr id="58" name="Google Shape;58;gd6cea87d1c_0_1:notes"/>
-          <p:cNvSpPr txBox="1"/>
+          <p:cNvSpPr txBox="1">
+            <a:spLocks noGrp="1"/>
+          </p:cNvSpPr>
           <p:nvPr>
-            <p:ph idx="1" type="body"/>
+            <p:ph type="body" idx="1"/>
           </p:nvPr>
         </p:nvSpPr>
         <p:spPr>
@@ -1063,12 +1101,12 @@
           </a:prstGeom>
         </p:spPr>
         <p:txBody>
-          <a:bodyPr anchorCtr="0" anchor="t" bIns="91425" lIns="91425" spcFirstLastPara="1" rIns="91425" wrap="square" tIns="91425">
+          <a:bodyPr spcFirstLastPara="1" wrap="square" lIns="91425" tIns="91425" rIns="91425" bIns="91425" anchor="t" anchorCtr="0">
             <a:noAutofit/>
           </a:bodyPr>
           <a:lstStyle/>
           <a:p>
-            <a:pPr indent="0" lvl="0" marL="0" rtl="0" algn="l">
+            <a:pPr marL="0" lvl="0" indent="0" algn="l" rtl="0">
               <a:spcBef>
                 <a:spcPts val="0"/>
               </a:spcBef>
@@ -1077,9 +1115,6 @@
               </a:spcAft>
               <a:buNone/>
             </a:pPr>
-            <a:r>
-              <a:t/>
-            </a:r>
             <a:endParaRPr/>
           </a:p>
         </p:txBody>
@@ -1093,11 +1128,11 @@
 </file>
 
 <file path=ppt/notesSlides/notesSlide3.xml><?xml version="1.0" encoding="utf-8"?>
-<p:notes xmlns:a="http://schemas.openxmlformats.org/drawingml/2006/main" xmlns:r="http://schemas.openxmlformats.org/officeDocument/2006/relationships" xmlns:mc="http://schemas.openxmlformats.org/markup-compatibility/2006" xmlns:mv="urn:schemas-microsoft-com:mac:vml" xmlns:p="http://schemas.openxmlformats.org/presentationml/2006/main" xmlns:c="http://schemas.openxmlformats.org/drawingml/2006/chart" xmlns:dgm="http://schemas.openxmlformats.org/drawingml/2006/diagram" xmlns:o="urn:schemas-microsoft-com:office:office" xmlns:v="urn:schemas-microsoft-com:vml" xmlns:pvml="urn:schemas-microsoft-com:office:powerpoint" xmlns:com="http://schemas.openxmlformats.org/drawingml/2006/compatibility" xmlns:p14="http://schemas.microsoft.com/office/powerpoint/2010/main" xmlns:p15="http://schemas.microsoft.com/office/powerpoint/2012/main" xmlns:ahyp="http://schemas.microsoft.com/office/drawing/2018/hyperlinkcolor" showMasterPhAnim="0" showMasterSp="0">
+<p:notes xmlns:a="http://schemas.openxmlformats.org/drawingml/2006/main" xmlns:r="http://schemas.openxmlformats.org/officeDocument/2006/relationships" xmlns:p="http://schemas.openxmlformats.org/presentationml/2006/main" showMasterSp="0" showMasterPhAnim="0">
   <p:cSld>
     <p:spTree>
       <p:nvGrpSpPr>
-        <p:cNvPr id="63" name="Shape 63"/>
+        <p:cNvPr id="1" name="Shape 63"/>
         <p:cNvGrpSpPr/>
         <p:nvPr/>
       </p:nvGrpSpPr>
@@ -1112,20 +1147,26 @@
       <p:sp>
         <p:nvSpPr>
           <p:cNvPr id="64" name="Google Shape;64;gd6cea87d1c_0_7:notes"/>
-          <p:cNvSpPr/>
+          <p:cNvSpPr>
+            <a:spLocks noGrp="1" noRot="1" noChangeAspect="1"/>
+          </p:cNvSpPr>
           <p:nvPr>
-            <p:ph idx="2" type="sldImg"/>
+            <p:ph type="sldImg" idx="2"/>
           </p:nvPr>
         </p:nvSpPr>
         <p:spPr>
           <a:xfrm>
-            <a:off x="381300" y="685800"/>
+            <a:off x="381000" y="685800"/>
             <a:ext cx="6096000" cy="3429000"/>
           </a:xfrm>
           <a:custGeom>
-            <a:rect b="b" l="l" r="r" t="t"/>
+            <a:avLst/>
+            <a:gdLst/>
+            <a:ahLst/>
+            <a:cxnLst/>
+            <a:rect l="l" t="t" r="r" b="b"/>
             <a:pathLst>
-              <a:path extrusionOk="0" h="120000" w="120000">
+              <a:path w="120000" h="120000" extrusionOk="0">
                 <a:moveTo>
                   <a:pt x="0" y="0"/>
                 </a:moveTo>
@@ -1147,9 +1188,11 @@
       <p:sp>
         <p:nvSpPr>
           <p:cNvPr id="65" name="Google Shape;65;gd6cea87d1c_0_7:notes"/>
-          <p:cNvSpPr txBox="1"/>
+          <p:cNvSpPr txBox="1">
+            <a:spLocks noGrp="1"/>
+          </p:cNvSpPr>
           <p:nvPr>
-            <p:ph idx="1" type="body"/>
+            <p:ph type="body" idx="1"/>
           </p:nvPr>
         </p:nvSpPr>
         <p:spPr>
@@ -1162,12 +1205,12 @@
           </a:prstGeom>
         </p:spPr>
         <p:txBody>
-          <a:bodyPr anchorCtr="0" anchor="t" bIns="91425" lIns="91425" spcFirstLastPara="1" rIns="91425" wrap="square" tIns="91425">
+          <a:bodyPr spcFirstLastPara="1" wrap="square" lIns="91425" tIns="91425" rIns="91425" bIns="91425" anchor="t" anchorCtr="0">
             <a:noAutofit/>
           </a:bodyPr>
           <a:lstStyle/>
           <a:p>
-            <a:pPr indent="0" lvl="0" marL="0" rtl="0" algn="l">
+            <a:pPr marL="0" lvl="0" indent="0" algn="l" rtl="0">
               <a:spcBef>
                 <a:spcPts val="0"/>
               </a:spcBef>
@@ -1176,9 +1219,6 @@
               </a:spcAft>
               <a:buNone/>
             </a:pPr>
-            <a:r>
-              <a:t/>
-            </a:r>
             <a:endParaRPr/>
           </a:p>
         </p:txBody>
@@ -1192,11 +1232,11 @@
 </file>
 
 <file path=ppt/notesSlides/notesSlide4.xml><?xml version="1.0" encoding="utf-8"?>
-<p:notes xmlns:a="http://schemas.openxmlformats.org/drawingml/2006/main" xmlns:r="http://schemas.openxmlformats.org/officeDocument/2006/relationships" xmlns:mc="http://schemas.openxmlformats.org/markup-compatibility/2006" xmlns:mv="urn:schemas-microsoft-com:mac:vml" xmlns:p="http://schemas.openxmlformats.org/presentationml/2006/main" xmlns:c="http://schemas.openxmlformats.org/drawingml/2006/chart" xmlns:dgm="http://schemas.openxmlformats.org/drawingml/2006/diagram" xmlns:o="urn:schemas-microsoft-com:office:office" xmlns:v="urn:schemas-microsoft-com:vml" xmlns:pvml="urn:schemas-microsoft-com:office:powerpoint" xmlns:com="http://schemas.openxmlformats.org/drawingml/2006/compatibility" xmlns:p14="http://schemas.microsoft.com/office/powerpoint/2010/main" xmlns:p15="http://schemas.microsoft.com/office/powerpoint/2012/main" xmlns:ahyp="http://schemas.microsoft.com/office/drawing/2018/hyperlinkcolor" showMasterPhAnim="0" showMasterSp="0">
+<p:notes xmlns:a="http://schemas.openxmlformats.org/drawingml/2006/main" xmlns:r="http://schemas.openxmlformats.org/officeDocument/2006/relationships" xmlns:p="http://schemas.openxmlformats.org/presentationml/2006/main" showMasterSp="0" showMasterPhAnim="0">
   <p:cSld>
     <p:spTree>
       <p:nvGrpSpPr>
-        <p:cNvPr id="69" name="Shape 69"/>
+        <p:cNvPr id="1" name="Shape 69"/>
         <p:cNvGrpSpPr/>
         <p:nvPr/>
       </p:nvGrpSpPr>
@@ -1211,20 +1251,26 @@
       <p:sp>
         <p:nvSpPr>
           <p:cNvPr id="70" name="Google Shape;70;gd6cea87d1c_0_13:notes"/>
-          <p:cNvSpPr/>
+          <p:cNvSpPr>
+            <a:spLocks noGrp="1" noRot="1" noChangeAspect="1"/>
+          </p:cNvSpPr>
           <p:nvPr>
-            <p:ph idx="2" type="sldImg"/>
+            <p:ph type="sldImg" idx="2"/>
           </p:nvPr>
         </p:nvSpPr>
         <p:spPr>
           <a:xfrm>
-            <a:off x="381300" y="685800"/>
+            <a:off x="381000" y="685800"/>
             <a:ext cx="6096000" cy="3429000"/>
           </a:xfrm>
           <a:custGeom>
-            <a:rect b="b" l="l" r="r" t="t"/>
+            <a:avLst/>
+            <a:gdLst/>
+            <a:ahLst/>
+            <a:cxnLst/>
+            <a:rect l="l" t="t" r="r" b="b"/>
             <a:pathLst>
-              <a:path extrusionOk="0" h="120000" w="120000">
+              <a:path w="120000" h="120000" extrusionOk="0">
                 <a:moveTo>
                   <a:pt x="0" y="0"/>
                 </a:moveTo>
@@ -1246,9 +1292,11 @@
       <p:sp>
         <p:nvSpPr>
           <p:cNvPr id="71" name="Google Shape;71;gd6cea87d1c_0_13:notes"/>
-          <p:cNvSpPr txBox="1"/>
+          <p:cNvSpPr txBox="1">
+            <a:spLocks noGrp="1"/>
+          </p:cNvSpPr>
           <p:nvPr>
-            <p:ph idx="1" type="body"/>
+            <p:ph type="body" idx="1"/>
           </p:nvPr>
         </p:nvSpPr>
         <p:spPr>
@@ -1261,12 +1309,12 @@
           </a:prstGeom>
         </p:spPr>
         <p:txBody>
-          <a:bodyPr anchorCtr="0" anchor="t" bIns="91425" lIns="91425" spcFirstLastPara="1" rIns="91425" wrap="square" tIns="91425">
+          <a:bodyPr spcFirstLastPara="1" wrap="square" lIns="91425" tIns="91425" rIns="91425" bIns="91425" anchor="t" anchorCtr="0">
             <a:noAutofit/>
           </a:bodyPr>
           <a:lstStyle/>
           <a:p>
-            <a:pPr indent="0" lvl="0" marL="0" rtl="0" algn="l">
+            <a:pPr marL="0" lvl="0" indent="0" algn="l" rtl="0">
               <a:spcBef>
                 <a:spcPts val="0"/>
               </a:spcBef>
@@ -1275,9 +1323,6 @@
               </a:spcAft>
               <a:buNone/>
             </a:pPr>
-            <a:r>
-              <a:t/>
-            </a:r>
             <a:endParaRPr/>
           </a:p>
         </p:txBody>
@@ -1291,11 +1336,11 @@
 </file>
 
 <file path=ppt/notesSlides/notesSlide5.xml><?xml version="1.0" encoding="utf-8"?>
-<p:notes xmlns:a="http://schemas.openxmlformats.org/drawingml/2006/main" xmlns:r="http://schemas.openxmlformats.org/officeDocument/2006/relationships" xmlns:mc="http://schemas.openxmlformats.org/markup-compatibility/2006" xmlns:mv="urn:schemas-microsoft-com:mac:vml" xmlns:p="http://schemas.openxmlformats.org/presentationml/2006/main" xmlns:c="http://schemas.openxmlformats.org/drawingml/2006/chart" xmlns:dgm="http://schemas.openxmlformats.org/drawingml/2006/diagram" xmlns:o="urn:schemas-microsoft-com:office:office" xmlns:v="urn:schemas-microsoft-com:vml" xmlns:pvml="urn:schemas-microsoft-com:office:powerpoint" xmlns:com="http://schemas.openxmlformats.org/drawingml/2006/compatibility" xmlns:p14="http://schemas.microsoft.com/office/powerpoint/2010/main" xmlns:p15="http://schemas.microsoft.com/office/powerpoint/2012/main" xmlns:ahyp="http://schemas.microsoft.com/office/drawing/2018/hyperlinkcolor" showMasterPhAnim="0" showMasterSp="0">
+<p:notes xmlns:a="http://schemas.openxmlformats.org/drawingml/2006/main" xmlns:r="http://schemas.openxmlformats.org/officeDocument/2006/relationships" xmlns:p="http://schemas.openxmlformats.org/presentationml/2006/main" showMasterSp="0" showMasterPhAnim="0">
   <p:cSld>
     <p:spTree>
       <p:nvGrpSpPr>
-        <p:cNvPr id="75" name="Shape 75"/>
+        <p:cNvPr id="1" name="Shape 75"/>
         <p:cNvGrpSpPr/>
         <p:nvPr/>
       </p:nvGrpSpPr>
@@ -1310,9 +1355,11 @@
       <p:sp>
         <p:nvSpPr>
           <p:cNvPr id="76" name="Google Shape;76;gd6cea87d1c_0_20:notes"/>
-          <p:cNvSpPr/>
+          <p:cNvSpPr>
+            <a:spLocks noGrp="1" noRot="1" noChangeAspect="1"/>
+          </p:cNvSpPr>
           <p:nvPr>
-            <p:ph idx="2" type="sldImg"/>
+            <p:ph type="sldImg" idx="2"/>
           </p:nvPr>
         </p:nvSpPr>
         <p:spPr>
@@ -1321,9 +1368,13 @@
             <a:ext cx="6096000" cy="3429000"/>
           </a:xfrm>
           <a:custGeom>
-            <a:rect b="b" l="l" r="r" t="t"/>
+            <a:avLst/>
+            <a:gdLst/>
+            <a:ahLst/>
+            <a:cxnLst/>
+            <a:rect l="l" t="t" r="r" b="b"/>
             <a:pathLst>
-              <a:path extrusionOk="0" h="120000" w="120000">
+              <a:path w="120000" h="120000" extrusionOk="0">
                 <a:moveTo>
                   <a:pt x="0" y="0"/>
                 </a:moveTo>
@@ -1345,9 +1396,11 @@
       <p:sp>
         <p:nvSpPr>
           <p:cNvPr id="77" name="Google Shape;77;gd6cea87d1c_0_20:notes"/>
-          <p:cNvSpPr txBox="1"/>
+          <p:cNvSpPr txBox="1">
+            <a:spLocks noGrp="1"/>
+          </p:cNvSpPr>
           <p:nvPr>
-            <p:ph idx="1" type="body"/>
+            <p:ph type="body" idx="1"/>
           </p:nvPr>
         </p:nvSpPr>
         <p:spPr>
@@ -1360,12 +1413,12 @@
           </a:prstGeom>
         </p:spPr>
         <p:txBody>
-          <a:bodyPr anchorCtr="0" anchor="t" bIns="91425" lIns="91425" spcFirstLastPara="1" rIns="91425" wrap="square" tIns="91425">
+          <a:bodyPr spcFirstLastPara="1" wrap="square" lIns="91425" tIns="91425" rIns="91425" bIns="91425" anchor="t" anchorCtr="0">
             <a:noAutofit/>
           </a:bodyPr>
           <a:lstStyle/>
           <a:p>
-            <a:pPr indent="0" lvl="0" marL="0" rtl="0" algn="l">
+            <a:pPr marL="0" lvl="0" indent="0" algn="l" rtl="0">
               <a:spcBef>
                 <a:spcPts val="0"/>
               </a:spcBef>
@@ -1374,9 +1427,6 @@
               </a:spcAft>
               <a:buNone/>
             </a:pPr>
-            <a:r>
-              <a:t/>
-            </a:r>
             <a:endParaRPr/>
           </a:p>
         </p:txBody>
@@ -1390,11 +1440,11 @@
 </file>
 
 <file path=ppt/notesSlides/notesSlide6.xml><?xml version="1.0" encoding="utf-8"?>
-<p:notes xmlns:a="http://schemas.openxmlformats.org/drawingml/2006/main" xmlns:r="http://schemas.openxmlformats.org/officeDocument/2006/relationships" xmlns:mc="http://schemas.openxmlformats.org/markup-compatibility/2006" xmlns:mv="urn:schemas-microsoft-com:mac:vml" xmlns:p="http://schemas.openxmlformats.org/presentationml/2006/main" xmlns:c="http://schemas.openxmlformats.org/drawingml/2006/chart" xmlns:dgm="http://schemas.openxmlformats.org/drawingml/2006/diagram" xmlns:o="urn:schemas-microsoft-com:office:office" xmlns:v="urn:schemas-microsoft-com:vml" xmlns:pvml="urn:schemas-microsoft-com:office:powerpoint" xmlns:com="http://schemas.openxmlformats.org/drawingml/2006/compatibility" xmlns:p14="http://schemas.microsoft.com/office/powerpoint/2010/main" xmlns:p15="http://schemas.microsoft.com/office/powerpoint/2012/main" xmlns:ahyp="http://schemas.microsoft.com/office/drawing/2018/hyperlinkcolor" showMasterPhAnim="0" showMasterSp="0">
+<p:notes xmlns:a="http://schemas.openxmlformats.org/drawingml/2006/main" xmlns:r="http://schemas.openxmlformats.org/officeDocument/2006/relationships" xmlns:p="http://schemas.openxmlformats.org/presentationml/2006/main" showMasterSp="0" showMasterPhAnim="0">
   <p:cSld>
     <p:spTree>
       <p:nvGrpSpPr>
-        <p:cNvPr id="81" name="Shape 81"/>
+        <p:cNvPr id="1" name="Shape 81"/>
         <p:cNvGrpSpPr/>
         <p:nvPr/>
       </p:nvGrpSpPr>
@@ -1409,9 +1459,11 @@
       <p:sp>
         <p:nvSpPr>
           <p:cNvPr id="82" name="Google Shape;82;gd6cea87d1c_0_27:notes"/>
-          <p:cNvSpPr/>
+          <p:cNvSpPr>
+            <a:spLocks noGrp="1" noRot="1" noChangeAspect="1"/>
+          </p:cNvSpPr>
           <p:nvPr>
-            <p:ph idx="2" type="sldImg"/>
+            <p:ph type="sldImg" idx="2"/>
           </p:nvPr>
         </p:nvSpPr>
         <p:spPr>
@@ -1420,9 +1472,13 @@
             <a:ext cx="6096000" cy="3429000"/>
           </a:xfrm>
           <a:custGeom>
-            <a:rect b="b" l="l" r="r" t="t"/>
+            <a:avLst/>
+            <a:gdLst/>
+            <a:ahLst/>
+            <a:cxnLst/>
+            <a:rect l="l" t="t" r="r" b="b"/>
             <a:pathLst>
-              <a:path extrusionOk="0" h="120000" w="120000">
+              <a:path w="120000" h="120000" extrusionOk="0">
                 <a:moveTo>
                   <a:pt x="0" y="0"/>
                 </a:moveTo>
@@ -1444,9 +1500,11 @@
       <p:sp>
         <p:nvSpPr>
           <p:cNvPr id="83" name="Google Shape;83;gd6cea87d1c_0_27:notes"/>
-          <p:cNvSpPr txBox="1"/>
+          <p:cNvSpPr txBox="1">
+            <a:spLocks noGrp="1"/>
+          </p:cNvSpPr>
           <p:nvPr>
-            <p:ph idx="1" type="body"/>
+            <p:ph type="body" idx="1"/>
           </p:nvPr>
         </p:nvSpPr>
         <p:spPr>
@@ -1459,12 +1517,12 @@
           </a:prstGeom>
         </p:spPr>
         <p:txBody>
-          <a:bodyPr anchorCtr="0" anchor="t" bIns="91425" lIns="91425" spcFirstLastPara="1" rIns="91425" wrap="square" tIns="91425">
+          <a:bodyPr spcFirstLastPara="1" wrap="square" lIns="91425" tIns="91425" rIns="91425" bIns="91425" anchor="t" anchorCtr="0">
             <a:noAutofit/>
           </a:bodyPr>
           <a:lstStyle/>
           <a:p>
-            <a:pPr indent="0" lvl="0" marL="0" rtl="0" algn="l">
+            <a:pPr marL="0" lvl="0" indent="0" algn="l" rtl="0">
               <a:spcBef>
                 <a:spcPts val="0"/>
               </a:spcBef>
@@ -1473,9 +1531,6 @@
               </a:spcAft>
               <a:buNone/>
             </a:pPr>
-            <a:r>
-              <a:t/>
-            </a:r>
             <a:endParaRPr/>
           </a:p>
         </p:txBody>
@@ -1489,11 +1544,11 @@
 </file>
 
 <file path=ppt/notesSlides/notesSlide7.xml><?xml version="1.0" encoding="utf-8"?>
-<p:notes xmlns:a="http://schemas.openxmlformats.org/drawingml/2006/main" xmlns:r="http://schemas.openxmlformats.org/officeDocument/2006/relationships" xmlns:mc="http://schemas.openxmlformats.org/markup-compatibility/2006" xmlns:mv="urn:schemas-microsoft-com:mac:vml" xmlns:p="http://schemas.openxmlformats.org/presentationml/2006/main" xmlns:c="http://schemas.openxmlformats.org/drawingml/2006/chart" xmlns:dgm="http://schemas.openxmlformats.org/drawingml/2006/diagram" xmlns:o="urn:schemas-microsoft-com:office:office" xmlns:v="urn:schemas-microsoft-com:vml" xmlns:pvml="urn:schemas-microsoft-com:office:powerpoint" xmlns:com="http://schemas.openxmlformats.org/drawingml/2006/compatibility" xmlns:p14="http://schemas.microsoft.com/office/powerpoint/2010/main" xmlns:p15="http://schemas.microsoft.com/office/powerpoint/2012/main" xmlns:ahyp="http://schemas.microsoft.com/office/drawing/2018/hyperlinkcolor" showMasterPhAnim="0" showMasterSp="0">
+<p:notes xmlns:a="http://schemas.openxmlformats.org/drawingml/2006/main" xmlns:r="http://schemas.openxmlformats.org/officeDocument/2006/relationships" xmlns:p="http://schemas.openxmlformats.org/presentationml/2006/main" showMasterSp="0" showMasterPhAnim="0">
   <p:cSld>
     <p:spTree>
       <p:nvGrpSpPr>
-        <p:cNvPr id="88" name="Shape 88"/>
+        <p:cNvPr id="1" name="Shape 88"/>
         <p:cNvGrpSpPr/>
         <p:nvPr/>
       </p:nvGrpSpPr>
@@ -1508,9 +1563,11 @@
       <p:sp>
         <p:nvSpPr>
           <p:cNvPr id="89" name="Google Shape;89;gd6cea87d1c_0_60:notes"/>
-          <p:cNvSpPr/>
+          <p:cNvSpPr>
+            <a:spLocks noGrp="1" noRot="1" noChangeAspect="1"/>
+          </p:cNvSpPr>
           <p:nvPr>
-            <p:ph idx="2" type="sldImg"/>
+            <p:ph type="sldImg" idx="2"/>
           </p:nvPr>
         </p:nvSpPr>
         <p:spPr>
@@ -1519,9 +1576,13 @@
             <a:ext cx="6096000" cy="3429000"/>
           </a:xfrm>
           <a:custGeom>
-            <a:rect b="b" l="l" r="r" t="t"/>
+            <a:avLst/>
+            <a:gdLst/>
+            <a:ahLst/>
+            <a:cxnLst/>
+            <a:rect l="l" t="t" r="r" b="b"/>
             <a:pathLst>
-              <a:path extrusionOk="0" h="120000" w="120000">
+              <a:path w="120000" h="120000" extrusionOk="0">
                 <a:moveTo>
                   <a:pt x="0" y="0"/>
                 </a:moveTo>
@@ -1543,9 +1604,11 @@
       <p:sp>
         <p:nvSpPr>
           <p:cNvPr id="90" name="Google Shape;90;gd6cea87d1c_0_60:notes"/>
-          <p:cNvSpPr txBox="1"/>
+          <p:cNvSpPr txBox="1">
+            <a:spLocks noGrp="1"/>
+          </p:cNvSpPr>
           <p:nvPr>
-            <p:ph idx="1" type="body"/>
+            <p:ph type="body" idx="1"/>
           </p:nvPr>
         </p:nvSpPr>
         <p:spPr>
@@ -1558,12 +1621,12 @@
           </a:prstGeom>
         </p:spPr>
         <p:txBody>
-          <a:bodyPr anchorCtr="0" anchor="t" bIns="91425" lIns="91425" spcFirstLastPara="1" rIns="91425" wrap="square" tIns="91425">
+          <a:bodyPr spcFirstLastPara="1" wrap="square" lIns="91425" tIns="91425" rIns="91425" bIns="91425" anchor="t" anchorCtr="0">
             <a:noAutofit/>
           </a:bodyPr>
           <a:lstStyle/>
           <a:p>
-            <a:pPr indent="0" lvl="0" marL="0" rtl="0" algn="l">
+            <a:pPr marL="0" lvl="0" indent="0" algn="l" rtl="0">
               <a:spcBef>
                 <a:spcPts val="0"/>
               </a:spcBef>
@@ -1572,9 +1635,6 @@
               </a:spcAft>
               <a:buNone/>
             </a:pPr>
-            <a:r>
-              <a:t/>
-            </a:r>
             <a:endParaRPr/>
           </a:p>
         </p:txBody>
@@ -1588,11 +1648,11 @@
 </file>
 
 <file path=ppt/notesSlides/notesSlide8.xml><?xml version="1.0" encoding="utf-8"?>
-<p:notes xmlns:a="http://schemas.openxmlformats.org/drawingml/2006/main" xmlns:r="http://schemas.openxmlformats.org/officeDocument/2006/relationships" xmlns:mc="http://schemas.openxmlformats.org/markup-compatibility/2006" xmlns:mv="urn:schemas-microsoft-com:mac:vml" xmlns:p="http://schemas.openxmlformats.org/presentationml/2006/main" xmlns:c="http://schemas.openxmlformats.org/drawingml/2006/chart" xmlns:dgm="http://schemas.openxmlformats.org/drawingml/2006/diagram" xmlns:o="urn:schemas-microsoft-com:office:office" xmlns:v="urn:schemas-microsoft-com:vml" xmlns:pvml="urn:schemas-microsoft-com:office:powerpoint" xmlns:com="http://schemas.openxmlformats.org/drawingml/2006/compatibility" xmlns:p14="http://schemas.microsoft.com/office/powerpoint/2010/main" xmlns:p15="http://schemas.microsoft.com/office/powerpoint/2012/main" xmlns:ahyp="http://schemas.microsoft.com/office/drawing/2018/hyperlinkcolor" showMasterPhAnim="0" showMasterSp="0">
+<p:notes xmlns:a="http://schemas.openxmlformats.org/drawingml/2006/main" xmlns:r="http://schemas.openxmlformats.org/officeDocument/2006/relationships" xmlns:p="http://schemas.openxmlformats.org/presentationml/2006/main" showMasterSp="0" showMasterPhAnim="0">
   <p:cSld>
     <p:spTree>
       <p:nvGrpSpPr>
-        <p:cNvPr id="94" name="Shape 94"/>
+        <p:cNvPr id="1" name="Shape 94"/>
         <p:cNvGrpSpPr/>
         <p:nvPr/>
       </p:nvGrpSpPr>
@@ -1607,9 +1667,11 @@
       <p:sp>
         <p:nvSpPr>
           <p:cNvPr id="95" name="Google Shape;95;gd6cea87d1c_0_67:notes"/>
-          <p:cNvSpPr/>
+          <p:cNvSpPr>
+            <a:spLocks noGrp="1" noRot="1" noChangeAspect="1"/>
+          </p:cNvSpPr>
           <p:nvPr>
-            <p:ph idx="2" type="sldImg"/>
+            <p:ph type="sldImg" idx="2"/>
           </p:nvPr>
         </p:nvSpPr>
         <p:spPr>
@@ -1618,9 +1680,13 @@
             <a:ext cx="6096000" cy="3429000"/>
           </a:xfrm>
           <a:custGeom>
-            <a:rect b="b" l="l" r="r" t="t"/>
+            <a:avLst/>
+            <a:gdLst/>
+            <a:ahLst/>
+            <a:cxnLst/>
+            <a:rect l="l" t="t" r="r" b="b"/>
             <a:pathLst>
-              <a:path extrusionOk="0" h="120000" w="120000">
+              <a:path w="120000" h="120000" extrusionOk="0">
                 <a:moveTo>
                   <a:pt x="0" y="0"/>
                 </a:moveTo>
@@ -1642,9 +1708,11 @@
       <p:sp>
         <p:nvSpPr>
           <p:cNvPr id="96" name="Google Shape;96;gd6cea87d1c_0_67:notes"/>
-          <p:cNvSpPr txBox="1"/>
+          <p:cNvSpPr txBox="1">
+            <a:spLocks noGrp="1"/>
+          </p:cNvSpPr>
           <p:nvPr>
-            <p:ph idx="1" type="body"/>
+            <p:ph type="body" idx="1"/>
           </p:nvPr>
         </p:nvSpPr>
         <p:spPr>
@@ -1657,12 +1725,12 @@
           </a:prstGeom>
         </p:spPr>
         <p:txBody>
-          <a:bodyPr anchorCtr="0" anchor="t" bIns="91425" lIns="91425" spcFirstLastPara="1" rIns="91425" wrap="square" tIns="91425">
+          <a:bodyPr spcFirstLastPara="1" wrap="square" lIns="91425" tIns="91425" rIns="91425" bIns="91425" anchor="t" anchorCtr="0">
             <a:noAutofit/>
           </a:bodyPr>
           <a:lstStyle/>
           <a:p>
-            <a:pPr indent="0" lvl="0" marL="0" rtl="0" algn="l">
+            <a:pPr marL="0" lvl="0" indent="0" algn="l" rtl="0">
               <a:spcBef>
                 <a:spcPts val="0"/>
               </a:spcBef>
@@ -1671,9 +1739,6 @@
               </a:spcAft>
               <a:buNone/>
             </a:pPr>
-            <a:r>
-              <a:t/>
-            </a:r>
             <a:endParaRPr/>
           </a:p>
         </p:txBody>
@@ -1687,11 +1752,11 @@
 </file>
 
 <file path=ppt/notesSlides/notesSlide9.xml><?xml version="1.0" encoding="utf-8"?>
-<p:notes xmlns:a="http://schemas.openxmlformats.org/drawingml/2006/main" xmlns:r="http://schemas.openxmlformats.org/officeDocument/2006/relationships" xmlns:mc="http://schemas.openxmlformats.org/markup-compatibility/2006" xmlns:mv="urn:schemas-microsoft-com:mac:vml" xmlns:p="http://schemas.openxmlformats.org/presentationml/2006/main" xmlns:c="http://schemas.openxmlformats.org/drawingml/2006/chart" xmlns:dgm="http://schemas.openxmlformats.org/drawingml/2006/diagram" xmlns:o="urn:schemas-microsoft-com:office:office" xmlns:v="urn:schemas-microsoft-com:vml" xmlns:pvml="urn:schemas-microsoft-com:office:powerpoint" xmlns:com="http://schemas.openxmlformats.org/drawingml/2006/compatibility" xmlns:p14="http://schemas.microsoft.com/office/powerpoint/2010/main" xmlns:p15="http://schemas.microsoft.com/office/powerpoint/2012/main" xmlns:ahyp="http://schemas.microsoft.com/office/drawing/2018/hyperlinkcolor" showMasterPhAnim="0" showMasterSp="0">
+<p:notes xmlns:a="http://schemas.openxmlformats.org/drawingml/2006/main" xmlns:r="http://schemas.openxmlformats.org/officeDocument/2006/relationships" xmlns:p="http://schemas.openxmlformats.org/presentationml/2006/main" showMasterSp="0" showMasterPhAnim="0">
   <p:cSld>
     <p:spTree>
       <p:nvGrpSpPr>
-        <p:cNvPr id="100" name="Shape 100"/>
+        <p:cNvPr id="1" name="Shape 100"/>
         <p:cNvGrpSpPr/>
         <p:nvPr/>
       </p:nvGrpSpPr>
@@ -1706,9 +1771,11 @@
       <p:sp>
         <p:nvSpPr>
           <p:cNvPr id="101" name="Google Shape;101;gd73dba7497_0_2:notes"/>
-          <p:cNvSpPr/>
+          <p:cNvSpPr>
+            <a:spLocks noGrp="1" noRot="1" noChangeAspect="1"/>
+          </p:cNvSpPr>
           <p:nvPr>
-            <p:ph idx="2" type="sldImg"/>
+            <p:ph type="sldImg" idx="2"/>
           </p:nvPr>
         </p:nvSpPr>
         <p:spPr>
@@ -1717,9 +1784,13 @@
             <a:ext cx="6096000" cy="3429000"/>
           </a:xfrm>
           <a:custGeom>
-            <a:rect b="b" l="l" r="r" t="t"/>
+            <a:avLst/>
+            <a:gdLst/>
+            <a:ahLst/>
+            <a:cxnLst/>
+            <a:rect l="l" t="t" r="r" b="b"/>
             <a:pathLst>
-              <a:path extrusionOk="0" h="120000" w="120000">
+              <a:path w="120000" h="120000" extrusionOk="0">
                 <a:moveTo>
                   <a:pt x="0" y="0"/>
                 </a:moveTo>
@@ -1741,9 +1812,11 @@
       <p:sp>
         <p:nvSpPr>
           <p:cNvPr id="102" name="Google Shape;102;gd73dba7497_0_2:notes"/>
-          <p:cNvSpPr txBox="1"/>
+          <p:cNvSpPr txBox="1">
+            <a:spLocks noGrp="1"/>
+          </p:cNvSpPr>
           <p:nvPr>
-            <p:ph idx="1" type="body"/>
+            <p:ph type="body" idx="1"/>
           </p:nvPr>
         </p:nvSpPr>
         <p:spPr>
@@ -1756,12 +1829,12 @@
           </a:prstGeom>
         </p:spPr>
         <p:txBody>
-          <a:bodyPr anchorCtr="0" anchor="t" bIns="91425" lIns="91425" spcFirstLastPara="1" rIns="91425" wrap="square" tIns="91425">
+          <a:bodyPr spcFirstLastPara="1" wrap="square" lIns="91425" tIns="91425" rIns="91425" bIns="91425" anchor="t" anchorCtr="0">
             <a:noAutofit/>
           </a:bodyPr>
           <a:lstStyle/>
           <a:p>
-            <a:pPr indent="0" lvl="0" marL="0" rtl="0" algn="l">
+            <a:pPr marL="0" lvl="0" indent="0" algn="l" rtl="0">
               <a:spcBef>
                 <a:spcPts val="0"/>
               </a:spcBef>
@@ -1770,9 +1843,6 @@
               </a:spcAft>
               <a:buNone/>
             </a:pPr>
-            <a:r>
-              <a:t/>
-            </a:r>
             <a:endParaRPr/>
           </a:p>
         </p:txBody>
@@ -1786,11 +1856,11 @@
 </file>
 
 <file path=ppt/slideLayouts/slideLayout1.xml><?xml version="1.0" encoding="utf-8"?>
-<p:sldLayout xmlns:a="http://schemas.openxmlformats.org/drawingml/2006/main" xmlns:r="http://schemas.openxmlformats.org/officeDocument/2006/relationships" xmlns:mc="http://schemas.openxmlformats.org/markup-compatibility/2006" xmlns:mv="urn:schemas-microsoft-com:mac:vml" xmlns:p="http://schemas.openxmlformats.org/presentationml/2006/main" xmlns:c="http://schemas.openxmlformats.org/drawingml/2006/chart" xmlns:dgm="http://schemas.openxmlformats.org/drawingml/2006/diagram" xmlns:o="urn:schemas-microsoft-com:office:office" xmlns:v="urn:schemas-microsoft-com:vml" xmlns:pvml="urn:schemas-microsoft-com:office:powerpoint" xmlns:com="http://schemas.openxmlformats.org/drawingml/2006/compatibility" xmlns:p14="http://schemas.microsoft.com/office/powerpoint/2010/main" xmlns:p15="http://schemas.microsoft.com/office/powerpoint/2012/main" xmlns:ahyp="http://schemas.microsoft.com/office/drawing/2018/hyperlinkcolor" matchingName="Title slide" type="title">
+<p:sldLayout xmlns:a="http://schemas.openxmlformats.org/drawingml/2006/main" xmlns:r="http://schemas.openxmlformats.org/officeDocument/2006/relationships" xmlns:p="http://schemas.openxmlformats.org/presentationml/2006/main" matchingName="Title slide" type="title">
   <p:cSld name="TITLE">
     <p:spTree>
       <p:nvGrpSpPr>
-        <p:cNvPr id="9" name="Shape 9"/>
+        <p:cNvPr id="1" name="Shape 9"/>
         <p:cNvGrpSpPr/>
         <p:nvPr/>
       </p:nvGrpSpPr>
@@ -1805,7 +1875,9 @@
       <p:sp>
         <p:nvSpPr>
           <p:cNvPr id="10" name="Google Shape;10;p2"/>
-          <p:cNvSpPr txBox="1"/>
+          <p:cNvSpPr txBox="1">
+            <a:spLocks noGrp="1"/>
+          </p:cNvSpPr>
           <p:nvPr>
             <p:ph type="ctrTitle"/>
           </p:nvPr>
@@ -1820,7 +1892,7 @@
           </a:prstGeom>
         </p:spPr>
         <p:txBody>
-          <a:bodyPr anchorCtr="0" anchor="b" bIns="91425" lIns="91425" spcFirstLastPara="1" rIns="91425" wrap="square" tIns="91425">
+          <a:bodyPr spcFirstLastPara="1" wrap="square" lIns="91425" tIns="91425" rIns="91425" bIns="91425" anchor="b" anchorCtr="0">
             <a:normAutofit/>
           </a:bodyPr>
           <a:lstStyle>
@@ -1924,15 +1996,19 @@
               <a:defRPr sz="5200"/>
             </a:lvl9pPr>
           </a:lstStyle>
-          <a:p/>
+          <a:p>
+            <a:endParaRPr/>
+          </a:p>
         </p:txBody>
       </p:sp>
       <p:sp>
         <p:nvSpPr>
           <p:cNvPr id="11" name="Google Shape;11;p2"/>
-          <p:cNvSpPr txBox="1"/>
+          <p:cNvSpPr txBox="1">
+            <a:spLocks noGrp="1"/>
+          </p:cNvSpPr>
           <p:nvPr>
-            <p:ph idx="1" type="subTitle"/>
+            <p:ph type="subTitle" idx="1"/>
           </p:nvPr>
         </p:nvSpPr>
         <p:spPr>
@@ -1945,7 +2021,7 @@
           </a:prstGeom>
         </p:spPr>
         <p:txBody>
-          <a:bodyPr anchorCtr="0" anchor="t" bIns="91425" lIns="91425" spcFirstLastPara="1" rIns="91425" wrap="square" tIns="91425">
+          <a:bodyPr spcFirstLastPara="1" wrap="square" lIns="91425" tIns="91425" rIns="91425" bIns="91425" anchor="t" anchorCtr="0">
             <a:normAutofit/>
           </a:bodyPr>
           <a:lstStyle>
@@ -2076,15 +2152,19 @@
               <a:defRPr sz="2800"/>
             </a:lvl9pPr>
           </a:lstStyle>
-          <a:p/>
+          <a:p>
+            <a:endParaRPr/>
+          </a:p>
         </p:txBody>
       </p:sp>
       <p:sp>
         <p:nvSpPr>
           <p:cNvPr id="12" name="Google Shape;12;p2"/>
-          <p:cNvSpPr txBox="1"/>
+          <p:cNvSpPr txBox="1">
+            <a:spLocks noGrp="1"/>
+          </p:cNvSpPr>
           <p:nvPr>
-            <p:ph idx="12" type="sldNum"/>
+            <p:ph type="sldNum" idx="12"/>
           </p:nvPr>
         </p:nvSpPr>
         <p:spPr>
@@ -2097,7 +2177,7 @@
           </a:prstGeom>
         </p:spPr>
         <p:txBody>
-          <a:bodyPr anchorCtr="0" anchor="ctr" bIns="91425" lIns="91425" spcFirstLastPara="1" rIns="91425" wrap="square" tIns="91425">
+          <a:bodyPr spcFirstLastPara="1" wrap="square" lIns="91425" tIns="91425" rIns="91425" bIns="91425" anchor="ctr" anchorCtr="0">
             <a:normAutofit/>
           </a:bodyPr>
           <a:lstStyle>
@@ -2139,7 +2219,7 @@
             </a:lvl9pPr>
           </a:lstStyle>
           <a:p>
-            <a:pPr indent="0" lvl="0" marL="0" rtl="0" algn="r">
+            <a:pPr marL="0" lvl="0" indent="0" algn="r" rtl="0">
               <a:spcBef>
                 <a:spcPts val="0"/>
               </a:spcBef>
@@ -2165,11 +2245,11 @@
 </file>
 
 <file path=ppt/slideLayouts/slideLayout10.xml><?xml version="1.0" encoding="utf-8"?>
-<p:sldLayout xmlns:a="http://schemas.openxmlformats.org/drawingml/2006/main" xmlns:r="http://schemas.openxmlformats.org/officeDocument/2006/relationships" xmlns:mc="http://schemas.openxmlformats.org/markup-compatibility/2006" xmlns:mv="urn:schemas-microsoft-com:mac:vml" xmlns:p="http://schemas.openxmlformats.org/presentationml/2006/main" xmlns:c="http://schemas.openxmlformats.org/drawingml/2006/chart" xmlns:dgm="http://schemas.openxmlformats.org/drawingml/2006/diagram" xmlns:o="urn:schemas-microsoft-com:office:office" xmlns:v="urn:schemas-microsoft-com:vml" xmlns:pvml="urn:schemas-microsoft-com:office:powerpoint" xmlns:com="http://schemas.openxmlformats.org/drawingml/2006/compatibility" xmlns:p14="http://schemas.microsoft.com/office/powerpoint/2010/main" xmlns:p15="http://schemas.microsoft.com/office/powerpoint/2012/main" xmlns:ahyp="http://schemas.microsoft.com/office/drawing/2018/hyperlinkcolor" matchingName="Big number">
+<p:sldLayout xmlns:a="http://schemas.openxmlformats.org/drawingml/2006/main" xmlns:r="http://schemas.openxmlformats.org/officeDocument/2006/relationships" xmlns:p="http://schemas.openxmlformats.org/presentationml/2006/main" matchingName="Big number">
   <p:cSld name="BIG_NUMBER">
     <p:spTree>
       <p:nvGrpSpPr>
-        <p:cNvPr id="44" name="Shape 44"/>
+        <p:cNvPr id="1" name="Shape 44"/>
         <p:cNvGrpSpPr/>
         <p:nvPr/>
       </p:nvGrpSpPr>
@@ -2184,9 +2264,11 @@
       <p:sp>
         <p:nvSpPr>
           <p:cNvPr id="45" name="Google Shape;45;p11"/>
-          <p:cNvSpPr txBox="1"/>
+          <p:cNvSpPr txBox="1">
+            <a:spLocks noGrp="1"/>
+          </p:cNvSpPr>
           <p:nvPr>
-            <p:ph hasCustomPrompt="1" type="title"/>
+            <p:ph type="title" hasCustomPrompt="1"/>
           </p:nvPr>
         </p:nvSpPr>
         <p:spPr>
@@ -2199,7 +2281,7 @@
           </a:prstGeom>
         </p:spPr>
         <p:txBody>
-          <a:bodyPr anchorCtr="0" anchor="b" bIns="91425" lIns="91425" spcFirstLastPara="1" rIns="91425" wrap="square" tIns="91425">
+          <a:bodyPr spcFirstLastPara="1" wrap="square" lIns="91425" tIns="91425" rIns="91425" bIns="91425" anchor="b" anchorCtr="0">
             <a:normAutofit/>
           </a:bodyPr>
           <a:lstStyle>
@@ -2313,9 +2395,11 @@
       <p:sp>
         <p:nvSpPr>
           <p:cNvPr id="46" name="Google Shape;46;p11"/>
-          <p:cNvSpPr txBox="1"/>
+          <p:cNvSpPr txBox="1">
+            <a:spLocks noGrp="1"/>
+          </p:cNvSpPr>
           <p:nvPr>
-            <p:ph idx="1" type="body"/>
+            <p:ph type="body" idx="1"/>
           </p:nvPr>
         </p:nvSpPr>
         <p:spPr>
@@ -2328,11 +2412,11 @@
           </a:prstGeom>
         </p:spPr>
         <p:txBody>
-          <a:bodyPr anchorCtr="0" anchor="t" bIns="91425" lIns="91425" spcFirstLastPara="1" rIns="91425" wrap="square" tIns="91425">
+          <a:bodyPr spcFirstLastPara="1" wrap="square" lIns="91425" tIns="91425" rIns="91425" bIns="91425" anchor="t" anchorCtr="0">
             <a:normAutofit/>
           </a:bodyPr>
           <a:lstStyle>
-            <a:lvl1pPr indent="-342900" lvl="0" marL="457200" algn="ctr">
+            <a:lvl1pPr marL="457200" lvl="0" indent="-342900" algn="ctr">
               <a:spcBef>
                 <a:spcPts val="0"/>
               </a:spcBef>
@@ -2343,7 +2427,7 @@
               <a:buChar char="●"/>
               <a:defRPr/>
             </a:lvl1pPr>
-            <a:lvl2pPr indent="-317500" lvl="1" marL="914400" algn="ctr">
+            <a:lvl2pPr marL="914400" lvl="1" indent="-317500" algn="ctr">
               <a:spcBef>
                 <a:spcPts val="0"/>
               </a:spcBef>
@@ -2354,7 +2438,7 @@
               <a:buChar char="○"/>
               <a:defRPr/>
             </a:lvl2pPr>
-            <a:lvl3pPr indent="-317500" lvl="2" marL="1371600" algn="ctr">
+            <a:lvl3pPr marL="1371600" lvl="2" indent="-317500" algn="ctr">
               <a:spcBef>
                 <a:spcPts val="0"/>
               </a:spcBef>
@@ -2365,7 +2449,7 @@
               <a:buChar char="■"/>
               <a:defRPr/>
             </a:lvl3pPr>
-            <a:lvl4pPr indent="-317500" lvl="3" marL="1828800" algn="ctr">
+            <a:lvl4pPr marL="1828800" lvl="3" indent="-317500" algn="ctr">
               <a:spcBef>
                 <a:spcPts val="0"/>
               </a:spcBef>
@@ -2376,7 +2460,7 @@
               <a:buChar char="●"/>
               <a:defRPr/>
             </a:lvl4pPr>
-            <a:lvl5pPr indent="-317500" lvl="4" marL="2286000" algn="ctr">
+            <a:lvl5pPr marL="2286000" lvl="4" indent="-317500" algn="ctr">
               <a:spcBef>
                 <a:spcPts val="0"/>
               </a:spcBef>
@@ -2387,7 +2471,7 @@
               <a:buChar char="○"/>
               <a:defRPr/>
             </a:lvl5pPr>
-            <a:lvl6pPr indent="-317500" lvl="5" marL="2743200" algn="ctr">
+            <a:lvl6pPr marL="2743200" lvl="5" indent="-317500" algn="ctr">
               <a:spcBef>
                 <a:spcPts val="0"/>
               </a:spcBef>
@@ -2398,7 +2482,7 @@
               <a:buChar char="■"/>
               <a:defRPr/>
             </a:lvl6pPr>
-            <a:lvl7pPr indent="-317500" lvl="6" marL="3200400" algn="ctr">
+            <a:lvl7pPr marL="3200400" lvl="6" indent="-317500" algn="ctr">
               <a:spcBef>
                 <a:spcPts val="0"/>
               </a:spcBef>
@@ -2409,7 +2493,7 @@
               <a:buChar char="●"/>
               <a:defRPr/>
             </a:lvl7pPr>
-            <a:lvl8pPr indent="-317500" lvl="7" marL="3657600" algn="ctr">
+            <a:lvl8pPr marL="3657600" lvl="7" indent="-317500" algn="ctr">
               <a:spcBef>
                 <a:spcPts val="0"/>
               </a:spcBef>
@@ -2420,7 +2504,7 @@
               <a:buChar char="○"/>
               <a:defRPr/>
             </a:lvl8pPr>
-            <a:lvl9pPr indent="-317500" lvl="8" marL="4114800" algn="ctr">
+            <a:lvl9pPr marL="4114800" lvl="8" indent="-317500" algn="ctr">
               <a:spcBef>
                 <a:spcPts val="0"/>
               </a:spcBef>
@@ -2432,15 +2516,19 @@
               <a:defRPr/>
             </a:lvl9pPr>
           </a:lstStyle>
-          <a:p/>
+          <a:p>
+            <a:endParaRPr/>
+          </a:p>
         </p:txBody>
       </p:sp>
       <p:sp>
         <p:nvSpPr>
           <p:cNvPr id="47" name="Google Shape;47;p11"/>
-          <p:cNvSpPr txBox="1"/>
+          <p:cNvSpPr txBox="1">
+            <a:spLocks noGrp="1"/>
+          </p:cNvSpPr>
           <p:nvPr>
-            <p:ph idx="12" type="sldNum"/>
+            <p:ph type="sldNum" idx="12"/>
           </p:nvPr>
         </p:nvSpPr>
         <p:spPr>
@@ -2453,7 +2541,7 @@
           </a:prstGeom>
         </p:spPr>
         <p:txBody>
-          <a:bodyPr anchorCtr="0" anchor="ctr" bIns="91425" lIns="91425" spcFirstLastPara="1" rIns="91425" wrap="square" tIns="91425">
+          <a:bodyPr spcFirstLastPara="1" wrap="square" lIns="91425" tIns="91425" rIns="91425" bIns="91425" anchor="ctr" anchorCtr="0">
             <a:normAutofit/>
           </a:bodyPr>
           <a:lstStyle>
@@ -2495,7 +2583,7 @@
             </a:lvl9pPr>
           </a:lstStyle>
           <a:p>
-            <a:pPr indent="0" lvl="0" marL="0" rtl="0" algn="r">
+            <a:pPr marL="0" lvl="0" indent="0" algn="r" rtl="0">
               <a:spcBef>
                 <a:spcPts val="0"/>
               </a:spcBef>
@@ -2521,11 +2609,11 @@
 </file>
 
 <file path=ppt/slideLayouts/slideLayout11.xml><?xml version="1.0" encoding="utf-8"?>
-<p:sldLayout xmlns:a="http://schemas.openxmlformats.org/drawingml/2006/main" xmlns:r="http://schemas.openxmlformats.org/officeDocument/2006/relationships" xmlns:mc="http://schemas.openxmlformats.org/markup-compatibility/2006" xmlns:mv="urn:schemas-microsoft-com:mac:vml" xmlns:p="http://schemas.openxmlformats.org/presentationml/2006/main" xmlns:c="http://schemas.openxmlformats.org/drawingml/2006/chart" xmlns:dgm="http://schemas.openxmlformats.org/drawingml/2006/diagram" xmlns:o="urn:schemas-microsoft-com:office:office" xmlns:v="urn:schemas-microsoft-com:vml" xmlns:pvml="urn:schemas-microsoft-com:office:powerpoint" xmlns:com="http://schemas.openxmlformats.org/drawingml/2006/compatibility" xmlns:p14="http://schemas.microsoft.com/office/powerpoint/2010/main" xmlns:p15="http://schemas.microsoft.com/office/powerpoint/2012/main" xmlns:ahyp="http://schemas.microsoft.com/office/drawing/2018/hyperlinkcolor" matchingName="Blank" type="blank">
+<p:sldLayout xmlns:a="http://schemas.openxmlformats.org/drawingml/2006/main" xmlns:r="http://schemas.openxmlformats.org/officeDocument/2006/relationships" xmlns:p="http://schemas.openxmlformats.org/presentationml/2006/main" matchingName="Blank" type="blank">
   <p:cSld name="BLANK">
     <p:spTree>
       <p:nvGrpSpPr>
-        <p:cNvPr id="48" name="Shape 48"/>
+        <p:cNvPr id="1" name="Shape 48"/>
         <p:cNvGrpSpPr/>
         <p:nvPr/>
       </p:nvGrpSpPr>
@@ -2540,9 +2628,11 @@
       <p:sp>
         <p:nvSpPr>
           <p:cNvPr id="49" name="Google Shape;49;p12"/>
-          <p:cNvSpPr txBox="1"/>
+          <p:cNvSpPr txBox="1">
+            <a:spLocks noGrp="1"/>
+          </p:cNvSpPr>
           <p:nvPr>
-            <p:ph idx="12" type="sldNum"/>
+            <p:ph type="sldNum" idx="12"/>
           </p:nvPr>
         </p:nvSpPr>
         <p:spPr>
@@ -2555,7 +2645,7 @@
           </a:prstGeom>
         </p:spPr>
         <p:txBody>
-          <a:bodyPr anchorCtr="0" anchor="ctr" bIns="91425" lIns="91425" spcFirstLastPara="1" rIns="91425" wrap="square" tIns="91425">
+          <a:bodyPr spcFirstLastPara="1" wrap="square" lIns="91425" tIns="91425" rIns="91425" bIns="91425" anchor="ctr" anchorCtr="0">
             <a:normAutofit/>
           </a:bodyPr>
           <a:lstStyle>
@@ -2597,7 +2687,7 @@
             </a:lvl9pPr>
           </a:lstStyle>
           <a:p>
-            <a:pPr indent="0" lvl="0" marL="0" rtl="0" algn="r">
+            <a:pPr marL="0" lvl="0" indent="0" algn="r" rtl="0">
               <a:spcBef>
                 <a:spcPts val="0"/>
               </a:spcBef>
@@ -2623,11 +2713,11 @@
 </file>
 
 <file path=ppt/slideLayouts/slideLayout2.xml><?xml version="1.0" encoding="utf-8"?>
-<p:sldLayout xmlns:a="http://schemas.openxmlformats.org/drawingml/2006/main" xmlns:r="http://schemas.openxmlformats.org/officeDocument/2006/relationships" xmlns:mc="http://schemas.openxmlformats.org/markup-compatibility/2006" xmlns:mv="urn:schemas-microsoft-com:mac:vml" xmlns:p="http://schemas.openxmlformats.org/presentationml/2006/main" xmlns:c="http://schemas.openxmlformats.org/drawingml/2006/chart" xmlns:dgm="http://schemas.openxmlformats.org/drawingml/2006/diagram" xmlns:o="urn:schemas-microsoft-com:office:office" xmlns:v="urn:schemas-microsoft-com:vml" xmlns:pvml="urn:schemas-microsoft-com:office:powerpoint" xmlns:com="http://schemas.openxmlformats.org/drawingml/2006/compatibility" xmlns:p14="http://schemas.microsoft.com/office/powerpoint/2010/main" xmlns:p15="http://schemas.microsoft.com/office/powerpoint/2012/main" xmlns:ahyp="http://schemas.microsoft.com/office/drawing/2018/hyperlinkcolor" matchingName="Section header" type="secHead">
+<p:sldLayout xmlns:a="http://schemas.openxmlformats.org/drawingml/2006/main" xmlns:r="http://schemas.openxmlformats.org/officeDocument/2006/relationships" xmlns:p="http://schemas.openxmlformats.org/presentationml/2006/main" matchingName="Section header" type="secHead">
   <p:cSld name="SECTION_HEADER">
     <p:spTree>
       <p:nvGrpSpPr>
-        <p:cNvPr id="13" name="Shape 13"/>
+        <p:cNvPr id="1" name="Shape 13"/>
         <p:cNvGrpSpPr/>
         <p:nvPr/>
       </p:nvGrpSpPr>
@@ -2642,7 +2732,9 @@
       <p:sp>
         <p:nvSpPr>
           <p:cNvPr id="14" name="Google Shape;14;p3"/>
-          <p:cNvSpPr txBox="1"/>
+          <p:cNvSpPr txBox="1">
+            <a:spLocks noGrp="1"/>
+          </p:cNvSpPr>
           <p:nvPr>
             <p:ph type="title"/>
           </p:nvPr>
@@ -2657,7 +2749,7 @@
           </a:prstGeom>
         </p:spPr>
         <p:txBody>
-          <a:bodyPr anchorCtr="0" anchor="ctr" bIns="91425" lIns="91425" spcFirstLastPara="1" rIns="91425" wrap="square" tIns="91425">
+          <a:bodyPr spcFirstLastPara="1" wrap="square" lIns="91425" tIns="91425" rIns="91425" bIns="91425" anchor="ctr" anchorCtr="0">
             <a:normAutofit/>
           </a:bodyPr>
           <a:lstStyle>
@@ -2761,15 +2853,19 @@
               <a:defRPr sz="3600"/>
             </a:lvl9pPr>
           </a:lstStyle>
-          <a:p/>
+          <a:p>
+            <a:endParaRPr/>
+          </a:p>
         </p:txBody>
       </p:sp>
       <p:sp>
         <p:nvSpPr>
           <p:cNvPr id="15" name="Google Shape;15;p3"/>
-          <p:cNvSpPr txBox="1"/>
+          <p:cNvSpPr txBox="1">
+            <a:spLocks noGrp="1"/>
+          </p:cNvSpPr>
           <p:nvPr>
-            <p:ph idx="12" type="sldNum"/>
+            <p:ph type="sldNum" idx="12"/>
           </p:nvPr>
         </p:nvSpPr>
         <p:spPr>
@@ -2782,7 +2878,7 @@
           </a:prstGeom>
         </p:spPr>
         <p:txBody>
-          <a:bodyPr anchorCtr="0" anchor="ctr" bIns="91425" lIns="91425" spcFirstLastPara="1" rIns="91425" wrap="square" tIns="91425">
+          <a:bodyPr spcFirstLastPara="1" wrap="square" lIns="91425" tIns="91425" rIns="91425" bIns="91425" anchor="ctr" anchorCtr="0">
             <a:normAutofit/>
           </a:bodyPr>
           <a:lstStyle>
@@ -2824,7 +2920,7 @@
             </a:lvl9pPr>
           </a:lstStyle>
           <a:p>
-            <a:pPr indent="0" lvl="0" marL="0" rtl="0" algn="r">
+            <a:pPr marL="0" lvl="0" indent="0" algn="r" rtl="0">
               <a:spcBef>
                 <a:spcPts val="0"/>
               </a:spcBef>
@@ -2850,11 +2946,11 @@
 </file>
 
 <file path=ppt/slideLayouts/slideLayout3.xml><?xml version="1.0" encoding="utf-8"?>
-<p:sldLayout xmlns:a="http://schemas.openxmlformats.org/drawingml/2006/main" xmlns:r="http://schemas.openxmlformats.org/officeDocument/2006/relationships" xmlns:mc="http://schemas.openxmlformats.org/markup-compatibility/2006" xmlns:mv="urn:schemas-microsoft-com:mac:vml" xmlns:p="http://schemas.openxmlformats.org/presentationml/2006/main" xmlns:c="http://schemas.openxmlformats.org/drawingml/2006/chart" xmlns:dgm="http://schemas.openxmlformats.org/drawingml/2006/diagram" xmlns:o="urn:schemas-microsoft-com:office:office" xmlns:v="urn:schemas-microsoft-com:vml" xmlns:pvml="urn:schemas-microsoft-com:office:powerpoint" xmlns:com="http://schemas.openxmlformats.org/drawingml/2006/compatibility" xmlns:p14="http://schemas.microsoft.com/office/powerpoint/2010/main" xmlns:p15="http://schemas.microsoft.com/office/powerpoint/2012/main" xmlns:ahyp="http://schemas.microsoft.com/office/drawing/2018/hyperlinkcolor" matchingName="Title and body" type="tx">
+<p:sldLayout xmlns:a="http://schemas.openxmlformats.org/drawingml/2006/main" xmlns:r="http://schemas.openxmlformats.org/officeDocument/2006/relationships" xmlns:p="http://schemas.openxmlformats.org/presentationml/2006/main" matchingName="Title and body" type="tx">
   <p:cSld name="TITLE_AND_BODY">
     <p:spTree>
       <p:nvGrpSpPr>
-        <p:cNvPr id="16" name="Shape 16"/>
+        <p:cNvPr id="1" name="Shape 16"/>
         <p:cNvGrpSpPr/>
         <p:nvPr/>
       </p:nvGrpSpPr>
@@ -2869,7 +2965,9 @@
       <p:sp>
         <p:nvSpPr>
           <p:cNvPr id="17" name="Google Shape;17;p4"/>
-          <p:cNvSpPr txBox="1"/>
+          <p:cNvSpPr txBox="1">
+            <a:spLocks noGrp="1"/>
+          </p:cNvSpPr>
           <p:nvPr>
             <p:ph type="title"/>
           </p:nvPr>
@@ -2884,7 +2982,7 @@
           </a:prstGeom>
         </p:spPr>
         <p:txBody>
-          <a:bodyPr anchorCtr="0" anchor="t" bIns="91425" lIns="91425" spcFirstLastPara="1" rIns="91425" wrap="square" tIns="91425">
+          <a:bodyPr spcFirstLastPara="1" wrap="square" lIns="91425" tIns="91425" rIns="91425" bIns="91425" anchor="t" anchorCtr="0">
             <a:normAutofit/>
           </a:bodyPr>
           <a:lstStyle>
@@ -2988,15 +3086,19 @@
               <a:defRPr/>
             </a:lvl9pPr>
           </a:lstStyle>
-          <a:p/>
+          <a:p>
+            <a:endParaRPr/>
+          </a:p>
         </p:txBody>
       </p:sp>
       <p:sp>
         <p:nvSpPr>
           <p:cNvPr id="18" name="Google Shape;18;p4"/>
-          <p:cNvSpPr txBox="1"/>
+          <p:cNvSpPr txBox="1">
+            <a:spLocks noGrp="1"/>
+          </p:cNvSpPr>
           <p:nvPr>
-            <p:ph idx="1" type="body"/>
+            <p:ph type="body" idx="1"/>
           </p:nvPr>
         </p:nvSpPr>
         <p:spPr>
@@ -3009,11 +3111,11 @@
           </a:prstGeom>
         </p:spPr>
         <p:txBody>
-          <a:bodyPr anchorCtr="0" anchor="t" bIns="91425" lIns="91425" spcFirstLastPara="1" rIns="91425" wrap="square" tIns="91425">
+          <a:bodyPr spcFirstLastPara="1" wrap="square" lIns="91425" tIns="91425" rIns="91425" bIns="91425" anchor="t" anchorCtr="0">
             <a:normAutofit/>
           </a:bodyPr>
           <a:lstStyle>
-            <a:lvl1pPr indent="-342900" lvl="0" marL="457200">
+            <a:lvl1pPr marL="457200" lvl="0" indent="-342900">
               <a:spcBef>
                 <a:spcPts val="0"/>
               </a:spcBef>
@@ -3024,7 +3126,7 @@
               <a:buChar char="●"/>
               <a:defRPr/>
             </a:lvl1pPr>
-            <a:lvl2pPr indent="-317500" lvl="1" marL="914400">
+            <a:lvl2pPr marL="914400" lvl="1" indent="-317500">
               <a:spcBef>
                 <a:spcPts val="0"/>
               </a:spcBef>
@@ -3035,7 +3137,7 @@
               <a:buChar char="○"/>
               <a:defRPr/>
             </a:lvl2pPr>
-            <a:lvl3pPr indent="-317500" lvl="2" marL="1371600">
+            <a:lvl3pPr marL="1371600" lvl="2" indent="-317500">
               <a:spcBef>
                 <a:spcPts val="0"/>
               </a:spcBef>
@@ -3046,7 +3148,7 @@
               <a:buChar char="■"/>
               <a:defRPr/>
             </a:lvl3pPr>
-            <a:lvl4pPr indent="-317500" lvl="3" marL="1828800">
+            <a:lvl4pPr marL="1828800" lvl="3" indent="-317500">
               <a:spcBef>
                 <a:spcPts val="0"/>
               </a:spcBef>
@@ -3057,7 +3159,7 @@
               <a:buChar char="●"/>
               <a:defRPr/>
             </a:lvl4pPr>
-            <a:lvl5pPr indent="-317500" lvl="4" marL="2286000">
+            <a:lvl5pPr marL="2286000" lvl="4" indent="-317500">
               <a:spcBef>
                 <a:spcPts val="0"/>
               </a:spcBef>
@@ -3068,7 +3170,7 @@
               <a:buChar char="○"/>
               <a:defRPr/>
             </a:lvl5pPr>
-            <a:lvl6pPr indent="-317500" lvl="5" marL="2743200">
+            <a:lvl6pPr marL="2743200" lvl="5" indent="-317500">
               <a:spcBef>
                 <a:spcPts val="0"/>
               </a:spcBef>
@@ -3079,7 +3181,7 @@
               <a:buChar char="■"/>
               <a:defRPr/>
             </a:lvl6pPr>
-            <a:lvl7pPr indent="-317500" lvl="6" marL="3200400">
+            <a:lvl7pPr marL="3200400" lvl="6" indent="-317500">
               <a:spcBef>
                 <a:spcPts val="0"/>
               </a:spcBef>
@@ -3090,7 +3192,7 @@
               <a:buChar char="●"/>
               <a:defRPr/>
             </a:lvl7pPr>
-            <a:lvl8pPr indent="-317500" lvl="7" marL="3657600">
+            <a:lvl8pPr marL="3657600" lvl="7" indent="-317500">
               <a:spcBef>
                 <a:spcPts val="0"/>
               </a:spcBef>
@@ -3101,7 +3203,7 @@
               <a:buChar char="○"/>
               <a:defRPr/>
             </a:lvl8pPr>
-            <a:lvl9pPr indent="-317500" lvl="8" marL="4114800">
+            <a:lvl9pPr marL="4114800" lvl="8" indent="-317500">
               <a:spcBef>
                 <a:spcPts val="0"/>
               </a:spcBef>
@@ -3113,15 +3215,19 @@
               <a:defRPr/>
             </a:lvl9pPr>
           </a:lstStyle>
-          <a:p/>
+          <a:p>
+            <a:endParaRPr/>
+          </a:p>
         </p:txBody>
       </p:sp>
       <p:sp>
         <p:nvSpPr>
           <p:cNvPr id="19" name="Google Shape;19;p4"/>
-          <p:cNvSpPr txBox="1"/>
+          <p:cNvSpPr txBox="1">
+            <a:spLocks noGrp="1"/>
+          </p:cNvSpPr>
           <p:nvPr>
-            <p:ph idx="12" type="sldNum"/>
+            <p:ph type="sldNum" idx="12"/>
           </p:nvPr>
         </p:nvSpPr>
         <p:spPr>
@@ -3134,7 +3240,7 @@
           </a:prstGeom>
         </p:spPr>
         <p:txBody>
-          <a:bodyPr anchorCtr="0" anchor="ctr" bIns="91425" lIns="91425" spcFirstLastPara="1" rIns="91425" wrap="square" tIns="91425">
+          <a:bodyPr spcFirstLastPara="1" wrap="square" lIns="91425" tIns="91425" rIns="91425" bIns="91425" anchor="ctr" anchorCtr="0">
             <a:normAutofit/>
           </a:bodyPr>
           <a:lstStyle>
@@ -3176,7 +3282,7 @@
             </a:lvl9pPr>
           </a:lstStyle>
           <a:p>
-            <a:pPr indent="0" lvl="0" marL="0" rtl="0" algn="r">
+            <a:pPr marL="0" lvl="0" indent="0" algn="r" rtl="0">
               <a:spcBef>
                 <a:spcPts val="0"/>
               </a:spcBef>
@@ -3202,11 +3308,11 @@
 </file>
 
 <file path=ppt/slideLayouts/slideLayout4.xml><?xml version="1.0" encoding="utf-8"?>
-<p:sldLayout xmlns:a="http://schemas.openxmlformats.org/drawingml/2006/main" xmlns:r="http://schemas.openxmlformats.org/officeDocument/2006/relationships" xmlns:mc="http://schemas.openxmlformats.org/markup-compatibility/2006" xmlns:mv="urn:schemas-microsoft-com:mac:vml" xmlns:p="http://schemas.openxmlformats.org/presentationml/2006/main" xmlns:c="http://schemas.openxmlformats.org/drawingml/2006/chart" xmlns:dgm="http://schemas.openxmlformats.org/drawingml/2006/diagram" xmlns:o="urn:schemas-microsoft-com:office:office" xmlns:v="urn:schemas-microsoft-com:vml" xmlns:pvml="urn:schemas-microsoft-com:office:powerpoint" xmlns:com="http://schemas.openxmlformats.org/drawingml/2006/compatibility" xmlns:p14="http://schemas.microsoft.com/office/powerpoint/2010/main" xmlns:p15="http://schemas.microsoft.com/office/powerpoint/2012/main" xmlns:ahyp="http://schemas.microsoft.com/office/drawing/2018/hyperlinkcolor" matchingName="Title and two columns" type="twoColTx">
+<p:sldLayout xmlns:a="http://schemas.openxmlformats.org/drawingml/2006/main" xmlns:r="http://schemas.openxmlformats.org/officeDocument/2006/relationships" xmlns:p="http://schemas.openxmlformats.org/presentationml/2006/main" matchingName="Title and two columns" type="twoColTx">
   <p:cSld name="TITLE_AND_TWO_COLUMNS">
     <p:spTree>
       <p:nvGrpSpPr>
-        <p:cNvPr id="20" name="Shape 20"/>
+        <p:cNvPr id="1" name="Shape 20"/>
         <p:cNvGrpSpPr/>
         <p:nvPr/>
       </p:nvGrpSpPr>
@@ -3221,7 +3327,9 @@
       <p:sp>
         <p:nvSpPr>
           <p:cNvPr id="21" name="Google Shape;21;p5"/>
-          <p:cNvSpPr txBox="1"/>
+          <p:cNvSpPr txBox="1">
+            <a:spLocks noGrp="1"/>
+          </p:cNvSpPr>
           <p:nvPr>
             <p:ph type="title"/>
           </p:nvPr>
@@ -3236,7 +3344,7 @@
           </a:prstGeom>
         </p:spPr>
         <p:txBody>
-          <a:bodyPr anchorCtr="0" anchor="t" bIns="91425" lIns="91425" spcFirstLastPara="1" rIns="91425" wrap="square" tIns="91425">
+          <a:bodyPr spcFirstLastPara="1" wrap="square" lIns="91425" tIns="91425" rIns="91425" bIns="91425" anchor="t" anchorCtr="0">
             <a:normAutofit/>
           </a:bodyPr>
           <a:lstStyle>
@@ -3340,15 +3448,19 @@
               <a:defRPr/>
             </a:lvl9pPr>
           </a:lstStyle>
-          <a:p/>
+          <a:p>
+            <a:endParaRPr/>
+          </a:p>
         </p:txBody>
       </p:sp>
       <p:sp>
         <p:nvSpPr>
           <p:cNvPr id="22" name="Google Shape;22;p5"/>
-          <p:cNvSpPr txBox="1"/>
+          <p:cNvSpPr txBox="1">
+            <a:spLocks noGrp="1"/>
+          </p:cNvSpPr>
           <p:nvPr>
-            <p:ph idx="1" type="body"/>
+            <p:ph type="body" idx="1"/>
           </p:nvPr>
         </p:nvSpPr>
         <p:spPr>
@@ -3361,11 +3473,11 @@
           </a:prstGeom>
         </p:spPr>
         <p:txBody>
-          <a:bodyPr anchorCtr="0" anchor="t" bIns="91425" lIns="91425" spcFirstLastPara="1" rIns="91425" wrap="square" tIns="91425">
+          <a:bodyPr spcFirstLastPara="1" wrap="square" lIns="91425" tIns="91425" rIns="91425" bIns="91425" anchor="t" anchorCtr="0">
             <a:normAutofit/>
           </a:bodyPr>
           <a:lstStyle>
-            <a:lvl1pPr indent="-317500" lvl="0" marL="457200">
+            <a:lvl1pPr marL="457200" lvl="0" indent="-317500">
               <a:spcBef>
                 <a:spcPts val="0"/>
               </a:spcBef>
@@ -3376,7 +3488,7 @@
               <a:buChar char="●"/>
               <a:defRPr sz="1400"/>
             </a:lvl1pPr>
-            <a:lvl2pPr indent="-304800" lvl="1" marL="914400">
+            <a:lvl2pPr marL="914400" lvl="1" indent="-304800">
               <a:spcBef>
                 <a:spcPts val="0"/>
               </a:spcBef>
@@ -3387,7 +3499,7 @@
               <a:buChar char="○"/>
               <a:defRPr sz="1200"/>
             </a:lvl2pPr>
-            <a:lvl3pPr indent="-304800" lvl="2" marL="1371600">
+            <a:lvl3pPr marL="1371600" lvl="2" indent="-304800">
               <a:spcBef>
                 <a:spcPts val="0"/>
               </a:spcBef>
@@ -3398,7 +3510,7 @@
               <a:buChar char="■"/>
               <a:defRPr sz="1200"/>
             </a:lvl3pPr>
-            <a:lvl4pPr indent="-304800" lvl="3" marL="1828800">
+            <a:lvl4pPr marL="1828800" lvl="3" indent="-304800">
               <a:spcBef>
                 <a:spcPts val="0"/>
               </a:spcBef>
@@ -3409,7 +3521,7 @@
               <a:buChar char="●"/>
               <a:defRPr sz="1200"/>
             </a:lvl4pPr>
-            <a:lvl5pPr indent="-304800" lvl="4" marL="2286000">
+            <a:lvl5pPr marL="2286000" lvl="4" indent="-304800">
               <a:spcBef>
                 <a:spcPts val="0"/>
               </a:spcBef>
@@ -3420,7 +3532,7 @@
               <a:buChar char="○"/>
               <a:defRPr sz="1200"/>
             </a:lvl5pPr>
-            <a:lvl6pPr indent="-304800" lvl="5" marL="2743200">
+            <a:lvl6pPr marL="2743200" lvl="5" indent="-304800">
               <a:spcBef>
                 <a:spcPts val="0"/>
               </a:spcBef>
@@ -3431,7 +3543,7 @@
               <a:buChar char="■"/>
               <a:defRPr sz="1200"/>
             </a:lvl6pPr>
-            <a:lvl7pPr indent="-304800" lvl="6" marL="3200400">
+            <a:lvl7pPr marL="3200400" lvl="6" indent="-304800">
               <a:spcBef>
                 <a:spcPts val="0"/>
               </a:spcBef>
@@ -3442,7 +3554,7 @@
               <a:buChar char="●"/>
               <a:defRPr sz="1200"/>
             </a:lvl7pPr>
-            <a:lvl8pPr indent="-304800" lvl="7" marL="3657600">
+            <a:lvl8pPr marL="3657600" lvl="7" indent="-304800">
               <a:spcBef>
                 <a:spcPts val="0"/>
               </a:spcBef>
@@ -3453,7 +3565,7 @@
               <a:buChar char="○"/>
               <a:defRPr sz="1200"/>
             </a:lvl8pPr>
-            <a:lvl9pPr indent="-304800" lvl="8" marL="4114800">
+            <a:lvl9pPr marL="4114800" lvl="8" indent="-304800">
               <a:spcBef>
                 <a:spcPts val="0"/>
               </a:spcBef>
@@ -3465,15 +3577,19 @@
               <a:defRPr sz="1200"/>
             </a:lvl9pPr>
           </a:lstStyle>
-          <a:p/>
+          <a:p>
+            <a:endParaRPr/>
+          </a:p>
         </p:txBody>
       </p:sp>
       <p:sp>
         <p:nvSpPr>
           <p:cNvPr id="23" name="Google Shape;23;p5"/>
-          <p:cNvSpPr txBox="1"/>
+          <p:cNvSpPr txBox="1">
+            <a:spLocks noGrp="1"/>
+          </p:cNvSpPr>
           <p:nvPr>
-            <p:ph idx="2" type="body"/>
+            <p:ph type="body" idx="2"/>
           </p:nvPr>
         </p:nvSpPr>
         <p:spPr>
@@ -3486,11 +3602,11 @@
           </a:prstGeom>
         </p:spPr>
         <p:txBody>
-          <a:bodyPr anchorCtr="0" anchor="t" bIns="91425" lIns="91425" spcFirstLastPara="1" rIns="91425" wrap="square" tIns="91425">
+          <a:bodyPr spcFirstLastPara="1" wrap="square" lIns="91425" tIns="91425" rIns="91425" bIns="91425" anchor="t" anchorCtr="0">
             <a:normAutofit/>
           </a:bodyPr>
           <a:lstStyle>
-            <a:lvl1pPr indent="-317500" lvl="0" marL="457200">
+            <a:lvl1pPr marL="457200" lvl="0" indent="-317500">
               <a:spcBef>
                 <a:spcPts val="0"/>
               </a:spcBef>
@@ -3501,7 +3617,7 @@
               <a:buChar char="●"/>
               <a:defRPr sz="1400"/>
             </a:lvl1pPr>
-            <a:lvl2pPr indent="-304800" lvl="1" marL="914400">
+            <a:lvl2pPr marL="914400" lvl="1" indent="-304800">
               <a:spcBef>
                 <a:spcPts val="0"/>
               </a:spcBef>
@@ -3512,7 +3628,7 @@
               <a:buChar char="○"/>
               <a:defRPr sz="1200"/>
             </a:lvl2pPr>
-            <a:lvl3pPr indent="-304800" lvl="2" marL="1371600">
+            <a:lvl3pPr marL="1371600" lvl="2" indent="-304800">
               <a:spcBef>
                 <a:spcPts val="0"/>
               </a:spcBef>
@@ -3523,7 +3639,7 @@
               <a:buChar char="■"/>
               <a:defRPr sz="1200"/>
             </a:lvl3pPr>
-            <a:lvl4pPr indent="-304800" lvl="3" marL="1828800">
+            <a:lvl4pPr marL="1828800" lvl="3" indent="-304800">
               <a:spcBef>
                 <a:spcPts val="0"/>
               </a:spcBef>
@@ -3534,7 +3650,7 @@
               <a:buChar char="●"/>
               <a:defRPr sz="1200"/>
             </a:lvl4pPr>
-            <a:lvl5pPr indent="-304800" lvl="4" marL="2286000">
+            <a:lvl5pPr marL="2286000" lvl="4" indent="-304800">
               <a:spcBef>
                 <a:spcPts val="0"/>
               </a:spcBef>
@@ -3545,7 +3661,7 @@
               <a:buChar char="○"/>
               <a:defRPr sz="1200"/>
             </a:lvl5pPr>
-            <a:lvl6pPr indent="-304800" lvl="5" marL="2743200">
+            <a:lvl6pPr marL="2743200" lvl="5" indent="-304800">
               <a:spcBef>
                 <a:spcPts val="0"/>
               </a:spcBef>
@@ -3556,7 +3672,7 @@
               <a:buChar char="■"/>
               <a:defRPr sz="1200"/>
             </a:lvl6pPr>
-            <a:lvl7pPr indent="-304800" lvl="6" marL="3200400">
+            <a:lvl7pPr marL="3200400" lvl="6" indent="-304800">
               <a:spcBef>
                 <a:spcPts val="0"/>
               </a:spcBef>
@@ -3567,7 +3683,7 @@
               <a:buChar char="●"/>
               <a:defRPr sz="1200"/>
             </a:lvl7pPr>
-            <a:lvl8pPr indent="-304800" lvl="7" marL="3657600">
+            <a:lvl8pPr marL="3657600" lvl="7" indent="-304800">
               <a:spcBef>
                 <a:spcPts val="0"/>
               </a:spcBef>
@@ -3578,7 +3694,7 @@
               <a:buChar char="○"/>
               <a:defRPr sz="1200"/>
             </a:lvl8pPr>
-            <a:lvl9pPr indent="-304800" lvl="8" marL="4114800">
+            <a:lvl9pPr marL="4114800" lvl="8" indent="-304800">
               <a:spcBef>
                 <a:spcPts val="0"/>
               </a:spcBef>
@@ -3590,15 +3706,19 @@
               <a:defRPr sz="1200"/>
             </a:lvl9pPr>
           </a:lstStyle>
-          <a:p/>
+          <a:p>
+            <a:endParaRPr/>
+          </a:p>
         </p:txBody>
       </p:sp>
       <p:sp>
         <p:nvSpPr>
           <p:cNvPr id="24" name="Google Shape;24;p5"/>
-          <p:cNvSpPr txBox="1"/>
+          <p:cNvSpPr txBox="1">
+            <a:spLocks noGrp="1"/>
+          </p:cNvSpPr>
           <p:nvPr>
-            <p:ph idx="12" type="sldNum"/>
+            <p:ph type="sldNum" idx="12"/>
           </p:nvPr>
         </p:nvSpPr>
         <p:spPr>
@@ -3611,7 +3731,7 @@
           </a:prstGeom>
         </p:spPr>
         <p:txBody>
-          <a:bodyPr anchorCtr="0" anchor="ctr" bIns="91425" lIns="91425" spcFirstLastPara="1" rIns="91425" wrap="square" tIns="91425">
+          <a:bodyPr spcFirstLastPara="1" wrap="square" lIns="91425" tIns="91425" rIns="91425" bIns="91425" anchor="ctr" anchorCtr="0">
             <a:normAutofit/>
           </a:bodyPr>
           <a:lstStyle>
@@ -3653,7 +3773,7 @@
             </a:lvl9pPr>
           </a:lstStyle>
           <a:p>
-            <a:pPr indent="0" lvl="0" marL="0" rtl="0" algn="r">
+            <a:pPr marL="0" lvl="0" indent="0" algn="r" rtl="0">
               <a:spcBef>
                 <a:spcPts val="0"/>
               </a:spcBef>
@@ -3679,11 +3799,11 @@
 </file>
 
 <file path=ppt/slideLayouts/slideLayout5.xml><?xml version="1.0" encoding="utf-8"?>
-<p:sldLayout xmlns:a="http://schemas.openxmlformats.org/drawingml/2006/main" xmlns:r="http://schemas.openxmlformats.org/officeDocument/2006/relationships" xmlns:mc="http://schemas.openxmlformats.org/markup-compatibility/2006" xmlns:mv="urn:schemas-microsoft-com:mac:vml" xmlns:p="http://schemas.openxmlformats.org/presentationml/2006/main" xmlns:c="http://schemas.openxmlformats.org/drawingml/2006/chart" xmlns:dgm="http://schemas.openxmlformats.org/drawingml/2006/diagram" xmlns:o="urn:schemas-microsoft-com:office:office" xmlns:v="urn:schemas-microsoft-com:vml" xmlns:pvml="urn:schemas-microsoft-com:office:powerpoint" xmlns:com="http://schemas.openxmlformats.org/drawingml/2006/compatibility" xmlns:p14="http://schemas.microsoft.com/office/powerpoint/2010/main" xmlns:p15="http://schemas.microsoft.com/office/powerpoint/2012/main" xmlns:ahyp="http://schemas.microsoft.com/office/drawing/2018/hyperlinkcolor" matchingName="Title only" type="titleOnly">
+<p:sldLayout xmlns:a="http://schemas.openxmlformats.org/drawingml/2006/main" xmlns:r="http://schemas.openxmlformats.org/officeDocument/2006/relationships" xmlns:p="http://schemas.openxmlformats.org/presentationml/2006/main" matchingName="Title only" type="titleOnly">
   <p:cSld name="TITLE_ONLY">
     <p:spTree>
       <p:nvGrpSpPr>
-        <p:cNvPr id="25" name="Shape 25"/>
+        <p:cNvPr id="1" name="Shape 25"/>
         <p:cNvGrpSpPr/>
         <p:nvPr/>
       </p:nvGrpSpPr>
@@ -3698,7 +3818,9 @@
       <p:sp>
         <p:nvSpPr>
           <p:cNvPr id="26" name="Google Shape;26;p6"/>
-          <p:cNvSpPr txBox="1"/>
+          <p:cNvSpPr txBox="1">
+            <a:spLocks noGrp="1"/>
+          </p:cNvSpPr>
           <p:nvPr>
             <p:ph type="title"/>
           </p:nvPr>
@@ -3713,7 +3835,7 @@
           </a:prstGeom>
         </p:spPr>
         <p:txBody>
-          <a:bodyPr anchorCtr="0" anchor="t" bIns="91425" lIns="91425" spcFirstLastPara="1" rIns="91425" wrap="square" tIns="91425">
+          <a:bodyPr spcFirstLastPara="1" wrap="square" lIns="91425" tIns="91425" rIns="91425" bIns="91425" anchor="t" anchorCtr="0">
             <a:normAutofit/>
           </a:bodyPr>
           <a:lstStyle>
@@ -3817,15 +3939,19 @@
               <a:defRPr/>
             </a:lvl9pPr>
           </a:lstStyle>
-          <a:p/>
+          <a:p>
+            <a:endParaRPr/>
+          </a:p>
         </p:txBody>
       </p:sp>
       <p:sp>
         <p:nvSpPr>
           <p:cNvPr id="27" name="Google Shape;27;p6"/>
-          <p:cNvSpPr txBox="1"/>
+          <p:cNvSpPr txBox="1">
+            <a:spLocks noGrp="1"/>
+          </p:cNvSpPr>
           <p:nvPr>
-            <p:ph idx="12" type="sldNum"/>
+            <p:ph type="sldNum" idx="12"/>
           </p:nvPr>
         </p:nvSpPr>
         <p:spPr>
@@ -3838,7 +3964,7 @@
           </a:prstGeom>
         </p:spPr>
         <p:txBody>
-          <a:bodyPr anchorCtr="0" anchor="ctr" bIns="91425" lIns="91425" spcFirstLastPara="1" rIns="91425" wrap="square" tIns="91425">
+          <a:bodyPr spcFirstLastPara="1" wrap="square" lIns="91425" tIns="91425" rIns="91425" bIns="91425" anchor="ctr" anchorCtr="0">
             <a:normAutofit/>
           </a:bodyPr>
           <a:lstStyle>
@@ -3880,7 +4006,7 @@
             </a:lvl9pPr>
           </a:lstStyle>
           <a:p>
-            <a:pPr indent="0" lvl="0" marL="0" rtl="0" algn="r">
+            <a:pPr marL="0" lvl="0" indent="0" algn="r" rtl="0">
               <a:spcBef>
                 <a:spcPts val="0"/>
               </a:spcBef>
@@ -3906,11 +4032,11 @@
 </file>
 
 <file path=ppt/slideLayouts/slideLayout6.xml><?xml version="1.0" encoding="utf-8"?>
-<p:sldLayout xmlns:a="http://schemas.openxmlformats.org/drawingml/2006/main" xmlns:r="http://schemas.openxmlformats.org/officeDocument/2006/relationships" xmlns:mc="http://schemas.openxmlformats.org/markup-compatibility/2006" xmlns:mv="urn:schemas-microsoft-com:mac:vml" xmlns:p="http://schemas.openxmlformats.org/presentationml/2006/main" xmlns:c="http://schemas.openxmlformats.org/drawingml/2006/chart" xmlns:dgm="http://schemas.openxmlformats.org/drawingml/2006/diagram" xmlns:o="urn:schemas-microsoft-com:office:office" xmlns:v="urn:schemas-microsoft-com:vml" xmlns:pvml="urn:schemas-microsoft-com:office:powerpoint" xmlns:com="http://schemas.openxmlformats.org/drawingml/2006/compatibility" xmlns:p14="http://schemas.microsoft.com/office/powerpoint/2010/main" xmlns:p15="http://schemas.microsoft.com/office/powerpoint/2012/main" xmlns:ahyp="http://schemas.microsoft.com/office/drawing/2018/hyperlinkcolor" matchingName="One column text">
+<p:sldLayout xmlns:a="http://schemas.openxmlformats.org/drawingml/2006/main" xmlns:r="http://schemas.openxmlformats.org/officeDocument/2006/relationships" xmlns:p="http://schemas.openxmlformats.org/presentationml/2006/main" matchingName="One column text">
   <p:cSld name="ONE_COLUMN_TEXT">
     <p:spTree>
       <p:nvGrpSpPr>
-        <p:cNvPr id="28" name="Shape 28"/>
+        <p:cNvPr id="1" name="Shape 28"/>
         <p:cNvGrpSpPr/>
         <p:nvPr/>
       </p:nvGrpSpPr>
@@ -3925,7 +4051,9 @@
       <p:sp>
         <p:nvSpPr>
           <p:cNvPr id="29" name="Google Shape;29;p7"/>
-          <p:cNvSpPr txBox="1"/>
+          <p:cNvSpPr txBox="1">
+            <a:spLocks noGrp="1"/>
+          </p:cNvSpPr>
           <p:nvPr>
             <p:ph type="title"/>
           </p:nvPr>
@@ -3940,7 +4068,7 @@
           </a:prstGeom>
         </p:spPr>
         <p:txBody>
-          <a:bodyPr anchorCtr="0" anchor="b" bIns="91425" lIns="91425" spcFirstLastPara="1" rIns="91425" wrap="square" tIns="91425">
+          <a:bodyPr spcFirstLastPara="1" wrap="square" lIns="91425" tIns="91425" rIns="91425" bIns="91425" anchor="b" anchorCtr="0">
             <a:normAutofit/>
           </a:bodyPr>
           <a:lstStyle>
@@ -4044,15 +4172,19 @@
               <a:defRPr sz="2400"/>
             </a:lvl9pPr>
           </a:lstStyle>
-          <a:p/>
+          <a:p>
+            <a:endParaRPr/>
+          </a:p>
         </p:txBody>
       </p:sp>
       <p:sp>
         <p:nvSpPr>
           <p:cNvPr id="30" name="Google Shape;30;p7"/>
-          <p:cNvSpPr txBox="1"/>
+          <p:cNvSpPr txBox="1">
+            <a:spLocks noGrp="1"/>
+          </p:cNvSpPr>
           <p:nvPr>
-            <p:ph idx="1" type="body"/>
+            <p:ph type="body" idx="1"/>
           </p:nvPr>
         </p:nvSpPr>
         <p:spPr>
@@ -4065,11 +4197,11 @@
           </a:prstGeom>
         </p:spPr>
         <p:txBody>
-          <a:bodyPr anchorCtr="0" anchor="t" bIns="91425" lIns="91425" spcFirstLastPara="1" rIns="91425" wrap="square" tIns="91425">
+          <a:bodyPr spcFirstLastPara="1" wrap="square" lIns="91425" tIns="91425" rIns="91425" bIns="91425" anchor="t" anchorCtr="0">
             <a:normAutofit/>
           </a:bodyPr>
           <a:lstStyle>
-            <a:lvl1pPr indent="-304800" lvl="0" marL="457200">
+            <a:lvl1pPr marL="457200" lvl="0" indent="-304800">
               <a:spcBef>
                 <a:spcPts val="0"/>
               </a:spcBef>
@@ -4080,7 +4212,7 @@
               <a:buChar char="●"/>
               <a:defRPr sz="1200"/>
             </a:lvl1pPr>
-            <a:lvl2pPr indent="-304800" lvl="1" marL="914400">
+            <a:lvl2pPr marL="914400" lvl="1" indent="-304800">
               <a:spcBef>
                 <a:spcPts val="0"/>
               </a:spcBef>
@@ -4091,7 +4223,7 @@
               <a:buChar char="○"/>
               <a:defRPr sz="1200"/>
             </a:lvl2pPr>
-            <a:lvl3pPr indent="-304800" lvl="2" marL="1371600">
+            <a:lvl3pPr marL="1371600" lvl="2" indent="-304800">
               <a:spcBef>
                 <a:spcPts val="0"/>
               </a:spcBef>
@@ -4102,7 +4234,7 @@
               <a:buChar char="■"/>
               <a:defRPr sz="1200"/>
             </a:lvl3pPr>
-            <a:lvl4pPr indent="-304800" lvl="3" marL="1828800">
+            <a:lvl4pPr marL="1828800" lvl="3" indent="-304800">
               <a:spcBef>
                 <a:spcPts val="0"/>
               </a:spcBef>
@@ -4113,7 +4245,7 @@
               <a:buChar char="●"/>
               <a:defRPr sz="1200"/>
             </a:lvl4pPr>
-            <a:lvl5pPr indent="-304800" lvl="4" marL="2286000">
+            <a:lvl5pPr marL="2286000" lvl="4" indent="-304800">
               <a:spcBef>
                 <a:spcPts val="0"/>
               </a:spcBef>
@@ -4124,7 +4256,7 @@
               <a:buChar char="○"/>
               <a:defRPr sz="1200"/>
             </a:lvl5pPr>
-            <a:lvl6pPr indent="-304800" lvl="5" marL="2743200">
+            <a:lvl6pPr marL="2743200" lvl="5" indent="-304800">
               <a:spcBef>
                 <a:spcPts val="0"/>
               </a:spcBef>
@@ -4135,7 +4267,7 @@
               <a:buChar char="■"/>
               <a:defRPr sz="1200"/>
             </a:lvl6pPr>
-            <a:lvl7pPr indent="-304800" lvl="6" marL="3200400">
+            <a:lvl7pPr marL="3200400" lvl="6" indent="-304800">
               <a:spcBef>
                 <a:spcPts val="0"/>
               </a:spcBef>
@@ -4146,7 +4278,7 @@
               <a:buChar char="●"/>
               <a:defRPr sz="1200"/>
             </a:lvl7pPr>
-            <a:lvl8pPr indent="-304800" lvl="7" marL="3657600">
+            <a:lvl8pPr marL="3657600" lvl="7" indent="-304800">
               <a:spcBef>
                 <a:spcPts val="0"/>
               </a:spcBef>
@@ -4157,7 +4289,7 @@
               <a:buChar char="○"/>
               <a:defRPr sz="1200"/>
             </a:lvl8pPr>
-            <a:lvl9pPr indent="-304800" lvl="8" marL="4114800">
+            <a:lvl9pPr marL="4114800" lvl="8" indent="-304800">
               <a:spcBef>
                 <a:spcPts val="0"/>
               </a:spcBef>
@@ -4169,15 +4301,19 @@
               <a:defRPr sz="1200"/>
             </a:lvl9pPr>
           </a:lstStyle>
-          <a:p/>
+          <a:p>
+            <a:endParaRPr/>
+          </a:p>
         </p:txBody>
       </p:sp>
       <p:sp>
         <p:nvSpPr>
           <p:cNvPr id="31" name="Google Shape;31;p7"/>
-          <p:cNvSpPr txBox="1"/>
+          <p:cNvSpPr txBox="1">
+            <a:spLocks noGrp="1"/>
+          </p:cNvSpPr>
           <p:nvPr>
-            <p:ph idx="12" type="sldNum"/>
+            <p:ph type="sldNum" idx="12"/>
           </p:nvPr>
         </p:nvSpPr>
         <p:spPr>
@@ -4190,7 +4326,7 @@
           </a:prstGeom>
         </p:spPr>
         <p:txBody>
-          <a:bodyPr anchorCtr="0" anchor="ctr" bIns="91425" lIns="91425" spcFirstLastPara="1" rIns="91425" wrap="square" tIns="91425">
+          <a:bodyPr spcFirstLastPara="1" wrap="square" lIns="91425" tIns="91425" rIns="91425" bIns="91425" anchor="ctr" anchorCtr="0">
             <a:normAutofit/>
           </a:bodyPr>
           <a:lstStyle>
@@ -4232,7 +4368,7 @@
             </a:lvl9pPr>
           </a:lstStyle>
           <a:p>
-            <a:pPr indent="0" lvl="0" marL="0" rtl="0" algn="r">
+            <a:pPr marL="0" lvl="0" indent="0" algn="r" rtl="0">
               <a:spcBef>
                 <a:spcPts val="0"/>
               </a:spcBef>
@@ -4258,11 +4394,11 @@
 </file>
 
 <file path=ppt/slideLayouts/slideLayout7.xml><?xml version="1.0" encoding="utf-8"?>
-<p:sldLayout xmlns:a="http://schemas.openxmlformats.org/drawingml/2006/main" xmlns:r="http://schemas.openxmlformats.org/officeDocument/2006/relationships" xmlns:mc="http://schemas.openxmlformats.org/markup-compatibility/2006" xmlns:mv="urn:schemas-microsoft-com:mac:vml" xmlns:p="http://schemas.openxmlformats.org/presentationml/2006/main" xmlns:c="http://schemas.openxmlformats.org/drawingml/2006/chart" xmlns:dgm="http://schemas.openxmlformats.org/drawingml/2006/diagram" xmlns:o="urn:schemas-microsoft-com:office:office" xmlns:v="urn:schemas-microsoft-com:vml" xmlns:pvml="urn:schemas-microsoft-com:office:powerpoint" xmlns:com="http://schemas.openxmlformats.org/drawingml/2006/compatibility" xmlns:p14="http://schemas.microsoft.com/office/powerpoint/2010/main" xmlns:p15="http://schemas.microsoft.com/office/powerpoint/2012/main" xmlns:ahyp="http://schemas.microsoft.com/office/drawing/2018/hyperlinkcolor" matchingName="Main point">
+<p:sldLayout xmlns:a="http://schemas.openxmlformats.org/drawingml/2006/main" xmlns:r="http://schemas.openxmlformats.org/officeDocument/2006/relationships" xmlns:p="http://schemas.openxmlformats.org/presentationml/2006/main" matchingName="Main point">
   <p:cSld name="MAIN_POINT">
     <p:spTree>
       <p:nvGrpSpPr>
-        <p:cNvPr id="32" name="Shape 32"/>
+        <p:cNvPr id="1" name="Shape 32"/>
         <p:cNvGrpSpPr/>
         <p:nvPr/>
       </p:nvGrpSpPr>
@@ -4277,7 +4413,9 @@
       <p:sp>
         <p:nvSpPr>
           <p:cNvPr id="33" name="Google Shape;33;p8"/>
-          <p:cNvSpPr txBox="1"/>
+          <p:cNvSpPr txBox="1">
+            <a:spLocks noGrp="1"/>
+          </p:cNvSpPr>
           <p:nvPr>
             <p:ph type="title"/>
           </p:nvPr>
@@ -4292,7 +4430,7 @@
           </a:prstGeom>
         </p:spPr>
         <p:txBody>
-          <a:bodyPr anchorCtr="0" anchor="ctr" bIns="91425" lIns="91425" spcFirstLastPara="1" rIns="91425" wrap="square" tIns="91425">
+          <a:bodyPr spcFirstLastPara="1" wrap="square" lIns="91425" tIns="91425" rIns="91425" bIns="91425" anchor="ctr" anchorCtr="0">
             <a:normAutofit/>
           </a:bodyPr>
           <a:lstStyle>
@@ -4396,15 +4534,19 @@
               <a:defRPr sz="4800"/>
             </a:lvl9pPr>
           </a:lstStyle>
-          <a:p/>
+          <a:p>
+            <a:endParaRPr/>
+          </a:p>
         </p:txBody>
       </p:sp>
       <p:sp>
         <p:nvSpPr>
           <p:cNvPr id="34" name="Google Shape;34;p8"/>
-          <p:cNvSpPr txBox="1"/>
+          <p:cNvSpPr txBox="1">
+            <a:spLocks noGrp="1"/>
+          </p:cNvSpPr>
           <p:nvPr>
-            <p:ph idx="12" type="sldNum"/>
+            <p:ph type="sldNum" idx="12"/>
           </p:nvPr>
         </p:nvSpPr>
         <p:spPr>
@@ -4417,7 +4559,7 @@
           </a:prstGeom>
         </p:spPr>
         <p:txBody>
-          <a:bodyPr anchorCtr="0" anchor="ctr" bIns="91425" lIns="91425" spcFirstLastPara="1" rIns="91425" wrap="square" tIns="91425">
+          <a:bodyPr spcFirstLastPara="1" wrap="square" lIns="91425" tIns="91425" rIns="91425" bIns="91425" anchor="ctr" anchorCtr="0">
             <a:normAutofit/>
           </a:bodyPr>
           <a:lstStyle>
@@ -4459,7 +4601,7 @@
             </a:lvl9pPr>
           </a:lstStyle>
           <a:p>
-            <a:pPr indent="0" lvl="0" marL="0" rtl="0" algn="r">
+            <a:pPr marL="0" lvl="0" indent="0" algn="r" rtl="0">
               <a:spcBef>
                 <a:spcPts val="0"/>
               </a:spcBef>
@@ -4485,11 +4627,11 @@
 </file>
 
 <file path=ppt/slideLayouts/slideLayout8.xml><?xml version="1.0" encoding="utf-8"?>
-<p:sldLayout xmlns:a="http://schemas.openxmlformats.org/drawingml/2006/main" xmlns:r="http://schemas.openxmlformats.org/officeDocument/2006/relationships" xmlns:mc="http://schemas.openxmlformats.org/markup-compatibility/2006" xmlns:mv="urn:schemas-microsoft-com:mac:vml" xmlns:p="http://schemas.openxmlformats.org/presentationml/2006/main" xmlns:c="http://schemas.openxmlformats.org/drawingml/2006/chart" xmlns:dgm="http://schemas.openxmlformats.org/drawingml/2006/diagram" xmlns:o="urn:schemas-microsoft-com:office:office" xmlns:v="urn:schemas-microsoft-com:vml" xmlns:pvml="urn:schemas-microsoft-com:office:powerpoint" xmlns:com="http://schemas.openxmlformats.org/drawingml/2006/compatibility" xmlns:p14="http://schemas.microsoft.com/office/powerpoint/2010/main" xmlns:p15="http://schemas.microsoft.com/office/powerpoint/2012/main" xmlns:ahyp="http://schemas.microsoft.com/office/drawing/2018/hyperlinkcolor" matchingName="Section title and description">
+<p:sldLayout xmlns:a="http://schemas.openxmlformats.org/drawingml/2006/main" xmlns:r="http://schemas.openxmlformats.org/officeDocument/2006/relationships" xmlns:p="http://schemas.openxmlformats.org/presentationml/2006/main" matchingName="Section title and description">
   <p:cSld name="SECTION_TITLE_AND_DESCRIPTION">
     <p:spTree>
       <p:nvGrpSpPr>
-        <p:cNvPr id="35" name="Shape 35"/>
+        <p:cNvPr id="1" name="Shape 35"/>
         <p:cNvGrpSpPr/>
         <p:nvPr/>
       </p:nvGrpSpPr>
@@ -4523,12 +4665,12 @@
           </a:ln>
         </p:spPr>
         <p:txBody>
-          <a:bodyPr anchorCtr="0" anchor="ctr" bIns="91425" lIns="91425" spcFirstLastPara="1" rIns="91425" wrap="square" tIns="91425">
+          <a:bodyPr spcFirstLastPara="1" wrap="square" lIns="91425" tIns="91425" rIns="91425" bIns="91425" anchor="ctr" anchorCtr="0">
             <a:noAutofit/>
           </a:bodyPr>
           <a:lstStyle/>
           <a:p>
-            <a:pPr indent="0" lvl="0" marL="0" rtl="0" algn="l">
+            <a:pPr marL="0" lvl="0" indent="0" algn="l" rtl="0">
               <a:spcBef>
                 <a:spcPts val="0"/>
               </a:spcBef>
@@ -4537,9 +4679,6 @@
               </a:spcAft>
               <a:buNone/>
             </a:pPr>
-            <a:r>
-              <a:t/>
-            </a:r>
             <a:endParaRPr/>
           </a:p>
         </p:txBody>
@@ -4547,7 +4686,9 @@
       <p:sp>
         <p:nvSpPr>
           <p:cNvPr id="37" name="Google Shape;37;p9"/>
-          <p:cNvSpPr txBox="1"/>
+          <p:cNvSpPr txBox="1">
+            <a:spLocks noGrp="1"/>
+          </p:cNvSpPr>
           <p:nvPr>
             <p:ph type="title"/>
           </p:nvPr>
@@ -4562,7 +4703,7 @@
           </a:prstGeom>
         </p:spPr>
         <p:txBody>
-          <a:bodyPr anchorCtr="0" anchor="b" bIns="91425" lIns="91425" spcFirstLastPara="1" rIns="91425" wrap="square" tIns="91425">
+          <a:bodyPr spcFirstLastPara="1" wrap="square" lIns="91425" tIns="91425" rIns="91425" bIns="91425" anchor="b" anchorCtr="0">
             <a:normAutofit/>
           </a:bodyPr>
           <a:lstStyle>
@@ -4666,15 +4807,19 @@
               <a:defRPr sz="4200"/>
             </a:lvl9pPr>
           </a:lstStyle>
-          <a:p/>
+          <a:p>
+            <a:endParaRPr/>
+          </a:p>
         </p:txBody>
       </p:sp>
       <p:sp>
         <p:nvSpPr>
           <p:cNvPr id="38" name="Google Shape;38;p9"/>
-          <p:cNvSpPr txBox="1"/>
+          <p:cNvSpPr txBox="1">
+            <a:spLocks noGrp="1"/>
+          </p:cNvSpPr>
           <p:nvPr>
-            <p:ph idx="1" type="subTitle"/>
+            <p:ph type="subTitle" idx="1"/>
           </p:nvPr>
         </p:nvSpPr>
         <p:spPr>
@@ -4687,7 +4832,7 @@
           </a:prstGeom>
         </p:spPr>
         <p:txBody>
-          <a:bodyPr anchorCtr="0" anchor="t" bIns="91425" lIns="91425" spcFirstLastPara="1" rIns="91425" wrap="square" tIns="91425">
+          <a:bodyPr spcFirstLastPara="1" wrap="square" lIns="91425" tIns="91425" rIns="91425" bIns="91425" anchor="t" anchorCtr="0">
             <a:normAutofit/>
           </a:bodyPr>
           <a:lstStyle>
@@ -4818,15 +4963,19 @@
               <a:defRPr sz="2100"/>
             </a:lvl9pPr>
           </a:lstStyle>
-          <a:p/>
+          <a:p>
+            <a:endParaRPr/>
+          </a:p>
         </p:txBody>
       </p:sp>
       <p:sp>
         <p:nvSpPr>
           <p:cNvPr id="39" name="Google Shape;39;p9"/>
-          <p:cNvSpPr txBox="1"/>
+          <p:cNvSpPr txBox="1">
+            <a:spLocks noGrp="1"/>
+          </p:cNvSpPr>
           <p:nvPr>
-            <p:ph idx="2" type="body"/>
+            <p:ph type="body" idx="2"/>
           </p:nvPr>
         </p:nvSpPr>
         <p:spPr>
@@ -4839,11 +4988,11 @@
           </a:prstGeom>
         </p:spPr>
         <p:txBody>
-          <a:bodyPr anchorCtr="0" anchor="ctr" bIns="91425" lIns="91425" spcFirstLastPara="1" rIns="91425" wrap="square" tIns="91425">
+          <a:bodyPr spcFirstLastPara="1" wrap="square" lIns="91425" tIns="91425" rIns="91425" bIns="91425" anchor="ctr" anchorCtr="0">
             <a:normAutofit/>
           </a:bodyPr>
           <a:lstStyle>
-            <a:lvl1pPr indent="-342900" lvl="0" marL="457200">
+            <a:lvl1pPr marL="457200" lvl="0" indent="-342900">
               <a:spcBef>
                 <a:spcPts val="0"/>
               </a:spcBef>
@@ -4854,7 +5003,7 @@
               <a:buChar char="●"/>
               <a:defRPr/>
             </a:lvl1pPr>
-            <a:lvl2pPr indent="-317500" lvl="1" marL="914400">
+            <a:lvl2pPr marL="914400" lvl="1" indent="-317500">
               <a:spcBef>
                 <a:spcPts val="0"/>
               </a:spcBef>
@@ -4865,7 +5014,7 @@
               <a:buChar char="○"/>
               <a:defRPr/>
             </a:lvl2pPr>
-            <a:lvl3pPr indent="-317500" lvl="2" marL="1371600">
+            <a:lvl3pPr marL="1371600" lvl="2" indent="-317500">
               <a:spcBef>
                 <a:spcPts val="0"/>
               </a:spcBef>
@@ -4876,7 +5025,7 @@
               <a:buChar char="■"/>
               <a:defRPr/>
             </a:lvl3pPr>
-            <a:lvl4pPr indent="-317500" lvl="3" marL="1828800">
+            <a:lvl4pPr marL="1828800" lvl="3" indent="-317500">
               <a:spcBef>
                 <a:spcPts val="0"/>
               </a:spcBef>
@@ -4887,7 +5036,7 @@
               <a:buChar char="●"/>
               <a:defRPr/>
             </a:lvl4pPr>
-            <a:lvl5pPr indent="-317500" lvl="4" marL="2286000">
+            <a:lvl5pPr marL="2286000" lvl="4" indent="-317500">
               <a:spcBef>
                 <a:spcPts val="0"/>
               </a:spcBef>
@@ -4898,7 +5047,7 @@
               <a:buChar char="○"/>
               <a:defRPr/>
             </a:lvl5pPr>
-            <a:lvl6pPr indent="-317500" lvl="5" marL="2743200">
+            <a:lvl6pPr marL="2743200" lvl="5" indent="-317500">
               <a:spcBef>
                 <a:spcPts val="0"/>
               </a:spcBef>
@@ -4909,7 +5058,7 @@
               <a:buChar char="■"/>
               <a:defRPr/>
             </a:lvl6pPr>
-            <a:lvl7pPr indent="-317500" lvl="6" marL="3200400">
+            <a:lvl7pPr marL="3200400" lvl="6" indent="-317500">
               <a:spcBef>
                 <a:spcPts val="0"/>
               </a:spcBef>
@@ -4920,7 +5069,7 @@
               <a:buChar char="●"/>
               <a:defRPr/>
             </a:lvl7pPr>
-            <a:lvl8pPr indent="-317500" lvl="7" marL="3657600">
+            <a:lvl8pPr marL="3657600" lvl="7" indent="-317500">
               <a:spcBef>
                 <a:spcPts val="0"/>
               </a:spcBef>
@@ -4931,7 +5080,7 @@
               <a:buChar char="○"/>
               <a:defRPr/>
             </a:lvl8pPr>
-            <a:lvl9pPr indent="-317500" lvl="8" marL="4114800">
+            <a:lvl9pPr marL="4114800" lvl="8" indent="-317500">
               <a:spcBef>
                 <a:spcPts val="0"/>
               </a:spcBef>
@@ -4943,15 +5092,19 @@
               <a:defRPr/>
             </a:lvl9pPr>
           </a:lstStyle>
-          <a:p/>
+          <a:p>
+            <a:endParaRPr/>
+          </a:p>
         </p:txBody>
       </p:sp>
       <p:sp>
         <p:nvSpPr>
           <p:cNvPr id="40" name="Google Shape;40;p9"/>
-          <p:cNvSpPr txBox="1"/>
+          <p:cNvSpPr txBox="1">
+            <a:spLocks noGrp="1"/>
+          </p:cNvSpPr>
           <p:nvPr>
-            <p:ph idx="12" type="sldNum"/>
+            <p:ph type="sldNum" idx="12"/>
           </p:nvPr>
         </p:nvSpPr>
         <p:spPr>
@@ -4964,7 +5117,7 @@
           </a:prstGeom>
         </p:spPr>
         <p:txBody>
-          <a:bodyPr anchorCtr="0" anchor="ctr" bIns="91425" lIns="91425" spcFirstLastPara="1" rIns="91425" wrap="square" tIns="91425">
+          <a:bodyPr spcFirstLastPara="1" wrap="square" lIns="91425" tIns="91425" rIns="91425" bIns="91425" anchor="ctr" anchorCtr="0">
             <a:normAutofit/>
           </a:bodyPr>
           <a:lstStyle>
@@ -5006,7 +5159,7 @@
             </a:lvl9pPr>
           </a:lstStyle>
           <a:p>
-            <a:pPr indent="0" lvl="0" marL="0" rtl="0" algn="r">
+            <a:pPr marL="0" lvl="0" indent="0" algn="r" rtl="0">
               <a:spcBef>
                 <a:spcPts val="0"/>
               </a:spcBef>
@@ -5032,11 +5185,11 @@
 </file>
 
 <file path=ppt/slideLayouts/slideLayout9.xml><?xml version="1.0" encoding="utf-8"?>
-<p:sldLayout xmlns:a="http://schemas.openxmlformats.org/drawingml/2006/main" xmlns:r="http://schemas.openxmlformats.org/officeDocument/2006/relationships" xmlns:mc="http://schemas.openxmlformats.org/markup-compatibility/2006" xmlns:mv="urn:schemas-microsoft-com:mac:vml" xmlns:p="http://schemas.openxmlformats.org/presentationml/2006/main" xmlns:c="http://schemas.openxmlformats.org/drawingml/2006/chart" xmlns:dgm="http://schemas.openxmlformats.org/drawingml/2006/diagram" xmlns:o="urn:schemas-microsoft-com:office:office" xmlns:v="urn:schemas-microsoft-com:vml" xmlns:pvml="urn:schemas-microsoft-com:office:powerpoint" xmlns:com="http://schemas.openxmlformats.org/drawingml/2006/compatibility" xmlns:p14="http://schemas.microsoft.com/office/powerpoint/2010/main" xmlns:p15="http://schemas.microsoft.com/office/powerpoint/2012/main" xmlns:ahyp="http://schemas.microsoft.com/office/drawing/2018/hyperlinkcolor" matchingName="Caption">
+<p:sldLayout xmlns:a="http://schemas.openxmlformats.org/drawingml/2006/main" xmlns:r="http://schemas.openxmlformats.org/officeDocument/2006/relationships" xmlns:p="http://schemas.openxmlformats.org/presentationml/2006/main" matchingName="Caption">
   <p:cSld name="CAPTION_ONLY">
     <p:spTree>
       <p:nvGrpSpPr>
-        <p:cNvPr id="41" name="Shape 41"/>
+        <p:cNvPr id="1" name="Shape 41"/>
         <p:cNvGrpSpPr/>
         <p:nvPr/>
       </p:nvGrpSpPr>
@@ -5051,9 +5204,11 @@
       <p:sp>
         <p:nvSpPr>
           <p:cNvPr id="42" name="Google Shape;42;p10"/>
-          <p:cNvSpPr txBox="1"/>
+          <p:cNvSpPr txBox="1">
+            <a:spLocks noGrp="1"/>
+          </p:cNvSpPr>
           <p:nvPr>
-            <p:ph idx="1" type="body"/>
+            <p:ph type="body" idx="1"/>
           </p:nvPr>
         </p:nvSpPr>
         <p:spPr>
@@ -5066,11 +5221,11 @@
           </a:prstGeom>
         </p:spPr>
         <p:txBody>
-          <a:bodyPr anchorCtr="0" anchor="ctr" bIns="91425" lIns="91425" spcFirstLastPara="1" rIns="91425" wrap="square" tIns="91425">
+          <a:bodyPr spcFirstLastPara="1" wrap="square" lIns="91425" tIns="91425" rIns="91425" bIns="91425" anchor="ctr" anchorCtr="0">
             <a:normAutofit/>
           </a:bodyPr>
           <a:lstStyle>
-            <a:lvl1pPr indent="-228600" lvl="0" marL="457200">
+            <a:lvl1pPr marL="457200" lvl="0" indent="-228600">
               <a:lnSpc>
                 <a:spcPct val="100000"/>
               </a:lnSpc>
@@ -5085,15 +5240,19 @@
               <a:defRPr/>
             </a:lvl1pPr>
           </a:lstStyle>
-          <a:p/>
+          <a:p>
+            <a:endParaRPr/>
+          </a:p>
         </p:txBody>
       </p:sp>
       <p:sp>
         <p:nvSpPr>
           <p:cNvPr id="43" name="Google Shape;43;p10"/>
-          <p:cNvSpPr txBox="1"/>
+          <p:cNvSpPr txBox="1">
+            <a:spLocks noGrp="1"/>
+          </p:cNvSpPr>
           <p:nvPr>
-            <p:ph idx="12" type="sldNum"/>
+            <p:ph type="sldNum" idx="12"/>
           </p:nvPr>
         </p:nvSpPr>
         <p:spPr>
@@ -5106,7 +5265,7 @@
           </a:prstGeom>
         </p:spPr>
         <p:txBody>
-          <a:bodyPr anchorCtr="0" anchor="ctr" bIns="91425" lIns="91425" spcFirstLastPara="1" rIns="91425" wrap="square" tIns="91425">
+          <a:bodyPr spcFirstLastPara="1" wrap="square" lIns="91425" tIns="91425" rIns="91425" bIns="91425" anchor="ctr" anchorCtr="0">
             <a:normAutofit/>
           </a:bodyPr>
           <a:lstStyle>
@@ -5148,7 +5307,7 @@
             </a:lvl9pPr>
           </a:lstStyle>
           <a:p>
-            <a:pPr indent="0" lvl="0" marL="0" rtl="0" algn="r">
+            <a:pPr marL="0" lvl="0" indent="0" algn="r" rtl="0">
               <a:spcBef>
                 <a:spcPts val="0"/>
               </a:spcBef>
@@ -5174,18 +5333,19 @@
 </file>
 
 <file path=ppt/slideMasters/slideMaster1.xml><?xml version="1.0" encoding="utf-8"?>
-<p:sldMaster xmlns:a="http://schemas.openxmlformats.org/drawingml/2006/main" xmlns:r="http://schemas.openxmlformats.org/officeDocument/2006/relationships" xmlns:mc="http://schemas.openxmlformats.org/markup-compatibility/2006" xmlns:mv="urn:schemas-microsoft-com:mac:vml" xmlns:p="http://schemas.openxmlformats.org/presentationml/2006/main" xmlns:c="http://schemas.openxmlformats.org/drawingml/2006/chart" xmlns:dgm="http://schemas.openxmlformats.org/drawingml/2006/diagram" xmlns:o="urn:schemas-microsoft-com:office:office" xmlns:v="urn:schemas-microsoft-com:vml" xmlns:pvml="urn:schemas-microsoft-com:office:powerpoint" xmlns:com="http://schemas.openxmlformats.org/drawingml/2006/compatibility" xmlns:p14="http://schemas.microsoft.com/office/powerpoint/2010/main" xmlns:p15="http://schemas.microsoft.com/office/powerpoint/2012/main" xmlns:ahyp="http://schemas.microsoft.com/office/drawing/2018/hyperlinkcolor">
+<p:sldMaster xmlns:a="http://schemas.openxmlformats.org/drawingml/2006/main" xmlns:r="http://schemas.openxmlformats.org/officeDocument/2006/relationships" xmlns:p="http://schemas.openxmlformats.org/presentationml/2006/main">
   <p:cSld name="simple-light-2">
     <p:bg>
       <p:bgPr>
         <a:solidFill>
           <a:schemeClr val="lt1"/>
         </a:solidFill>
+        <a:effectLst/>
       </p:bgPr>
     </p:bg>
     <p:spTree>
       <p:nvGrpSpPr>
-        <p:cNvPr id="5" name="Shape 5"/>
+        <p:cNvPr id="1" name="Shape 5"/>
         <p:cNvGrpSpPr/>
         <p:nvPr/>
       </p:nvGrpSpPr>
@@ -5200,7 +5360,9 @@
       <p:sp>
         <p:nvSpPr>
           <p:cNvPr id="6" name="Google Shape;6;p1"/>
-          <p:cNvSpPr txBox="1"/>
+          <p:cNvSpPr txBox="1">
+            <a:spLocks noGrp="1"/>
+          </p:cNvSpPr>
           <p:nvPr>
             <p:ph type="title"/>
           </p:nvPr>
@@ -5219,7 +5381,7 @@
           </a:ln>
         </p:spPr>
         <p:txBody>
-          <a:bodyPr anchorCtr="0" anchor="t" bIns="91425" lIns="91425" spcFirstLastPara="1" rIns="91425" wrap="square" tIns="91425">
+          <a:bodyPr spcFirstLastPara="1" wrap="square" lIns="91425" tIns="91425" rIns="91425" bIns="91425" anchor="t" anchorCtr="0">
             <a:normAutofit/>
           </a:bodyPr>
           <a:lstStyle>
@@ -5386,15 +5548,19 @@
               </a:defRPr>
             </a:lvl9pPr>
           </a:lstStyle>
-          <a:p/>
+          <a:p>
+            <a:endParaRPr/>
+          </a:p>
         </p:txBody>
       </p:sp>
       <p:sp>
         <p:nvSpPr>
           <p:cNvPr id="7" name="Google Shape;7;p1"/>
-          <p:cNvSpPr txBox="1"/>
+          <p:cNvSpPr txBox="1">
+            <a:spLocks noGrp="1"/>
+          </p:cNvSpPr>
           <p:nvPr>
-            <p:ph idx="1" type="body"/>
+            <p:ph type="body" idx="1"/>
           </p:nvPr>
         </p:nvSpPr>
         <p:spPr>
@@ -5411,11 +5577,11 @@
           </a:ln>
         </p:spPr>
         <p:txBody>
-          <a:bodyPr anchorCtr="0" anchor="t" bIns="91425" lIns="91425" spcFirstLastPara="1" rIns="91425" wrap="square" tIns="91425">
+          <a:bodyPr spcFirstLastPara="1" wrap="square" lIns="91425" tIns="91425" rIns="91425" bIns="91425" anchor="t" anchorCtr="0">
             <a:normAutofit/>
           </a:bodyPr>
           <a:lstStyle>
-            <a:lvl1pPr indent="-342900" lvl="0" marL="457200">
+            <a:lvl1pPr marL="457200" lvl="0" indent="-342900">
               <a:lnSpc>
                 <a:spcPct val="115000"/>
               </a:lnSpc>
@@ -5436,7 +5602,7 @@
                 </a:solidFill>
               </a:defRPr>
             </a:lvl1pPr>
-            <a:lvl2pPr indent="-317500" lvl="1" marL="914400">
+            <a:lvl2pPr marL="914400" lvl="1" indent="-317500">
               <a:lnSpc>
                 <a:spcPct val="115000"/>
               </a:lnSpc>
@@ -5457,7 +5623,7 @@
                 </a:solidFill>
               </a:defRPr>
             </a:lvl2pPr>
-            <a:lvl3pPr indent="-317500" lvl="2" marL="1371600">
+            <a:lvl3pPr marL="1371600" lvl="2" indent="-317500">
               <a:lnSpc>
                 <a:spcPct val="115000"/>
               </a:lnSpc>
@@ -5478,7 +5644,7 @@
                 </a:solidFill>
               </a:defRPr>
             </a:lvl3pPr>
-            <a:lvl4pPr indent="-317500" lvl="3" marL="1828800">
+            <a:lvl4pPr marL="1828800" lvl="3" indent="-317500">
               <a:lnSpc>
                 <a:spcPct val="115000"/>
               </a:lnSpc>
@@ -5499,7 +5665,7 @@
                 </a:solidFill>
               </a:defRPr>
             </a:lvl4pPr>
-            <a:lvl5pPr indent="-317500" lvl="4" marL="2286000">
+            <a:lvl5pPr marL="2286000" lvl="4" indent="-317500">
               <a:lnSpc>
                 <a:spcPct val="115000"/>
               </a:lnSpc>
@@ -5520,7 +5686,7 @@
                 </a:solidFill>
               </a:defRPr>
             </a:lvl5pPr>
-            <a:lvl6pPr indent="-317500" lvl="5" marL="2743200">
+            <a:lvl6pPr marL="2743200" lvl="5" indent="-317500">
               <a:lnSpc>
                 <a:spcPct val="115000"/>
               </a:lnSpc>
@@ -5541,7 +5707,7 @@
                 </a:solidFill>
               </a:defRPr>
             </a:lvl6pPr>
-            <a:lvl7pPr indent="-317500" lvl="6" marL="3200400">
+            <a:lvl7pPr marL="3200400" lvl="6" indent="-317500">
               <a:lnSpc>
                 <a:spcPct val="115000"/>
               </a:lnSpc>
@@ -5562,7 +5728,7 @@
                 </a:solidFill>
               </a:defRPr>
             </a:lvl7pPr>
-            <a:lvl8pPr indent="-317500" lvl="7" marL="3657600">
+            <a:lvl8pPr marL="3657600" lvl="7" indent="-317500">
               <a:lnSpc>
                 <a:spcPct val="115000"/>
               </a:lnSpc>
@@ -5583,7 +5749,7 @@
                 </a:solidFill>
               </a:defRPr>
             </a:lvl8pPr>
-            <a:lvl9pPr indent="-317500" lvl="8" marL="4114800">
+            <a:lvl9pPr marL="4114800" lvl="8" indent="-317500">
               <a:lnSpc>
                 <a:spcPct val="115000"/>
               </a:lnSpc>
@@ -5605,15 +5771,19 @@
               </a:defRPr>
             </a:lvl9pPr>
           </a:lstStyle>
-          <a:p/>
+          <a:p>
+            <a:endParaRPr/>
+          </a:p>
         </p:txBody>
       </p:sp>
       <p:sp>
         <p:nvSpPr>
           <p:cNvPr id="8" name="Google Shape;8;p1"/>
-          <p:cNvSpPr txBox="1"/>
+          <p:cNvSpPr txBox="1">
+            <a:spLocks noGrp="1"/>
+          </p:cNvSpPr>
           <p:nvPr>
-            <p:ph idx="12" type="sldNum"/>
+            <p:ph type="sldNum" idx="12"/>
           </p:nvPr>
         </p:nvSpPr>
         <p:spPr>
@@ -5630,7 +5800,7 @@
           </a:ln>
         </p:spPr>
         <p:txBody>
-          <a:bodyPr anchorCtr="0" anchor="ctr" bIns="91425" lIns="91425" spcFirstLastPara="1" rIns="91425" wrap="square" tIns="91425">
+          <a:bodyPr spcFirstLastPara="1" wrap="square" lIns="91425" tIns="91425" rIns="91425" bIns="91425" anchor="ctr" anchorCtr="0">
             <a:normAutofit/>
           </a:bodyPr>
           <a:lstStyle>
@@ -5708,7 +5878,7 @@
             </a:lvl9pPr>
           </a:lstStyle>
           <a:p>
-            <a:pPr indent="0" lvl="0" marL="0" rtl="0" algn="r">
+            <a:pPr marL="0" lvl="0" indent="0" algn="r" rtl="0">
               <a:spcBef>
                 <a:spcPts val="0"/>
               </a:spcBef>
@@ -5727,7 +5897,7 @@
       </p:sp>
     </p:spTree>
   </p:cSld>
-  <p:clrMap accent1="accent1" accent2="accent2" accent3="accent3" accent4="accent4" accent5="accent5" accent6="accent6" bg1="lt1" bg2="dk2" tx1="dk1" tx2="lt2" folHlink="folHlink" hlink="hlink"/>
+  <p:clrMap bg1="lt1" tx1="dk1" bg2="dk2" tx2="lt2" accent1="accent1" accent2="accent2" accent3="accent3" accent4="accent4" accent5="accent5" accent6="accent6" hlink="hlink" folHlink="folHlink"/>
   <p:sldLayoutIdLst>
     <p:sldLayoutId id="2147483648" r:id="rId1"/>
     <p:sldLayoutId id="2147483649" r:id="rId2"/>
@@ -5741,10 +5911,10 @@
     <p:sldLayoutId id="2147483657" r:id="rId10"/>
     <p:sldLayoutId id="2147483658" r:id="rId11"/>
   </p:sldLayoutIdLst>
-  <p:hf dt="0" ftr="0" hdr="0" sldNum="0"/>
+  <p:hf sldNum="0" hdr="0" ftr="0" dt="0"/>
   <p:txStyles>
     <p:titleStyle>
-      <a:defPPr lvl="0" marR="0" rtl="0" algn="l">
+      <a:defPPr marR="0" lvl="0" algn="l" rtl="0">
         <a:lnSpc>
           <a:spcPct val="100000"/>
         </a:lnSpc>
@@ -5755,7 +5925,7 @@
           <a:spcPts val="0"/>
         </a:spcAft>
       </a:defPPr>
-      <a:lvl1pPr lvl="0" marR="0" rtl="0" algn="l">
+      <a:lvl1pPr marR="0" lvl="0" algn="l" rtl="0">
         <a:lnSpc>
           <a:spcPct val="100000"/>
         </a:lnSpc>
@@ -5769,7 +5939,7 @@
           <a:srgbClr val="000000"/>
         </a:buClr>
         <a:buFont typeface="Arial"/>
-        <a:defRPr b="0" i="0" sz="1400" u="none" cap="none" strike="noStrike">
+        <a:defRPr sz="1400" b="0" i="0" u="none" strike="noStrike" cap="none">
           <a:solidFill>
             <a:srgbClr val="000000"/>
           </a:solidFill>
@@ -5779,7 +5949,7 @@
           <a:sym typeface="Arial"/>
         </a:defRPr>
       </a:lvl1pPr>
-      <a:lvl2pPr lvl="1" marR="0" rtl="0" algn="l">
+      <a:lvl2pPr marR="0" lvl="1" algn="l" rtl="0">
         <a:lnSpc>
           <a:spcPct val="100000"/>
         </a:lnSpc>
@@ -5793,7 +5963,7 @@
           <a:srgbClr val="000000"/>
         </a:buClr>
         <a:buFont typeface="Arial"/>
-        <a:defRPr b="0" i="0" sz="1400" u="none" cap="none" strike="noStrike">
+        <a:defRPr sz="1400" b="0" i="0" u="none" strike="noStrike" cap="none">
           <a:solidFill>
             <a:srgbClr val="000000"/>
           </a:solidFill>
@@ -5803,7 +5973,7 @@
           <a:sym typeface="Arial"/>
         </a:defRPr>
       </a:lvl2pPr>
-      <a:lvl3pPr lvl="2" marR="0" rtl="0" algn="l">
+      <a:lvl3pPr marR="0" lvl="2" algn="l" rtl="0">
         <a:lnSpc>
           <a:spcPct val="100000"/>
         </a:lnSpc>
@@ -5817,7 +5987,7 @@
           <a:srgbClr val="000000"/>
         </a:buClr>
         <a:buFont typeface="Arial"/>
-        <a:defRPr b="0" i="0" sz="1400" u="none" cap="none" strike="noStrike">
+        <a:defRPr sz="1400" b="0" i="0" u="none" strike="noStrike" cap="none">
           <a:solidFill>
             <a:srgbClr val="000000"/>
           </a:solidFill>
@@ -5827,7 +5997,7 @@
           <a:sym typeface="Arial"/>
         </a:defRPr>
       </a:lvl3pPr>
-      <a:lvl4pPr lvl="3" marR="0" rtl="0" algn="l">
+      <a:lvl4pPr marR="0" lvl="3" algn="l" rtl="0">
         <a:lnSpc>
           <a:spcPct val="100000"/>
         </a:lnSpc>
@@ -5841,7 +6011,7 @@
           <a:srgbClr val="000000"/>
         </a:buClr>
         <a:buFont typeface="Arial"/>
-        <a:defRPr b="0" i="0" sz="1400" u="none" cap="none" strike="noStrike">
+        <a:defRPr sz="1400" b="0" i="0" u="none" strike="noStrike" cap="none">
           <a:solidFill>
             <a:srgbClr val="000000"/>
           </a:solidFill>
@@ -5851,7 +6021,7 @@
           <a:sym typeface="Arial"/>
         </a:defRPr>
       </a:lvl4pPr>
-      <a:lvl5pPr lvl="4" marR="0" rtl="0" algn="l">
+      <a:lvl5pPr marR="0" lvl="4" algn="l" rtl="0">
         <a:lnSpc>
           <a:spcPct val="100000"/>
         </a:lnSpc>
@@ -5865,7 +6035,7 @@
           <a:srgbClr val="000000"/>
         </a:buClr>
         <a:buFont typeface="Arial"/>
-        <a:defRPr b="0" i="0" sz="1400" u="none" cap="none" strike="noStrike">
+        <a:defRPr sz="1400" b="0" i="0" u="none" strike="noStrike" cap="none">
           <a:solidFill>
             <a:srgbClr val="000000"/>
           </a:solidFill>
@@ -5875,7 +6045,7 @@
           <a:sym typeface="Arial"/>
         </a:defRPr>
       </a:lvl5pPr>
-      <a:lvl6pPr lvl="5" marR="0" rtl="0" algn="l">
+      <a:lvl6pPr marR="0" lvl="5" algn="l" rtl="0">
         <a:lnSpc>
           <a:spcPct val="100000"/>
         </a:lnSpc>
@@ -5889,7 +6059,7 @@
           <a:srgbClr val="000000"/>
         </a:buClr>
         <a:buFont typeface="Arial"/>
-        <a:defRPr b="0" i="0" sz="1400" u="none" cap="none" strike="noStrike">
+        <a:defRPr sz="1400" b="0" i="0" u="none" strike="noStrike" cap="none">
           <a:solidFill>
             <a:srgbClr val="000000"/>
           </a:solidFill>
@@ -5899,7 +6069,7 @@
           <a:sym typeface="Arial"/>
         </a:defRPr>
       </a:lvl6pPr>
-      <a:lvl7pPr lvl="6" marR="0" rtl="0" algn="l">
+      <a:lvl7pPr marR="0" lvl="6" algn="l" rtl="0">
         <a:lnSpc>
           <a:spcPct val="100000"/>
         </a:lnSpc>
@@ -5913,7 +6083,7 @@
           <a:srgbClr val="000000"/>
         </a:buClr>
         <a:buFont typeface="Arial"/>
-        <a:defRPr b="0" i="0" sz="1400" u="none" cap="none" strike="noStrike">
+        <a:defRPr sz="1400" b="0" i="0" u="none" strike="noStrike" cap="none">
           <a:solidFill>
             <a:srgbClr val="000000"/>
           </a:solidFill>
@@ -5923,7 +6093,7 @@
           <a:sym typeface="Arial"/>
         </a:defRPr>
       </a:lvl7pPr>
-      <a:lvl8pPr lvl="7" marR="0" rtl="0" algn="l">
+      <a:lvl8pPr marR="0" lvl="7" algn="l" rtl="0">
         <a:lnSpc>
           <a:spcPct val="100000"/>
         </a:lnSpc>
@@ -5937,7 +6107,7 @@
           <a:srgbClr val="000000"/>
         </a:buClr>
         <a:buFont typeface="Arial"/>
-        <a:defRPr b="0" i="0" sz="1400" u="none" cap="none" strike="noStrike">
+        <a:defRPr sz="1400" b="0" i="0" u="none" strike="noStrike" cap="none">
           <a:solidFill>
             <a:srgbClr val="000000"/>
           </a:solidFill>
@@ -5947,7 +6117,7 @@
           <a:sym typeface="Arial"/>
         </a:defRPr>
       </a:lvl8pPr>
-      <a:lvl9pPr lvl="8" marR="0" rtl="0" algn="l">
+      <a:lvl9pPr marR="0" lvl="8" algn="l" rtl="0">
         <a:lnSpc>
           <a:spcPct val="100000"/>
         </a:lnSpc>
@@ -5961,7 +6131,7 @@
           <a:srgbClr val="000000"/>
         </a:buClr>
         <a:buFont typeface="Arial"/>
-        <a:defRPr b="0" i="0" sz="1400" u="none" cap="none" strike="noStrike">
+        <a:defRPr sz="1400" b="0" i="0" u="none" strike="noStrike" cap="none">
           <a:solidFill>
             <a:srgbClr val="000000"/>
           </a:solidFill>
@@ -5973,7 +6143,7 @@
       </a:lvl9pPr>
     </p:titleStyle>
     <p:bodyStyle>
-      <a:defPPr lvl="0" marR="0" rtl="0" algn="l">
+      <a:defPPr marR="0" lvl="0" algn="l" rtl="0">
         <a:lnSpc>
           <a:spcPct val="100000"/>
         </a:lnSpc>
@@ -5984,7 +6154,7 @@
           <a:spcPts val="0"/>
         </a:spcAft>
       </a:defPPr>
-      <a:lvl1pPr lvl="0" marR="0" rtl="0" algn="l">
+      <a:lvl1pPr marR="0" lvl="0" algn="l" rtl="0">
         <a:lnSpc>
           <a:spcPct val="100000"/>
         </a:lnSpc>
@@ -5998,7 +6168,7 @@
           <a:srgbClr val="000000"/>
         </a:buClr>
         <a:buFont typeface="Arial"/>
-        <a:defRPr b="0" i="0" sz="1400" u="none" cap="none" strike="noStrike">
+        <a:defRPr sz="1400" b="0" i="0" u="none" strike="noStrike" cap="none">
           <a:solidFill>
             <a:srgbClr val="000000"/>
           </a:solidFill>
@@ -6008,7 +6178,7 @@
           <a:sym typeface="Arial"/>
         </a:defRPr>
       </a:lvl1pPr>
-      <a:lvl2pPr lvl="1" marR="0" rtl="0" algn="l">
+      <a:lvl2pPr marR="0" lvl="1" algn="l" rtl="0">
         <a:lnSpc>
           <a:spcPct val="100000"/>
         </a:lnSpc>
@@ -6022,7 +6192,7 @@
           <a:srgbClr val="000000"/>
         </a:buClr>
         <a:buFont typeface="Arial"/>
-        <a:defRPr b="0" i="0" sz="1400" u="none" cap="none" strike="noStrike">
+        <a:defRPr sz="1400" b="0" i="0" u="none" strike="noStrike" cap="none">
           <a:solidFill>
             <a:srgbClr val="000000"/>
           </a:solidFill>
@@ -6032,7 +6202,7 @@
           <a:sym typeface="Arial"/>
         </a:defRPr>
       </a:lvl2pPr>
-      <a:lvl3pPr lvl="2" marR="0" rtl="0" algn="l">
+      <a:lvl3pPr marR="0" lvl="2" algn="l" rtl="0">
         <a:lnSpc>
           <a:spcPct val="100000"/>
         </a:lnSpc>
@@ -6046,7 +6216,7 @@
           <a:srgbClr val="000000"/>
         </a:buClr>
         <a:buFont typeface="Arial"/>
-        <a:defRPr b="0" i="0" sz="1400" u="none" cap="none" strike="noStrike">
+        <a:defRPr sz="1400" b="0" i="0" u="none" strike="noStrike" cap="none">
           <a:solidFill>
             <a:srgbClr val="000000"/>
           </a:solidFill>
@@ -6056,7 +6226,7 @@
           <a:sym typeface="Arial"/>
         </a:defRPr>
       </a:lvl3pPr>
-      <a:lvl4pPr lvl="3" marR="0" rtl="0" algn="l">
+      <a:lvl4pPr marR="0" lvl="3" algn="l" rtl="0">
         <a:lnSpc>
           <a:spcPct val="100000"/>
         </a:lnSpc>
@@ -6070,7 +6240,7 @@
           <a:srgbClr val="000000"/>
         </a:buClr>
         <a:buFont typeface="Arial"/>
-        <a:defRPr b="0" i="0" sz="1400" u="none" cap="none" strike="noStrike">
+        <a:defRPr sz="1400" b="0" i="0" u="none" strike="noStrike" cap="none">
           <a:solidFill>
             <a:srgbClr val="000000"/>
           </a:solidFill>
@@ -6080,7 +6250,7 @@
           <a:sym typeface="Arial"/>
         </a:defRPr>
       </a:lvl4pPr>
-      <a:lvl5pPr lvl="4" marR="0" rtl="0" algn="l">
+      <a:lvl5pPr marR="0" lvl="4" algn="l" rtl="0">
         <a:lnSpc>
           <a:spcPct val="100000"/>
         </a:lnSpc>
@@ -6094,7 +6264,7 @@
           <a:srgbClr val="000000"/>
         </a:buClr>
         <a:buFont typeface="Arial"/>
-        <a:defRPr b="0" i="0" sz="1400" u="none" cap="none" strike="noStrike">
+        <a:defRPr sz="1400" b="0" i="0" u="none" strike="noStrike" cap="none">
           <a:solidFill>
             <a:srgbClr val="000000"/>
           </a:solidFill>
@@ -6104,7 +6274,7 @@
           <a:sym typeface="Arial"/>
         </a:defRPr>
       </a:lvl5pPr>
-      <a:lvl6pPr lvl="5" marR="0" rtl="0" algn="l">
+      <a:lvl6pPr marR="0" lvl="5" algn="l" rtl="0">
         <a:lnSpc>
           <a:spcPct val="100000"/>
         </a:lnSpc>
@@ -6118,7 +6288,7 @@
           <a:srgbClr val="000000"/>
         </a:buClr>
         <a:buFont typeface="Arial"/>
-        <a:defRPr b="0" i="0" sz="1400" u="none" cap="none" strike="noStrike">
+        <a:defRPr sz="1400" b="0" i="0" u="none" strike="noStrike" cap="none">
           <a:solidFill>
             <a:srgbClr val="000000"/>
           </a:solidFill>
@@ -6128,7 +6298,7 @@
           <a:sym typeface="Arial"/>
         </a:defRPr>
       </a:lvl6pPr>
-      <a:lvl7pPr lvl="6" marR="0" rtl="0" algn="l">
+      <a:lvl7pPr marR="0" lvl="6" algn="l" rtl="0">
         <a:lnSpc>
           <a:spcPct val="100000"/>
         </a:lnSpc>
@@ -6142,7 +6312,7 @@
           <a:srgbClr val="000000"/>
         </a:buClr>
         <a:buFont typeface="Arial"/>
-        <a:defRPr b="0" i="0" sz="1400" u="none" cap="none" strike="noStrike">
+        <a:defRPr sz="1400" b="0" i="0" u="none" strike="noStrike" cap="none">
           <a:solidFill>
             <a:srgbClr val="000000"/>
           </a:solidFill>
@@ -6152,7 +6322,7 @@
           <a:sym typeface="Arial"/>
         </a:defRPr>
       </a:lvl7pPr>
-      <a:lvl8pPr lvl="7" marR="0" rtl="0" algn="l">
+      <a:lvl8pPr marR="0" lvl="7" algn="l" rtl="0">
         <a:lnSpc>
           <a:spcPct val="100000"/>
         </a:lnSpc>
@@ -6166,7 +6336,7 @@
           <a:srgbClr val="000000"/>
         </a:buClr>
         <a:buFont typeface="Arial"/>
-        <a:defRPr b="0" i="0" sz="1400" u="none" cap="none" strike="noStrike">
+        <a:defRPr sz="1400" b="0" i="0" u="none" strike="noStrike" cap="none">
           <a:solidFill>
             <a:srgbClr val="000000"/>
           </a:solidFill>
@@ -6176,7 +6346,7 @@
           <a:sym typeface="Arial"/>
         </a:defRPr>
       </a:lvl8pPr>
-      <a:lvl9pPr lvl="8" marR="0" rtl="0" algn="l">
+      <a:lvl9pPr marR="0" lvl="8" algn="l" rtl="0">
         <a:lnSpc>
           <a:spcPct val="100000"/>
         </a:lnSpc>
@@ -6190,7 +6360,7 @@
           <a:srgbClr val="000000"/>
         </a:buClr>
         <a:buFont typeface="Arial"/>
-        <a:defRPr b="0" i="0" sz="1400" u="none" cap="none" strike="noStrike">
+        <a:defRPr sz="1400" b="0" i="0" u="none" strike="noStrike" cap="none">
           <a:solidFill>
             <a:srgbClr val="000000"/>
           </a:solidFill>
@@ -6202,7 +6372,7 @@
       </a:lvl9pPr>
     </p:bodyStyle>
     <p:otherStyle>
-      <a:defPPr lvl="0" marR="0" rtl="0" algn="l">
+      <a:defPPr marR="0" lvl="0" algn="l" rtl="0">
         <a:lnSpc>
           <a:spcPct val="100000"/>
         </a:lnSpc>
@@ -6213,7 +6383,7 @@
           <a:spcPts val="0"/>
         </a:spcAft>
       </a:defPPr>
-      <a:lvl1pPr lvl="0" marR="0" rtl="0" algn="l">
+      <a:lvl1pPr marR="0" lvl="0" algn="l" rtl="0">
         <a:lnSpc>
           <a:spcPct val="100000"/>
         </a:lnSpc>
@@ -6227,7 +6397,7 @@
           <a:srgbClr val="000000"/>
         </a:buClr>
         <a:buFont typeface="Arial"/>
-        <a:defRPr b="0" i="0" sz="1400" u="none" cap="none" strike="noStrike">
+        <a:defRPr sz="1400" b="0" i="0" u="none" strike="noStrike" cap="none">
           <a:solidFill>
             <a:srgbClr val="000000"/>
           </a:solidFill>
@@ -6237,7 +6407,7 @@
           <a:sym typeface="Arial"/>
         </a:defRPr>
       </a:lvl1pPr>
-      <a:lvl2pPr lvl="1" marR="0" rtl="0" algn="l">
+      <a:lvl2pPr marR="0" lvl="1" algn="l" rtl="0">
         <a:lnSpc>
           <a:spcPct val="100000"/>
         </a:lnSpc>
@@ -6251,7 +6421,7 @@
           <a:srgbClr val="000000"/>
         </a:buClr>
         <a:buFont typeface="Arial"/>
-        <a:defRPr b="0" i="0" sz="1400" u="none" cap="none" strike="noStrike">
+        <a:defRPr sz="1400" b="0" i="0" u="none" strike="noStrike" cap="none">
           <a:solidFill>
             <a:srgbClr val="000000"/>
           </a:solidFill>
@@ -6261,7 +6431,7 @@
           <a:sym typeface="Arial"/>
         </a:defRPr>
       </a:lvl2pPr>
-      <a:lvl3pPr lvl="2" marR="0" rtl="0" algn="l">
+      <a:lvl3pPr marR="0" lvl="2" algn="l" rtl="0">
         <a:lnSpc>
           <a:spcPct val="100000"/>
         </a:lnSpc>
@@ -6275,7 +6445,7 @@
           <a:srgbClr val="000000"/>
         </a:buClr>
         <a:buFont typeface="Arial"/>
-        <a:defRPr b="0" i="0" sz="1400" u="none" cap="none" strike="noStrike">
+        <a:defRPr sz="1400" b="0" i="0" u="none" strike="noStrike" cap="none">
           <a:solidFill>
             <a:srgbClr val="000000"/>
           </a:solidFill>
@@ -6285,7 +6455,7 @@
           <a:sym typeface="Arial"/>
         </a:defRPr>
       </a:lvl3pPr>
-      <a:lvl4pPr lvl="3" marR="0" rtl="0" algn="l">
+      <a:lvl4pPr marR="0" lvl="3" algn="l" rtl="0">
         <a:lnSpc>
           <a:spcPct val="100000"/>
         </a:lnSpc>
@@ -6299,7 +6469,7 @@
           <a:srgbClr val="000000"/>
         </a:buClr>
         <a:buFont typeface="Arial"/>
-        <a:defRPr b="0" i="0" sz="1400" u="none" cap="none" strike="noStrike">
+        <a:defRPr sz="1400" b="0" i="0" u="none" strike="noStrike" cap="none">
           <a:solidFill>
             <a:srgbClr val="000000"/>
           </a:solidFill>
@@ -6309,7 +6479,7 @@
           <a:sym typeface="Arial"/>
         </a:defRPr>
       </a:lvl4pPr>
-      <a:lvl5pPr lvl="4" marR="0" rtl="0" algn="l">
+      <a:lvl5pPr marR="0" lvl="4" algn="l" rtl="0">
         <a:lnSpc>
           <a:spcPct val="100000"/>
         </a:lnSpc>
@@ -6323,7 +6493,7 @@
           <a:srgbClr val="000000"/>
         </a:buClr>
         <a:buFont typeface="Arial"/>
-        <a:defRPr b="0" i="0" sz="1400" u="none" cap="none" strike="noStrike">
+        <a:defRPr sz="1400" b="0" i="0" u="none" strike="noStrike" cap="none">
           <a:solidFill>
             <a:srgbClr val="000000"/>
           </a:solidFill>
@@ -6333,7 +6503,7 @@
           <a:sym typeface="Arial"/>
         </a:defRPr>
       </a:lvl5pPr>
-      <a:lvl6pPr lvl="5" marR="0" rtl="0" algn="l">
+      <a:lvl6pPr marR="0" lvl="5" algn="l" rtl="0">
         <a:lnSpc>
           <a:spcPct val="100000"/>
         </a:lnSpc>
@@ -6347,7 +6517,7 @@
           <a:srgbClr val="000000"/>
         </a:buClr>
         <a:buFont typeface="Arial"/>
-        <a:defRPr b="0" i="0" sz="1400" u="none" cap="none" strike="noStrike">
+        <a:defRPr sz="1400" b="0" i="0" u="none" strike="noStrike" cap="none">
           <a:solidFill>
             <a:srgbClr val="000000"/>
           </a:solidFill>
@@ -6357,7 +6527,7 @@
           <a:sym typeface="Arial"/>
         </a:defRPr>
       </a:lvl6pPr>
-      <a:lvl7pPr lvl="6" marR="0" rtl="0" algn="l">
+      <a:lvl7pPr marR="0" lvl="6" algn="l" rtl="0">
         <a:lnSpc>
           <a:spcPct val="100000"/>
         </a:lnSpc>
@@ -6371,7 +6541,7 @@
           <a:srgbClr val="000000"/>
         </a:buClr>
         <a:buFont typeface="Arial"/>
-        <a:defRPr b="0" i="0" sz="1400" u="none" cap="none" strike="noStrike">
+        <a:defRPr sz="1400" b="0" i="0" u="none" strike="noStrike" cap="none">
           <a:solidFill>
             <a:srgbClr val="000000"/>
           </a:solidFill>
@@ -6381,7 +6551,7 @@
           <a:sym typeface="Arial"/>
         </a:defRPr>
       </a:lvl7pPr>
-      <a:lvl8pPr lvl="7" marR="0" rtl="0" algn="l">
+      <a:lvl8pPr marR="0" lvl="7" algn="l" rtl="0">
         <a:lnSpc>
           <a:spcPct val="100000"/>
         </a:lnSpc>
@@ -6395,7 +6565,7 @@
           <a:srgbClr val="000000"/>
         </a:buClr>
         <a:buFont typeface="Arial"/>
-        <a:defRPr b="0" i="0" sz="1400" u="none" cap="none" strike="noStrike">
+        <a:defRPr sz="1400" b="0" i="0" u="none" strike="noStrike" cap="none">
           <a:solidFill>
             <a:srgbClr val="000000"/>
           </a:solidFill>
@@ -6405,7 +6575,7 @@
           <a:sym typeface="Arial"/>
         </a:defRPr>
       </a:lvl8pPr>
-      <a:lvl9pPr lvl="8" marR="0" rtl="0" algn="l">
+      <a:lvl9pPr marR="0" lvl="8" algn="l" rtl="0">
         <a:lnSpc>
           <a:spcPct val="100000"/>
         </a:lnSpc>
@@ -6419,7 +6589,7 @@
           <a:srgbClr val="000000"/>
         </a:buClr>
         <a:buFont typeface="Arial"/>
-        <a:defRPr b="0" i="0" sz="1400" u="none" cap="none" strike="noStrike">
+        <a:defRPr sz="1400" b="0" i="0" u="none" strike="noStrike" cap="none">
           <a:solidFill>
             <a:srgbClr val="000000"/>
           </a:solidFill>
@@ -6435,11 +6605,11 @@
 </file>
 
 <file path=ppt/slides/slide1.xml><?xml version="1.0" encoding="utf-8"?>
-<p:sld xmlns:a="http://schemas.openxmlformats.org/drawingml/2006/main" xmlns:r="http://schemas.openxmlformats.org/officeDocument/2006/relationships" xmlns:mc="http://schemas.openxmlformats.org/markup-compatibility/2006" xmlns:mv="urn:schemas-microsoft-com:mac:vml" xmlns:p="http://schemas.openxmlformats.org/presentationml/2006/main" xmlns:c="http://schemas.openxmlformats.org/drawingml/2006/chart" xmlns:dgm="http://schemas.openxmlformats.org/drawingml/2006/diagram" xmlns:o="urn:schemas-microsoft-com:office:office" xmlns:v="urn:schemas-microsoft-com:vml" xmlns:pvml="urn:schemas-microsoft-com:office:powerpoint" xmlns:com="http://schemas.openxmlformats.org/drawingml/2006/compatibility" xmlns:p14="http://schemas.microsoft.com/office/powerpoint/2010/main" xmlns:p15="http://schemas.microsoft.com/office/powerpoint/2012/main" xmlns:ahyp="http://schemas.microsoft.com/office/drawing/2018/hyperlinkcolor">
+<p:sld xmlns:a="http://schemas.openxmlformats.org/drawingml/2006/main" xmlns:r="http://schemas.openxmlformats.org/officeDocument/2006/relationships" xmlns:p="http://schemas.openxmlformats.org/presentationml/2006/main">
   <p:cSld>
     <p:spTree>
       <p:nvGrpSpPr>
-        <p:cNvPr id="53" name="Shape 53"/>
+        <p:cNvPr id="1" name="Shape 53"/>
         <p:cNvGrpSpPr/>
         <p:nvPr/>
       </p:nvGrpSpPr>
@@ -6454,7 +6624,9 @@
       <p:sp>
         <p:nvSpPr>
           <p:cNvPr id="54" name="Google Shape;54;p13"/>
-          <p:cNvSpPr txBox="1"/>
+          <p:cNvSpPr txBox="1">
+            <a:spLocks noGrp="1"/>
+          </p:cNvSpPr>
           <p:nvPr>
             <p:ph type="ctrTitle"/>
           </p:nvPr>
@@ -6469,12 +6641,12 @@
           </a:prstGeom>
         </p:spPr>
         <p:txBody>
-          <a:bodyPr anchorCtr="0" anchor="b" bIns="91425" lIns="91425" spcFirstLastPara="1" rIns="91425" wrap="square" tIns="91425">
+          <a:bodyPr spcFirstLastPara="1" wrap="square" lIns="91425" tIns="91425" rIns="91425" bIns="91425" anchor="b" anchorCtr="0">
             <a:normAutofit/>
           </a:bodyPr>
           <a:lstStyle/>
           <a:p>
-            <a:pPr indent="0" lvl="0" marL="0" rtl="0" algn="ctr">
+            <a:pPr marL="0" lvl="0" indent="0" algn="ctr" rtl="0">
               <a:spcBef>
                 <a:spcPts val="0"/>
               </a:spcBef>
@@ -6485,13 +6657,13 @@
               <a:buNone/>
             </a:pPr>
             <a:r>
-              <a:rPr b="1" lang="es" sz="3580"/>
+              <a:rPr lang="es" sz="3580" b="1"/>
               <a:t>  ISO 27001</a:t>
             </a:r>
-            <a:endParaRPr b="1" sz="3580"/>
-          </a:p>
-          <a:p>
-            <a:pPr indent="0" lvl="0" marL="0" rtl="0" algn="ctr">
+            <a:endParaRPr sz="3580" b="1"/>
+          </a:p>
+          <a:p>
+            <a:pPr marL="0" lvl="0" indent="0" algn="ctr" rtl="0">
               <a:spcBef>
                 <a:spcPts val="0"/>
               </a:spcBef>
@@ -6502,13 +6674,13 @@
               <a:buNone/>
             </a:pPr>
             <a:r>
-              <a:rPr b="1" lang="es" sz="3580"/>
+              <a:rPr lang="es" sz="3580" b="1"/>
               <a:t>Gestión Integral de Seguridad</a:t>
             </a:r>
-            <a:endParaRPr b="1" sz="3580"/>
-          </a:p>
-          <a:p>
-            <a:pPr indent="0" lvl="0" marL="0" rtl="0" algn="ctr">
+            <a:endParaRPr sz="3580" b="1"/>
+          </a:p>
+          <a:p>
+            <a:pPr marL="0" lvl="0" indent="0" algn="ctr" rtl="0">
               <a:spcBef>
                 <a:spcPts val="0"/>
               </a:spcBef>
@@ -6519,19 +6691,21 @@
               <a:buNone/>
             </a:pPr>
             <a:r>
-              <a:rPr b="1" lang="es" sz="3580"/>
+              <a:rPr lang="es" sz="3580" b="1"/>
               <a:t>SGSI</a:t>
             </a:r>
-            <a:endParaRPr b="1" sz="3580"/>
+            <a:endParaRPr sz="3580" b="1"/>
           </a:p>
         </p:txBody>
       </p:sp>
       <p:sp>
         <p:nvSpPr>
           <p:cNvPr id="55" name="Google Shape;55;p13"/>
-          <p:cNvSpPr txBox="1"/>
+          <p:cNvSpPr txBox="1">
+            <a:spLocks noGrp="1"/>
+          </p:cNvSpPr>
           <p:nvPr>
-            <p:ph idx="1" type="subTitle"/>
+            <p:ph type="subTitle" idx="1"/>
           </p:nvPr>
         </p:nvSpPr>
         <p:spPr>
@@ -6544,12 +6718,12 @@
           </a:prstGeom>
         </p:spPr>
         <p:txBody>
-          <a:bodyPr anchorCtr="0" anchor="t" bIns="91425" lIns="91425" spcFirstLastPara="1" rIns="91425" wrap="square" tIns="91425">
+          <a:bodyPr spcFirstLastPara="1" wrap="square" lIns="91425" tIns="91425" rIns="91425" bIns="91425" anchor="t" anchorCtr="0">
             <a:normAutofit fontScale="25000" lnSpcReduction="20000"/>
           </a:bodyPr>
           <a:lstStyle/>
           <a:p>
-            <a:pPr indent="0" lvl="0" marL="0" rtl="0" algn="ctr">
+            <a:pPr marL="0" lvl="0" indent="0" algn="ctr" rtl="0">
               <a:spcBef>
                 <a:spcPts val="0"/>
               </a:spcBef>
@@ -6575,11 +6749,11 @@
 </file>
 
 <file path=ppt/slides/slide10.xml><?xml version="1.0" encoding="utf-8"?>
-<p:sld xmlns:a="http://schemas.openxmlformats.org/drawingml/2006/main" xmlns:r="http://schemas.openxmlformats.org/officeDocument/2006/relationships" xmlns:mc="http://schemas.openxmlformats.org/markup-compatibility/2006" xmlns:mv="urn:schemas-microsoft-com:mac:vml" xmlns:p="http://schemas.openxmlformats.org/presentationml/2006/main" xmlns:c="http://schemas.openxmlformats.org/drawingml/2006/chart" xmlns:dgm="http://schemas.openxmlformats.org/drawingml/2006/diagram" xmlns:o="urn:schemas-microsoft-com:office:office" xmlns:v="urn:schemas-microsoft-com:vml" xmlns:pvml="urn:schemas-microsoft-com:office:powerpoint" xmlns:com="http://schemas.openxmlformats.org/drawingml/2006/compatibility" xmlns:p14="http://schemas.microsoft.com/office/powerpoint/2010/main" xmlns:p15="http://schemas.microsoft.com/office/powerpoint/2012/main" xmlns:ahyp="http://schemas.microsoft.com/office/drawing/2018/hyperlinkcolor">
+<p:sld xmlns:a="http://schemas.openxmlformats.org/drawingml/2006/main" xmlns:r="http://schemas.openxmlformats.org/officeDocument/2006/relationships" xmlns:p="http://schemas.openxmlformats.org/presentationml/2006/main">
   <p:cSld>
     <p:spTree>
       <p:nvGrpSpPr>
-        <p:cNvPr id="109" name="Shape 109"/>
+        <p:cNvPr id="1" name="Shape 109"/>
         <p:cNvGrpSpPr/>
         <p:nvPr/>
       </p:nvGrpSpPr>
@@ -6594,7 +6768,9 @@
       <p:sp>
         <p:nvSpPr>
           <p:cNvPr id="110" name="Google Shape;110;p22"/>
-          <p:cNvSpPr txBox="1"/>
+          <p:cNvSpPr txBox="1">
+            <a:spLocks noGrp="1"/>
+          </p:cNvSpPr>
           <p:nvPr>
             <p:ph type="title"/>
           </p:nvPr>
@@ -6609,12 +6785,12 @@
           </a:prstGeom>
         </p:spPr>
         <p:txBody>
-          <a:bodyPr anchorCtr="0" anchor="t" bIns="91425" lIns="91425" spcFirstLastPara="1" rIns="91425" wrap="square" tIns="91425">
+          <a:bodyPr spcFirstLastPara="1" wrap="square" lIns="91425" tIns="91425" rIns="91425" bIns="91425" anchor="t" anchorCtr="0">
             <a:normAutofit fontScale="90000"/>
           </a:bodyPr>
           <a:lstStyle/>
           <a:p>
-            <a:pPr indent="0" lvl="0" marL="0" rtl="0" algn="l">
+            <a:pPr marL="0" lvl="0" indent="0" algn="l" rtl="0">
               <a:spcBef>
                 <a:spcPts val="0"/>
               </a:spcBef>
@@ -6630,7 +6806,7 @@
             <a:endParaRPr/>
           </a:p>
           <a:p>
-            <a:pPr indent="0" lvl="0" marL="0" rtl="0" algn="l">
+            <a:pPr marL="0" lvl="0" indent="0" algn="l" rtl="0">
               <a:spcBef>
                 <a:spcPts val="0"/>
               </a:spcBef>
@@ -6639,9 +6815,6 @@
               </a:spcAft>
               <a:buNone/>
             </a:pPr>
-            <a:r>
-              <a:t/>
-            </a:r>
             <a:endParaRPr/>
           </a:p>
         </p:txBody>
@@ -6649,9 +6822,11 @@
       <p:sp>
         <p:nvSpPr>
           <p:cNvPr id="111" name="Google Shape;111;p22"/>
-          <p:cNvSpPr txBox="1"/>
+          <p:cNvSpPr txBox="1">
+            <a:spLocks noGrp="1"/>
+          </p:cNvSpPr>
           <p:nvPr>
-            <p:ph idx="1" type="body"/>
+            <p:ph type="body" idx="1"/>
           </p:nvPr>
         </p:nvSpPr>
         <p:spPr>
@@ -6664,12 +6839,12 @@
           </a:prstGeom>
         </p:spPr>
         <p:txBody>
-          <a:bodyPr anchorCtr="0" anchor="t" bIns="91425" lIns="91425" spcFirstLastPara="1" rIns="91425" wrap="square" tIns="91425">
+          <a:bodyPr spcFirstLastPara="1" wrap="square" lIns="91425" tIns="91425" rIns="91425" bIns="91425" anchor="t" anchorCtr="0">
             <a:normAutofit/>
           </a:bodyPr>
           <a:lstStyle/>
           <a:p>
-            <a:pPr indent="0" lvl="0" marL="0" rtl="0" algn="l">
+            <a:pPr marL="0" lvl="0" indent="0" algn="l" rtl="0">
               <a:lnSpc>
                 <a:spcPct val="161052"/>
               </a:lnSpc>
@@ -6682,7 +6857,7 @@
               <a:buNone/>
             </a:pPr>
             <a:r>
-              <a:rPr b="1" lang="es" sz="1900">
+              <a:rPr lang="es" sz="1900" b="1">
                 <a:solidFill>
                   <a:schemeClr val="dk1"/>
                 </a:solidFill>
@@ -6725,7 +6900,7 @@
             </a:endParaRPr>
           </a:p>
           <a:p>
-            <a:pPr indent="0" lvl="0" marL="0" rtl="0" algn="l">
+            <a:pPr marL="0" lvl="0" indent="0" algn="l" rtl="0">
               <a:lnSpc>
                 <a:spcPct val="161052"/>
               </a:lnSpc>
@@ -6738,7 +6913,7 @@
               <a:buNone/>
             </a:pPr>
             <a:r>
-              <a:rPr b="1" lang="es" sz="1900">
+              <a:rPr lang="es" sz="1900" b="1">
                 <a:solidFill>
                   <a:schemeClr val="dk1"/>
                 </a:solidFill>
@@ -6753,7 +6928,7 @@
               <a:t>Gestión de la Estrategia de seguridad de la información</a:t>
             </a:r>
             <a:r>
-              <a:rPr b="1" i="1" lang="es" sz="1150">
+              <a:rPr lang="es" sz="1150" b="1" i="1">
                 <a:solidFill>
                   <a:schemeClr val="dk1"/>
                 </a:solidFill>
@@ -6796,7 +6971,7 @@
             </a:endParaRPr>
           </a:p>
           <a:p>
-            <a:pPr indent="0" lvl="0" marL="0" rtl="0" algn="just">
+            <a:pPr marL="0" lvl="0" indent="0" algn="just" rtl="0">
               <a:spcBef>
                 <a:spcPts val="800"/>
               </a:spcBef>
@@ -6834,7 +7009,7 @@
             </a:endParaRPr>
           </a:p>
           <a:p>
-            <a:pPr indent="0" lvl="0" marL="0" rtl="0" algn="l">
+            <a:pPr marL="0" lvl="0" indent="0" algn="l" rtl="0">
               <a:lnSpc>
                 <a:spcPct val="161052"/>
               </a:lnSpc>
@@ -6851,9 +7026,6 @@
               <a:buFont typeface="Arial"/>
               <a:buNone/>
             </a:pPr>
-            <a:r>
-              <a:t/>
-            </a:r>
             <a:endParaRPr sz="1150">
               <a:solidFill>
                 <a:srgbClr val="79767F"/>
@@ -6878,11 +7050,11 @@
 </file>
 
 <file path=ppt/slides/slide11.xml><?xml version="1.0" encoding="utf-8"?>
-<p:sld xmlns:a="http://schemas.openxmlformats.org/drawingml/2006/main" xmlns:r="http://schemas.openxmlformats.org/officeDocument/2006/relationships" xmlns:mc="http://schemas.openxmlformats.org/markup-compatibility/2006" xmlns:mv="urn:schemas-microsoft-com:mac:vml" xmlns:p="http://schemas.openxmlformats.org/presentationml/2006/main" xmlns:c="http://schemas.openxmlformats.org/drawingml/2006/chart" xmlns:dgm="http://schemas.openxmlformats.org/drawingml/2006/diagram" xmlns:o="urn:schemas-microsoft-com:office:office" xmlns:v="urn:schemas-microsoft-com:vml" xmlns:pvml="urn:schemas-microsoft-com:office:powerpoint" xmlns:com="http://schemas.openxmlformats.org/drawingml/2006/compatibility" xmlns:p14="http://schemas.microsoft.com/office/powerpoint/2010/main" xmlns:p15="http://schemas.microsoft.com/office/powerpoint/2012/main" xmlns:ahyp="http://schemas.microsoft.com/office/drawing/2018/hyperlinkcolor">
+<p:sld xmlns:a="http://schemas.openxmlformats.org/drawingml/2006/main" xmlns:r="http://schemas.openxmlformats.org/officeDocument/2006/relationships" xmlns:p="http://schemas.openxmlformats.org/presentationml/2006/main">
   <p:cSld>
     <p:spTree>
       <p:nvGrpSpPr>
-        <p:cNvPr id="115" name="Shape 115"/>
+        <p:cNvPr id="1" name="Shape 115"/>
         <p:cNvGrpSpPr/>
         <p:nvPr/>
       </p:nvGrpSpPr>
@@ -6897,7 +7069,9 @@
       <p:sp>
         <p:nvSpPr>
           <p:cNvPr id="116" name="Google Shape;116;p23"/>
-          <p:cNvSpPr txBox="1"/>
+          <p:cNvSpPr txBox="1">
+            <a:spLocks noGrp="1"/>
+          </p:cNvSpPr>
           <p:nvPr>
             <p:ph type="title"/>
           </p:nvPr>
@@ -6912,12 +7086,12 @@
           </a:prstGeom>
         </p:spPr>
         <p:txBody>
-          <a:bodyPr anchorCtr="0" anchor="t" bIns="91425" lIns="91425" spcFirstLastPara="1" rIns="91425" wrap="square" tIns="91425">
+          <a:bodyPr spcFirstLastPara="1" wrap="square" lIns="91425" tIns="91425" rIns="91425" bIns="91425" anchor="t" anchorCtr="0">
             <a:normAutofit fontScale="90000"/>
           </a:bodyPr>
           <a:lstStyle/>
           <a:p>
-            <a:pPr indent="0" lvl="0" marL="0" rtl="0" algn="l">
+            <a:pPr marL="0" lvl="0" indent="0" algn="l" rtl="0">
               <a:spcBef>
                 <a:spcPts val="0"/>
               </a:spcBef>
@@ -6933,7 +7107,7 @@
             <a:endParaRPr/>
           </a:p>
           <a:p>
-            <a:pPr indent="0" lvl="0" marL="0" rtl="0" algn="l">
+            <a:pPr marL="0" lvl="0" indent="0" algn="l" rtl="0">
               <a:spcBef>
                 <a:spcPts val="0"/>
               </a:spcBef>
@@ -6942,9 +7116,6 @@
               </a:spcAft>
               <a:buNone/>
             </a:pPr>
-            <a:r>
-              <a:t/>
-            </a:r>
             <a:endParaRPr/>
           </a:p>
         </p:txBody>
@@ -6952,9 +7123,11 @@
       <p:sp>
         <p:nvSpPr>
           <p:cNvPr id="117" name="Google Shape;117;p23"/>
-          <p:cNvSpPr txBox="1"/>
+          <p:cNvSpPr txBox="1">
+            <a:spLocks noGrp="1"/>
+          </p:cNvSpPr>
           <p:nvPr>
-            <p:ph idx="1" type="body"/>
+            <p:ph type="body" idx="1"/>
           </p:nvPr>
         </p:nvSpPr>
         <p:spPr>
@@ -6967,12 +7140,12 @@
           </a:prstGeom>
         </p:spPr>
         <p:txBody>
-          <a:bodyPr anchorCtr="0" anchor="t" bIns="91425" lIns="91425" spcFirstLastPara="1" rIns="91425" wrap="square" tIns="91425">
+          <a:bodyPr spcFirstLastPara="1" wrap="square" lIns="91425" tIns="91425" rIns="91425" bIns="91425" anchor="t" anchorCtr="0">
             <a:normAutofit/>
           </a:bodyPr>
           <a:lstStyle/>
           <a:p>
-            <a:pPr indent="0" lvl="0" marL="0" rtl="0" algn="l">
+            <a:pPr marL="0" lvl="0" indent="0" algn="l" rtl="0">
               <a:spcBef>
                 <a:spcPts val="0"/>
               </a:spcBef>
@@ -7026,11 +7199,11 @@
 </file>
 
 <file path=ppt/slides/slide2.xml><?xml version="1.0" encoding="utf-8"?>
-<p:sld xmlns:a="http://schemas.openxmlformats.org/drawingml/2006/main" xmlns:r="http://schemas.openxmlformats.org/officeDocument/2006/relationships" xmlns:mc="http://schemas.openxmlformats.org/markup-compatibility/2006" xmlns:mv="urn:schemas-microsoft-com:mac:vml" xmlns:p="http://schemas.openxmlformats.org/presentationml/2006/main" xmlns:c="http://schemas.openxmlformats.org/drawingml/2006/chart" xmlns:dgm="http://schemas.openxmlformats.org/drawingml/2006/diagram" xmlns:o="urn:schemas-microsoft-com:office:office" xmlns:v="urn:schemas-microsoft-com:vml" xmlns:pvml="urn:schemas-microsoft-com:office:powerpoint" xmlns:com="http://schemas.openxmlformats.org/drawingml/2006/compatibility" xmlns:p14="http://schemas.microsoft.com/office/powerpoint/2010/main" xmlns:p15="http://schemas.microsoft.com/office/powerpoint/2012/main" xmlns:ahyp="http://schemas.microsoft.com/office/drawing/2018/hyperlinkcolor">
+<p:sld xmlns:a="http://schemas.openxmlformats.org/drawingml/2006/main" xmlns:r="http://schemas.openxmlformats.org/officeDocument/2006/relationships" xmlns:p="http://schemas.openxmlformats.org/presentationml/2006/main">
   <p:cSld>
     <p:spTree>
       <p:nvGrpSpPr>
-        <p:cNvPr id="59" name="Shape 59"/>
+        <p:cNvPr id="1" name="Shape 59"/>
         <p:cNvGrpSpPr/>
         <p:nvPr/>
       </p:nvGrpSpPr>
@@ -7045,7 +7218,9 @@
       <p:sp>
         <p:nvSpPr>
           <p:cNvPr id="60" name="Google Shape;60;p14"/>
-          <p:cNvSpPr txBox="1"/>
+          <p:cNvSpPr txBox="1">
+            <a:spLocks noGrp="1"/>
+          </p:cNvSpPr>
           <p:nvPr>
             <p:ph type="title"/>
           </p:nvPr>
@@ -7060,12 +7235,12 @@
           </a:prstGeom>
         </p:spPr>
         <p:txBody>
-          <a:bodyPr anchorCtr="0" anchor="t" bIns="91425" lIns="91425" spcFirstLastPara="1" rIns="91425" wrap="square" tIns="91425">
+          <a:bodyPr spcFirstLastPara="1" wrap="square" lIns="91425" tIns="91425" rIns="91425" bIns="91425" anchor="t" anchorCtr="0">
             <a:normAutofit fontScale="90000"/>
           </a:bodyPr>
           <a:lstStyle/>
           <a:p>
-            <a:pPr indent="0" lvl="0" marL="0" rtl="0" algn="l">
+            <a:pPr marL="0" lvl="0" indent="0" algn="l" rtl="0">
               <a:spcBef>
                 <a:spcPts val="0"/>
               </a:spcBef>
@@ -7081,7 +7256,7 @@
             <a:endParaRPr/>
           </a:p>
           <a:p>
-            <a:pPr indent="0" lvl="0" marL="0" rtl="0" algn="l">
+            <a:pPr marL="0" lvl="0" indent="0" algn="l" rtl="0">
               <a:spcBef>
                 <a:spcPts val="0"/>
               </a:spcBef>
@@ -7090,9 +7265,6 @@
               </a:spcAft>
               <a:buNone/>
             </a:pPr>
-            <a:r>
-              <a:t/>
-            </a:r>
             <a:endParaRPr/>
           </a:p>
         </p:txBody>
@@ -7100,9 +7272,11 @@
       <p:sp>
         <p:nvSpPr>
           <p:cNvPr id="61" name="Google Shape;61;p14"/>
-          <p:cNvSpPr txBox="1"/>
+          <p:cNvSpPr txBox="1">
+            <a:spLocks noGrp="1"/>
+          </p:cNvSpPr>
           <p:nvPr>
-            <p:ph idx="1" type="body"/>
+            <p:ph type="body" idx="1"/>
           </p:nvPr>
         </p:nvSpPr>
         <p:spPr>
@@ -7115,12 +7289,12 @@
           </a:prstGeom>
         </p:spPr>
         <p:txBody>
-          <a:bodyPr anchorCtr="0" anchor="t" bIns="91425" lIns="91425" spcFirstLastPara="1" rIns="91425" wrap="square" tIns="91425">
+          <a:bodyPr spcFirstLastPara="1" wrap="square" lIns="91425" tIns="91425" rIns="91425" bIns="91425" anchor="t" anchorCtr="0">
             <a:normAutofit/>
           </a:bodyPr>
           <a:lstStyle/>
           <a:p>
-            <a:pPr indent="0" lvl="0" marL="0" rtl="0" algn="l">
+            <a:pPr marL="0" lvl="0" indent="0" algn="l" rtl="0">
               <a:spcBef>
                 <a:spcPts val="0"/>
               </a:spcBef>
@@ -7136,7 +7310,7 @@
             <a:endParaRPr/>
           </a:p>
           <a:p>
-            <a:pPr indent="0" lvl="0" marL="0" rtl="0" algn="l">
+            <a:pPr marL="0" lvl="0" indent="0" algn="l" rtl="0">
               <a:spcBef>
                 <a:spcPts val="1200"/>
               </a:spcBef>
@@ -7145,9 +7319,6 @@
               </a:spcAft>
               <a:buNone/>
             </a:pPr>
-            <a:r>
-              <a:t/>
-            </a:r>
             <a:endParaRPr/>
           </a:p>
         </p:txBody>
@@ -7189,11 +7360,11 @@
 </file>
 
 <file path=ppt/slides/slide3.xml><?xml version="1.0" encoding="utf-8"?>
-<p:sld xmlns:a="http://schemas.openxmlformats.org/drawingml/2006/main" xmlns:r="http://schemas.openxmlformats.org/officeDocument/2006/relationships" xmlns:mc="http://schemas.openxmlformats.org/markup-compatibility/2006" xmlns:mv="urn:schemas-microsoft-com:mac:vml" xmlns:p="http://schemas.openxmlformats.org/presentationml/2006/main" xmlns:c="http://schemas.openxmlformats.org/drawingml/2006/chart" xmlns:dgm="http://schemas.openxmlformats.org/drawingml/2006/diagram" xmlns:o="urn:schemas-microsoft-com:office:office" xmlns:v="urn:schemas-microsoft-com:vml" xmlns:pvml="urn:schemas-microsoft-com:office:powerpoint" xmlns:com="http://schemas.openxmlformats.org/drawingml/2006/compatibility" xmlns:p14="http://schemas.microsoft.com/office/powerpoint/2010/main" xmlns:p15="http://schemas.microsoft.com/office/powerpoint/2012/main" xmlns:ahyp="http://schemas.microsoft.com/office/drawing/2018/hyperlinkcolor">
+<p:sld xmlns:a="http://schemas.openxmlformats.org/drawingml/2006/main" xmlns:r="http://schemas.openxmlformats.org/officeDocument/2006/relationships" xmlns:p="http://schemas.openxmlformats.org/presentationml/2006/main">
   <p:cSld>
     <p:spTree>
       <p:nvGrpSpPr>
-        <p:cNvPr id="66" name="Shape 66"/>
+        <p:cNvPr id="1" name="Shape 66"/>
         <p:cNvGrpSpPr/>
         <p:nvPr/>
       </p:nvGrpSpPr>
@@ -7208,7 +7379,9 @@
       <p:sp>
         <p:nvSpPr>
           <p:cNvPr id="67" name="Google Shape;67;p15"/>
-          <p:cNvSpPr txBox="1"/>
+          <p:cNvSpPr txBox="1">
+            <a:spLocks noGrp="1"/>
+          </p:cNvSpPr>
           <p:nvPr>
             <p:ph type="title"/>
           </p:nvPr>
@@ -7223,12 +7396,12 @@
           </a:prstGeom>
         </p:spPr>
         <p:txBody>
-          <a:bodyPr anchorCtr="0" anchor="t" bIns="91425" lIns="91425" spcFirstLastPara="1" rIns="91425" wrap="square" tIns="91425">
+          <a:bodyPr spcFirstLastPara="1" wrap="square" lIns="91425" tIns="91425" rIns="91425" bIns="91425" anchor="t" anchorCtr="0">
             <a:normAutofit fontScale="90000"/>
           </a:bodyPr>
           <a:lstStyle/>
           <a:p>
-            <a:pPr indent="0" lvl="0" marL="0" rtl="0" algn="l">
+            <a:pPr marL="0" lvl="0" indent="0" algn="l" rtl="0">
               <a:spcBef>
                 <a:spcPts val="0"/>
               </a:spcBef>
@@ -7244,7 +7417,7 @@
             <a:endParaRPr/>
           </a:p>
           <a:p>
-            <a:pPr indent="0" lvl="0" marL="0" rtl="0" algn="l">
+            <a:pPr marL="0" lvl="0" indent="0" algn="l" rtl="0">
               <a:spcBef>
                 <a:spcPts val="0"/>
               </a:spcBef>
@@ -7253,9 +7426,6 @@
               </a:spcAft>
               <a:buNone/>
             </a:pPr>
-            <a:r>
-              <a:t/>
-            </a:r>
             <a:endParaRPr/>
           </a:p>
         </p:txBody>
@@ -7263,9 +7433,11 @@
       <p:sp>
         <p:nvSpPr>
           <p:cNvPr id="68" name="Google Shape;68;p15"/>
-          <p:cNvSpPr txBox="1"/>
+          <p:cNvSpPr txBox="1">
+            <a:spLocks noGrp="1"/>
+          </p:cNvSpPr>
           <p:nvPr>
-            <p:ph idx="1" type="body"/>
+            <p:ph type="body" idx="1"/>
           </p:nvPr>
         </p:nvSpPr>
         <p:spPr>
@@ -7278,12 +7450,12 @@
           </a:prstGeom>
         </p:spPr>
         <p:txBody>
-          <a:bodyPr anchorCtr="0" anchor="t" bIns="91425" lIns="91425" spcFirstLastPara="1" rIns="91425" wrap="square" tIns="91425">
-            <a:normAutofit/>
+          <a:bodyPr spcFirstLastPara="1" wrap="square" lIns="91425" tIns="91425" rIns="91425" bIns="91425" anchor="t" anchorCtr="0">
+            <a:normAutofit fontScale="92500"/>
           </a:bodyPr>
           <a:lstStyle/>
           <a:p>
-            <a:pPr indent="0" lvl="0" marL="0" rtl="0" algn="just">
+            <a:pPr marL="0" lvl="0" indent="0" algn="just" rtl="0">
               <a:spcBef>
                 <a:spcPts val="0"/>
               </a:spcBef>
@@ -7298,7 +7470,7 @@
               <a:buNone/>
             </a:pPr>
             <a:r>
-              <a:rPr lang="es" sz="1550">
+              <a:rPr lang="es" sz="1550" dirty="0">
                 <a:solidFill>
                   <a:schemeClr val="dk1"/>
                 </a:solidFill>
@@ -7312,7 +7484,7 @@
               </a:rPr>
               <a:t>Se presenta un conjunto de gestiones que deberían definir e implementar las empresas para ir avanzando en el nivel de madurez de su modelo de seguridad de la información, teniendo como base:</a:t>
             </a:r>
-            <a:endParaRPr sz="1550">
+            <a:endParaRPr sz="1550" dirty="0">
               <a:solidFill>
                 <a:schemeClr val="dk1"/>
               </a:solidFill>
@@ -7326,7 +7498,7 @@
             </a:endParaRPr>
           </a:p>
           <a:p>
-            <a:pPr indent="-327025" lvl="0" marL="647700" rtl="0" algn="l">
+            <a:pPr marL="647700" lvl="0" indent="-327025" algn="l" rtl="0">
               <a:lnSpc>
                 <a:spcPct val="130434"/>
               </a:lnSpc>
@@ -7344,7 +7516,7 @@
               <a:buChar char="●"/>
             </a:pPr>
             <a:r>
-              <a:rPr lang="es" sz="1550">
+              <a:rPr lang="es" sz="1550" dirty="0">
                 <a:solidFill>
                   <a:schemeClr val="dk1"/>
                 </a:solidFill>
@@ -7358,7 +7530,7 @@
               </a:rPr>
               <a:t>Los activos de información.</a:t>
             </a:r>
-            <a:endParaRPr sz="1550">
+            <a:endParaRPr sz="1550" dirty="0">
               <a:solidFill>
                 <a:schemeClr val="dk1"/>
               </a:solidFill>
@@ -7372,7 +7544,7 @@
             </a:endParaRPr>
           </a:p>
           <a:p>
-            <a:pPr indent="-327025" lvl="0" marL="647700" rtl="0" algn="l">
+            <a:pPr marL="647700" lvl="0" indent="-327025" algn="l" rtl="0">
               <a:lnSpc>
                 <a:spcPct val="130434"/>
               </a:lnSpc>
@@ -7390,7 +7562,7 @@
               <a:buChar char="●"/>
             </a:pPr>
             <a:r>
-              <a:rPr lang="es" sz="1550">
+              <a:rPr lang="es" sz="1550" dirty="0">
                 <a:solidFill>
                   <a:schemeClr val="dk1"/>
                 </a:solidFill>
@@ -7404,7 +7576,7 @@
               </a:rPr>
               <a:t>Los riesgos de seguridad de la información.</a:t>
             </a:r>
-            <a:endParaRPr sz="1550">
+            <a:endParaRPr sz="1550" dirty="0">
               <a:solidFill>
                 <a:schemeClr val="dk1"/>
               </a:solidFill>
@@ -7418,7 +7590,7 @@
             </a:endParaRPr>
           </a:p>
           <a:p>
-            <a:pPr indent="-327025" lvl="0" marL="647700" rtl="0" algn="l">
+            <a:pPr marL="647700" lvl="0" indent="-327025" algn="l" rtl="0">
               <a:lnSpc>
                 <a:spcPct val="130434"/>
               </a:lnSpc>
@@ -7436,7 +7608,7 @@
               <a:buChar char="●"/>
             </a:pPr>
             <a:r>
-              <a:rPr lang="es" sz="1550">
+              <a:rPr lang="es" sz="1550" dirty="0">
                 <a:solidFill>
                   <a:schemeClr val="dk1"/>
                 </a:solidFill>
@@ -7450,7 +7622,7 @@
               </a:rPr>
               <a:t>Los incidentes de seguridad de la información.</a:t>
             </a:r>
-            <a:endParaRPr sz="1550">
+            <a:endParaRPr sz="1550" dirty="0">
               <a:solidFill>
                 <a:schemeClr val="dk1"/>
               </a:solidFill>
@@ -7464,7 +7636,7 @@
             </a:endParaRPr>
           </a:p>
           <a:p>
-            <a:pPr indent="-327025" lvl="0" marL="647700" rtl="0" algn="l">
+            <a:pPr marL="647700" lvl="0" indent="-327025" algn="l" rtl="0">
               <a:lnSpc>
                 <a:spcPct val="130434"/>
               </a:lnSpc>
@@ -7482,7 +7654,7 @@
               <a:buChar char="●"/>
             </a:pPr>
             <a:r>
-              <a:rPr lang="es" sz="1550">
+              <a:rPr lang="es" sz="1550" dirty="0">
                 <a:solidFill>
                   <a:schemeClr val="dk1"/>
                 </a:solidFill>
@@ -7496,7 +7668,7 @@
               </a:rPr>
               <a:t>El cumplimiento.</a:t>
             </a:r>
-            <a:endParaRPr sz="1550">
+            <a:endParaRPr sz="1550" dirty="0">
               <a:solidFill>
                 <a:schemeClr val="dk1"/>
               </a:solidFill>
@@ -7510,7 +7682,7 @@
             </a:endParaRPr>
           </a:p>
           <a:p>
-            <a:pPr indent="-327025" lvl="0" marL="647700" rtl="0" algn="l">
+            <a:pPr marL="647700" lvl="0" indent="-327025" algn="l" rtl="0">
               <a:lnSpc>
                 <a:spcPct val="130434"/>
               </a:lnSpc>
@@ -7528,7 +7700,7 @@
               <a:buChar char="●"/>
             </a:pPr>
             <a:r>
-              <a:rPr lang="es" sz="1550">
+              <a:rPr lang="es" sz="1550" dirty="0">
                 <a:solidFill>
                   <a:schemeClr val="dk1"/>
                 </a:solidFill>
@@ -7542,7 +7714,7 @@
               </a:rPr>
               <a:t>La continuidad del Negocio.</a:t>
             </a:r>
-            <a:endParaRPr sz="1550">
+            <a:endParaRPr sz="1550" dirty="0">
               <a:solidFill>
                 <a:schemeClr val="dk1"/>
               </a:solidFill>
@@ -7556,7 +7728,7 @@
             </a:endParaRPr>
           </a:p>
           <a:p>
-            <a:pPr indent="-327025" lvl="0" marL="647700" rtl="0" algn="l">
+            <a:pPr marL="647700" lvl="0" indent="-327025" algn="l" rtl="0">
               <a:lnSpc>
                 <a:spcPct val="130434"/>
               </a:lnSpc>
@@ -7574,7 +7746,7 @@
               <a:buChar char="●"/>
             </a:pPr>
             <a:r>
-              <a:rPr lang="es" sz="1550">
+              <a:rPr lang="es" sz="1550" dirty="0">
                 <a:solidFill>
                   <a:schemeClr val="dk1"/>
                 </a:solidFill>
@@ -7588,7 +7760,7 @@
               </a:rPr>
               <a:t>El cambio y cultura para la seguridad de la información.</a:t>
             </a:r>
-            <a:endParaRPr sz="1550">
+            <a:endParaRPr sz="1550" dirty="0">
               <a:solidFill>
                 <a:schemeClr val="dk1"/>
               </a:solidFill>
@@ -7602,7 +7774,7 @@
             </a:endParaRPr>
           </a:p>
           <a:p>
-            <a:pPr indent="-327025" lvl="0" marL="647700" rtl="0" algn="l">
+            <a:pPr marL="647700" lvl="0" indent="-327025" algn="l" rtl="0">
               <a:lnSpc>
                 <a:spcPct val="130434"/>
               </a:lnSpc>
@@ -7620,7 +7792,7 @@
               <a:buChar char="●"/>
             </a:pPr>
             <a:r>
-              <a:rPr lang="es" sz="1550">
+              <a:rPr lang="es" sz="1550" dirty="0">
                 <a:solidFill>
                   <a:schemeClr val="dk1"/>
                 </a:solidFill>
@@ -7634,7 +7806,7 @@
               </a:rPr>
               <a:t>La Estrategia de seguridad de la información.</a:t>
             </a:r>
-            <a:endParaRPr sz="1550">
+            <a:endParaRPr sz="1550" dirty="0">
               <a:solidFill>
                 <a:schemeClr val="dk1"/>
               </a:solidFill>
@@ -7648,7 +7820,7 @@
             </a:endParaRPr>
           </a:p>
           <a:p>
-            <a:pPr indent="0" lvl="0" marL="0" rtl="0" algn="l">
+            <a:pPr marL="0" lvl="0" indent="0" algn="l" rtl="0">
               <a:spcBef>
                 <a:spcPts val="2200"/>
               </a:spcBef>
@@ -7658,7 +7830,7 @@
               <a:buNone/>
             </a:pPr>
             <a:r>
-              <a:rPr b="1" lang="es" sz="1350">
+              <a:rPr lang="es" sz="1350" b="1" dirty="0">
                 <a:solidFill>
                   <a:schemeClr val="dk1"/>
                 </a:solidFill>
@@ -7673,7 +7845,7 @@
               <a:t>La norma internacional ISO/IEC 27001</a:t>
             </a:r>
             <a:r>
-              <a:rPr lang="es" sz="1350">
+              <a:rPr lang="es" sz="1350" dirty="0">
                 <a:solidFill>
                   <a:schemeClr val="dk1"/>
                 </a:solidFill>
@@ -7685,9 +7857,9 @@
                 <a:cs typeface="Verdana"/>
                 <a:sym typeface="Verdana"/>
               </a:rPr>
-              <a:t> ha sido presentada como un modelo para el establecimiento, implementación, operación, seguimiento, revisión, mantenimiento y mejora de un sistema de gestión de seguridad de la información, lo cual a priori nos indica que se puede generar un marco formal a través del cual se gestiona la seguridad de la información en las organizaciones. </a:t>
+              <a:t> ha sido presentada como un modelo para el establecimiento, implementación, operación, seguimiento, revisión, mantenimiento y mejora (y alcance  *extra) de un sistema de gestión de seguridad de la información, lo cual a priori nos indica que se puede generar un marco formal a través del cual se gestiona la seguridad de la información en las organizaciones. (se estan aplicando medidas pro-activas. El riesgo que no se puede eliminar es el residual, dentro de este entra aquel riesgo que se acepta debido a que asegurarlo generaria costos superiores a los del activo)</a:t>
             </a:r>
-            <a:endParaRPr sz="2000">
+            <a:endParaRPr sz="2000" dirty="0">
               <a:solidFill>
                 <a:schemeClr val="dk1"/>
               </a:solidFill>
@@ -7704,11 +7876,11 @@
 </file>
 
 <file path=ppt/slides/slide4.xml><?xml version="1.0" encoding="utf-8"?>
-<p:sld xmlns:a="http://schemas.openxmlformats.org/drawingml/2006/main" xmlns:r="http://schemas.openxmlformats.org/officeDocument/2006/relationships" xmlns:mc="http://schemas.openxmlformats.org/markup-compatibility/2006" xmlns:mv="urn:schemas-microsoft-com:mac:vml" xmlns:p="http://schemas.openxmlformats.org/presentationml/2006/main" xmlns:c="http://schemas.openxmlformats.org/drawingml/2006/chart" xmlns:dgm="http://schemas.openxmlformats.org/drawingml/2006/diagram" xmlns:o="urn:schemas-microsoft-com:office:office" xmlns:v="urn:schemas-microsoft-com:vml" xmlns:pvml="urn:schemas-microsoft-com:office:powerpoint" xmlns:com="http://schemas.openxmlformats.org/drawingml/2006/compatibility" xmlns:p14="http://schemas.microsoft.com/office/powerpoint/2010/main" xmlns:p15="http://schemas.microsoft.com/office/powerpoint/2012/main" xmlns:ahyp="http://schemas.microsoft.com/office/drawing/2018/hyperlinkcolor">
+<p:sld xmlns:a="http://schemas.openxmlformats.org/drawingml/2006/main" xmlns:r="http://schemas.openxmlformats.org/officeDocument/2006/relationships" xmlns:p="http://schemas.openxmlformats.org/presentationml/2006/main">
   <p:cSld>
     <p:spTree>
       <p:nvGrpSpPr>
-        <p:cNvPr id="72" name="Shape 72"/>
+        <p:cNvPr id="1" name="Shape 72"/>
         <p:cNvGrpSpPr/>
         <p:nvPr/>
       </p:nvGrpSpPr>
@@ -7723,7 +7895,9 @@
       <p:sp>
         <p:nvSpPr>
           <p:cNvPr id="73" name="Google Shape;73;p16"/>
-          <p:cNvSpPr txBox="1"/>
+          <p:cNvSpPr txBox="1">
+            <a:spLocks noGrp="1"/>
+          </p:cNvSpPr>
           <p:nvPr>
             <p:ph type="title"/>
           </p:nvPr>
@@ -7738,12 +7912,12 @@
           </a:prstGeom>
         </p:spPr>
         <p:txBody>
-          <a:bodyPr anchorCtr="0" anchor="t" bIns="91425" lIns="91425" spcFirstLastPara="1" rIns="91425" wrap="square" tIns="91425">
+          <a:bodyPr spcFirstLastPara="1" wrap="square" lIns="91425" tIns="91425" rIns="91425" bIns="91425" anchor="t" anchorCtr="0">
             <a:normAutofit fontScale="90000"/>
           </a:bodyPr>
           <a:lstStyle/>
           <a:p>
-            <a:pPr indent="0" lvl="0" marL="0" rtl="0" algn="l">
+            <a:pPr marL="0" lvl="0" indent="0" algn="l" rtl="0">
               <a:spcBef>
                 <a:spcPts val="0"/>
               </a:spcBef>
@@ -7759,7 +7933,7 @@
             <a:endParaRPr/>
           </a:p>
           <a:p>
-            <a:pPr indent="0" lvl="0" marL="0" rtl="0" algn="l">
+            <a:pPr marL="0" lvl="0" indent="0" algn="l" rtl="0">
               <a:spcBef>
                 <a:spcPts val="0"/>
               </a:spcBef>
@@ -7768,9 +7942,6 @@
               </a:spcAft>
               <a:buNone/>
             </a:pPr>
-            <a:r>
-              <a:t/>
-            </a:r>
             <a:endParaRPr/>
           </a:p>
         </p:txBody>
@@ -7778,9 +7949,11 @@
       <p:sp>
         <p:nvSpPr>
           <p:cNvPr id="74" name="Google Shape;74;p16"/>
-          <p:cNvSpPr txBox="1"/>
+          <p:cNvSpPr txBox="1">
+            <a:spLocks noGrp="1"/>
+          </p:cNvSpPr>
           <p:nvPr>
-            <p:ph idx="1" type="body"/>
+            <p:ph type="body" idx="1"/>
           </p:nvPr>
         </p:nvSpPr>
         <p:spPr>
@@ -7793,12 +7966,12 @@
           </a:prstGeom>
         </p:spPr>
         <p:txBody>
-          <a:bodyPr anchorCtr="0" anchor="t" bIns="91425" lIns="91425" spcFirstLastPara="1" rIns="91425" wrap="square" tIns="91425">
+          <a:bodyPr spcFirstLastPara="1" wrap="square" lIns="91425" tIns="91425" rIns="91425" bIns="91425" anchor="t" anchorCtr="0">
             <a:normAutofit lnSpcReduction="10000"/>
           </a:bodyPr>
           <a:lstStyle/>
           <a:p>
-            <a:pPr indent="0" lvl="0" marL="0" rtl="0" algn="just">
+            <a:pPr marL="0" lvl="0" indent="0" algn="just" rtl="0">
               <a:spcBef>
                 <a:spcPts val="0"/>
               </a:spcBef>
@@ -7813,7 +7986,7 @@
               <a:buNone/>
             </a:pPr>
             <a:r>
-              <a:rPr lang="es" sz="1150">
+              <a:rPr lang="es" sz="1150" dirty="0">
                 <a:solidFill>
                   <a:schemeClr val="dk1"/>
                 </a:solidFill>
@@ -7828,7 +8001,7 @@
               <a:t>Los esfuerzos realizados por las organizaciones para afrontar la problemática de la seguridad de la información, con relación a los riesgos que conlleva la pérdida de su </a:t>
             </a:r>
             <a:r>
-              <a:rPr b="1" lang="es" sz="1150">
+              <a:rPr lang="es" sz="1150" b="1" dirty="0">
                 <a:solidFill>
                   <a:schemeClr val="dk1"/>
                 </a:solidFill>
@@ -7843,7 +8016,7 @@
               <a:t>confidencialidad, integridad o disponibilidad</a:t>
             </a:r>
             <a:r>
-              <a:rPr lang="es" sz="1150">
+              <a:rPr lang="es" sz="1150" dirty="0">
                 <a:solidFill>
                   <a:schemeClr val="dk1"/>
                 </a:solidFill>
@@ -7858,7 +8031,7 @@
               <a:t>, ha llevado a que las mismas aumenten cada año sus inversiones para </a:t>
             </a:r>
             <a:r>
-              <a:rPr lang="es" sz="1150" u="sng">
+              <a:rPr lang="es" sz="1150" u="sng" dirty="0">
                 <a:solidFill>
                   <a:schemeClr val="dk1"/>
                 </a:solidFill>
@@ -7873,7 +8046,7 @@
               <a:t>minimizar el nivel de su exposición al riesgo</a:t>
             </a:r>
             <a:r>
-              <a:rPr lang="es" sz="1150">
+              <a:rPr lang="es" sz="1150" dirty="0">
                 <a:solidFill>
                   <a:schemeClr val="dk1"/>
                 </a:solidFill>
@@ -7887,7 +8060,7 @@
               </a:rPr>
               <a:t>. Estas inversiones se traducen en proyectos que van desde una implementación tecnológica, que constituye un control de seguridad específico para la información, hasta proyectos tendientes a definir e implementar modelos de seguridad que permitan hacer una gestión continua de una estrategia de seguridad de la información, que debe implementarse y mejorase a través del tiempo.</a:t>
             </a:r>
-            <a:endParaRPr sz="1150">
+            <a:endParaRPr sz="1150" dirty="0">
               <a:solidFill>
                 <a:schemeClr val="dk1"/>
               </a:solidFill>
@@ -7901,7 +8074,7 @@
             </a:endParaRPr>
           </a:p>
           <a:p>
-            <a:pPr indent="0" lvl="0" marL="0" rtl="0" algn="just">
+            <a:pPr marL="0" lvl="0" indent="0" algn="just" rtl="0">
               <a:spcBef>
                 <a:spcPts val="1100"/>
               </a:spcBef>
@@ -7916,7 +8089,7 @@
               <a:buNone/>
             </a:pPr>
             <a:r>
-              <a:rPr b="1" lang="es" sz="1150">
+              <a:rPr lang="es" sz="1150" b="1" dirty="0">
                 <a:solidFill>
                   <a:schemeClr val="dk1"/>
                 </a:solidFill>
@@ -7931,7 +8104,7 @@
               <a:t>La seguridad de la información</a:t>
             </a:r>
             <a:r>
-              <a:rPr lang="es" sz="1150">
+              <a:rPr lang="es" sz="1150" dirty="0">
                 <a:solidFill>
                   <a:schemeClr val="dk1"/>
                 </a:solidFill>
@@ -7943,10 +8116,10 @@
                 <a:cs typeface="Verdana"/>
                 <a:sym typeface="Verdana"/>
               </a:rPr>
-              <a:t> es definida por la norma ISO/IEC 27001 como: “La Preservación de la confidencialidad, la integridad y la disponibilidad de la información; además puede involucrar otras propiedades tales como:</a:t>
+              <a:t> es definida por la norma ISO/IEC 27001 como: “La Preservación de la confidencialidad, la integridad y la disponibilidad de la información; además puede involucrar otras propiedades (de la info) tales como:</a:t>
             </a:r>
             <a:r>
-              <a:rPr b="1" lang="es" sz="1150">
+              <a:rPr lang="es" sz="1150" b="1" dirty="0">
                 <a:solidFill>
                   <a:schemeClr val="dk1"/>
                 </a:solidFill>
@@ -7961,7 +8134,7 @@
               <a:t> autenticidad, trazabilidad, no repudio y fiabilidad”</a:t>
             </a:r>
             <a:r>
-              <a:rPr lang="es" sz="1150">
+              <a:rPr lang="es" sz="1150" dirty="0">
                 <a:solidFill>
                   <a:schemeClr val="dk1"/>
                 </a:solidFill>
@@ -7976,7 +8149,7 @@
               <a:t>, de otra forma, y en un sentido práctico, como elemento de valor al negocio, puede definirse como: </a:t>
             </a:r>
             <a:r>
-              <a:rPr lang="es" sz="1150" u="sng">
+              <a:rPr lang="es" sz="1150" u="sng" dirty="0">
                 <a:solidFill>
                   <a:schemeClr val="dk1"/>
                 </a:solidFill>
@@ -7991,7 +8164,7 @@
               <a:t>“La protección de la información contra una serie de amenazas para reducir el daño al negocio y maximizar las oportunidades y utilidades del mismo</a:t>
             </a:r>
             <a:r>
-              <a:rPr lang="es" sz="1150">
+              <a:rPr lang="es" sz="1150" dirty="0">
                 <a:solidFill>
                   <a:schemeClr val="dk1"/>
                 </a:solidFill>
@@ -8005,7 +8178,7 @@
               </a:rPr>
               <a:t>”. Esta última definición nos sugiere con más fuerza que la seguridad de la información es un tema estratégico y de negocio que debe ser atendido desde la alta dirección.</a:t>
             </a:r>
-            <a:endParaRPr sz="1150">
+            <a:endParaRPr sz="1150" dirty="0">
               <a:solidFill>
                 <a:schemeClr val="dk1"/>
               </a:solidFill>
@@ -8019,7 +8192,7 @@
             </a:endParaRPr>
           </a:p>
           <a:p>
-            <a:pPr indent="0" lvl="0" marL="0" rtl="0" algn="just">
+            <a:pPr marL="0" lvl="0" indent="0" algn="just" rtl="0">
               <a:spcBef>
                 <a:spcPts val="1100"/>
               </a:spcBef>
@@ -8034,7 +8207,7 @@
               <a:buNone/>
             </a:pPr>
             <a:r>
-              <a:rPr lang="es" sz="1150">
+              <a:rPr lang="es" sz="1150" dirty="0">
                 <a:solidFill>
                   <a:schemeClr val="dk1"/>
                 </a:solidFill>
@@ -8049,7 +8222,7 @@
               <a:t>En este sentido </a:t>
             </a:r>
             <a:r>
-              <a:rPr b="1" lang="es" sz="1150">
+              <a:rPr lang="es" sz="1150" b="1" dirty="0">
                 <a:solidFill>
                   <a:schemeClr val="dk1"/>
                 </a:solidFill>
@@ -8063,7 +8236,7 @@
               </a:rPr>
               <a:t>gestionar es coordinar y dirigir una serie de actividades, con recursos disponibles, para conseguir determinados objetivos, lo cual implica amplias y fuertes interacciones fundamentalmente entre el entorno, las estructuras, los procesos y los productos que se deseen obtener.</a:t>
             </a:r>
-            <a:endParaRPr b="1" sz="1150">
+            <a:endParaRPr sz="1150" b="1" dirty="0">
               <a:solidFill>
                 <a:schemeClr val="dk1"/>
               </a:solidFill>
@@ -8077,7 +8250,7 @@
             </a:endParaRPr>
           </a:p>
           <a:p>
-            <a:pPr indent="0" lvl="0" marL="0" rtl="0" algn="just">
+            <a:pPr marL="0" lvl="0" indent="0" algn="just" rtl="0">
               <a:spcBef>
                 <a:spcPts val="1100"/>
               </a:spcBef>
@@ -8092,7 +8265,7 @@
               <a:buNone/>
             </a:pPr>
             <a:r>
-              <a:rPr lang="es" sz="1150">
+              <a:rPr lang="es" sz="1150" dirty="0">
                 <a:solidFill>
                   <a:schemeClr val="dk1"/>
                 </a:solidFill>
@@ -8106,7 +8279,7 @@
               </a:rPr>
               <a:t>Teniendo en cuenta lo anterior, debemos reconocer que la gestión de la seguridad de la información requiere de una estrategia alineada con el negocio y sus objetivos, requiere de unos recursos y de un conjunto de actividades dirigidas y coordinadas por una organización de la seguridad que se extienda a través de toda la organización, desde la alta dirección hasta los usuarios finales.</a:t>
             </a:r>
-            <a:endParaRPr sz="1150">
+            <a:endParaRPr sz="1150" dirty="0">
               <a:solidFill>
                 <a:schemeClr val="dk1"/>
               </a:solidFill>
@@ -8130,11 +8303,11 @@
 </file>
 
 <file path=ppt/slides/slide5.xml><?xml version="1.0" encoding="utf-8"?>
-<p:sld xmlns:a="http://schemas.openxmlformats.org/drawingml/2006/main" xmlns:r="http://schemas.openxmlformats.org/officeDocument/2006/relationships" xmlns:mc="http://schemas.openxmlformats.org/markup-compatibility/2006" xmlns:mv="urn:schemas-microsoft-com:mac:vml" xmlns:p="http://schemas.openxmlformats.org/presentationml/2006/main" xmlns:c="http://schemas.openxmlformats.org/drawingml/2006/chart" xmlns:dgm="http://schemas.openxmlformats.org/drawingml/2006/diagram" xmlns:o="urn:schemas-microsoft-com:office:office" xmlns:v="urn:schemas-microsoft-com:vml" xmlns:pvml="urn:schemas-microsoft-com:office:powerpoint" xmlns:com="http://schemas.openxmlformats.org/drawingml/2006/compatibility" xmlns:p14="http://schemas.microsoft.com/office/powerpoint/2010/main" xmlns:p15="http://schemas.microsoft.com/office/powerpoint/2012/main" xmlns:ahyp="http://schemas.microsoft.com/office/drawing/2018/hyperlinkcolor">
+<p:sld xmlns:a="http://schemas.openxmlformats.org/drawingml/2006/main" xmlns:r="http://schemas.openxmlformats.org/officeDocument/2006/relationships" xmlns:p="http://schemas.openxmlformats.org/presentationml/2006/main">
   <p:cSld>
     <p:spTree>
       <p:nvGrpSpPr>
-        <p:cNvPr id="78" name="Shape 78"/>
+        <p:cNvPr id="1" name="Shape 78"/>
         <p:cNvGrpSpPr/>
         <p:nvPr/>
       </p:nvGrpSpPr>
@@ -8149,7 +8322,9 @@
       <p:sp>
         <p:nvSpPr>
           <p:cNvPr id="79" name="Google Shape;79;p17"/>
-          <p:cNvSpPr txBox="1"/>
+          <p:cNvSpPr txBox="1">
+            <a:spLocks noGrp="1"/>
+          </p:cNvSpPr>
           <p:nvPr>
             <p:ph type="title"/>
           </p:nvPr>
@@ -8164,12 +8339,12 @@
           </a:prstGeom>
         </p:spPr>
         <p:txBody>
-          <a:bodyPr anchorCtr="0" anchor="t" bIns="91425" lIns="91425" spcFirstLastPara="1" rIns="91425" wrap="square" tIns="91425">
+          <a:bodyPr spcFirstLastPara="1" wrap="square" lIns="91425" tIns="91425" rIns="91425" bIns="91425" anchor="t" anchorCtr="0">
             <a:normAutofit fontScale="90000"/>
           </a:bodyPr>
           <a:lstStyle/>
           <a:p>
-            <a:pPr indent="0" lvl="0" marL="0" rtl="0" algn="l">
+            <a:pPr marL="0" lvl="0" indent="0" algn="l" rtl="0">
               <a:spcBef>
                 <a:spcPts val="0"/>
               </a:spcBef>
@@ -8185,7 +8360,7 @@
             <a:endParaRPr/>
           </a:p>
           <a:p>
-            <a:pPr indent="0" lvl="0" marL="0" rtl="0" algn="l">
+            <a:pPr marL="0" lvl="0" indent="0" algn="l" rtl="0">
               <a:spcBef>
                 <a:spcPts val="0"/>
               </a:spcBef>
@@ -8194,9 +8369,6 @@
               </a:spcAft>
               <a:buNone/>
             </a:pPr>
-            <a:r>
-              <a:t/>
-            </a:r>
             <a:endParaRPr/>
           </a:p>
         </p:txBody>
@@ -8204,9 +8376,11 @@
       <p:sp>
         <p:nvSpPr>
           <p:cNvPr id="80" name="Google Shape;80;p17"/>
-          <p:cNvSpPr txBox="1"/>
+          <p:cNvSpPr txBox="1">
+            <a:spLocks noGrp="1"/>
+          </p:cNvSpPr>
           <p:nvPr>
-            <p:ph idx="1" type="body"/>
+            <p:ph type="body" idx="1"/>
           </p:nvPr>
         </p:nvSpPr>
         <p:spPr>
@@ -8219,12 +8393,12 @@
           </a:prstGeom>
         </p:spPr>
         <p:txBody>
-          <a:bodyPr anchorCtr="0" anchor="t" bIns="91425" lIns="91425" spcFirstLastPara="1" rIns="91425" wrap="square" tIns="91425">
+          <a:bodyPr spcFirstLastPara="1" wrap="square" lIns="91425" tIns="91425" rIns="91425" bIns="91425" anchor="t" anchorCtr="0">
             <a:noAutofit/>
           </a:bodyPr>
           <a:lstStyle/>
           <a:p>
-            <a:pPr indent="0" lvl="0" marL="0" rtl="0" algn="l">
+            <a:pPr marL="0" lvl="0" indent="0" algn="l" rtl="0">
               <a:lnSpc>
                 <a:spcPct val="161052"/>
               </a:lnSpc>
@@ -8242,7 +8416,7 @@
               <a:buNone/>
             </a:pPr>
             <a:r>
-              <a:rPr b="1" lang="es" sz="2000">
+              <a:rPr lang="es" sz="2000" b="1">
                 <a:solidFill>
                   <a:schemeClr val="dk1"/>
                 </a:solidFill>
@@ -8256,7 +8430,7 @@
               </a:rPr>
               <a:t>Gestión de Activos de Información</a:t>
             </a:r>
-            <a:endParaRPr b="1" i="1" sz="1250">
+            <a:endParaRPr sz="1250" b="1" i="1">
               <a:solidFill>
                 <a:schemeClr val="dk1"/>
               </a:solidFill>
@@ -8270,7 +8444,7 @@
             </a:endParaRPr>
           </a:p>
           <a:p>
-            <a:pPr indent="0" lvl="0" marL="0" rtl="0" algn="just">
+            <a:pPr marL="0" lvl="0" indent="0" algn="just" rtl="0">
               <a:spcBef>
                 <a:spcPts val="800"/>
               </a:spcBef>
@@ -8313,7 +8487,7 @@
             </a:endParaRPr>
           </a:p>
           <a:p>
-            <a:pPr indent="0" lvl="0" marL="0" rtl="0" algn="just">
+            <a:pPr marL="0" lvl="0" indent="0" algn="just" rtl="0">
               <a:spcBef>
                 <a:spcPts val="1100"/>
               </a:spcBef>
@@ -8338,7 +8512,7 @@
               <a:t>Se debe considerar como un </a:t>
             </a:r>
             <a:r>
-              <a:rPr b="1" lang="es" sz="1250">
+              <a:rPr lang="es" sz="1250" b="1">
                 <a:solidFill>
                   <a:schemeClr val="dk1"/>
                 </a:solidFill>
@@ -8381,7 +8555,7 @@
             </a:endParaRPr>
           </a:p>
           <a:p>
-            <a:pPr indent="0" lvl="0" marL="0" rtl="0" algn="just">
+            <a:pPr marL="0" lvl="0" indent="0" algn="just" rtl="0">
               <a:spcBef>
                 <a:spcPts val="1100"/>
               </a:spcBef>
@@ -8406,7 +8580,7 @@
               <a:t>1) </a:t>
             </a:r>
             <a:r>
-              <a:rPr b="1" lang="es" sz="1250">
+              <a:rPr lang="es" sz="1250" b="1">
                 <a:solidFill>
                   <a:schemeClr val="dk1"/>
                 </a:solidFill>
@@ -8449,7 +8623,7 @@
             </a:endParaRPr>
           </a:p>
           <a:p>
-            <a:pPr indent="0" lvl="0" marL="0" rtl="0" algn="just">
+            <a:pPr marL="0" lvl="0" indent="0" algn="just" rtl="0">
               <a:spcBef>
                 <a:spcPts val="1100"/>
               </a:spcBef>
@@ -8492,7 +8666,7 @@
             </a:endParaRPr>
           </a:p>
           <a:p>
-            <a:pPr indent="0" lvl="0" marL="0" rtl="0" algn="l">
+            <a:pPr marL="0" lvl="0" indent="0" algn="l" rtl="0">
               <a:spcBef>
                 <a:spcPts val="1100"/>
               </a:spcBef>
@@ -8501,9 +8675,6 @@
               </a:spcAft>
               <a:buNone/>
             </a:pPr>
-            <a:r>
-              <a:t/>
-            </a:r>
             <a:endParaRPr sz="1900"/>
           </a:p>
         </p:txBody>
@@ -8517,11 +8688,11 @@
 </file>
 
 <file path=ppt/slides/slide6.xml><?xml version="1.0" encoding="utf-8"?>
-<p:sld xmlns:a="http://schemas.openxmlformats.org/drawingml/2006/main" xmlns:r="http://schemas.openxmlformats.org/officeDocument/2006/relationships" xmlns:mc="http://schemas.openxmlformats.org/markup-compatibility/2006" xmlns:mv="urn:schemas-microsoft-com:mac:vml" xmlns:p="http://schemas.openxmlformats.org/presentationml/2006/main" xmlns:c="http://schemas.openxmlformats.org/drawingml/2006/chart" xmlns:dgm="http://schemas.openxmlformats.org/drawingml/2006/diagram" xmlns:o="urn:schemas-microsoft-com:office:office" xmlns:v="urn:schemas-microsoft-com:vml" xmlns:pvml="urn:schemas-microsoft-com:office:powerpoint" xmlns:com="http://schemas.openxmlformats.org/drawingml/2006/compatibility" xmlns:p14="http://schemas.microsoft.com/office/powerpoint/2010/main" xmlns:p15="http://schemas.microsoft.com/office/powerpoint/2012/main" xmlns:ahyp="http://schemas.microsoft.com/office/drawing/2018/hyperlinkcolor">
+<p:sld xmlns:a="http://schemas.openxmlformats.org/drawingml/2006/main" xmlns:r="http://schemas.openxmlformats.org/officeDocument/2006/relationships" xmlns:p="http://schemas.openxmlformats.org/presentationml/2006/main">
   <p:cSld>
     <p:spTree>
       <p:nvGrpSpPr>
-        <p:cNvPr id="84" name="Shape 84"/>
+        <p:cNvPr id="1" name="Shape 84"/>
         <p:cNvGrpSpPr/>
         <p:nvPr/>
       </p:nvGrpSpPr>
@@ -8536,7 +8707,9 @@
       <p:sp>
         <p:nvSpPr>
           <p:cNvPr id="85" name="Google Shape;85;p18"/>
-          <p:cNvSpPr txBox="1"/>
+          <p:cNvSpPr txBox="1">
+            <a:spLocks noGrp="1"/>
+          </p:cNvSpPr>
           <p:nvPr>
             <p:ph type="title"/>
           </p:nvPr>
@@ -8551,12 +8724,12 @@
           </a:prstGeom>
         </p:spPr>
         <p:txBody>
-          <a:bodyPr anchorCtr="0" anchor="t" bIns="91425" lIns="91425" spcFirstLastPara="1" rIns="91425" wrap="square" tIns="91425">
+          <a:bodyPr spcFirstLastPara="1" wrap="square" lIns="91425" tIns="91425" rIns="91425" bIns="91425" anchor="t" anchorCtr="0">
             <a:normAutofit fontScale="90000"/>
           </a:bodyPr>
           <a:lstStyle/>
           <a:p>
-            <a:pPr indent="0" lvl="0" marL="0" rtl="0" algn="l">
+            <a:pPr marL="0" lvl="0" indent="0" algn="l" rtl="0">
               <a:spcBef>
                 <a:spcPts val="0"/>
               </a:spcBef>
@@ -8576,9 +8749,11 @@
       <p:sp>
         <p:nvSpPr>
           <p:cNvPr id="86" name="Google Shape;86;p18"/>
-          <p:cNvSpPr txBox="1"/>
+          <p:cNvSpPr txBox="1">
+            <a:spLocks noGrp="1"/>
+          </p:cNvSpPr>
           <p:nvPr>
-            <p:ph idx="1" type="body"/>
+            <p:ph type="body" idx="1"/>
           </p:nvPr>
         </p:nvSpPr>
         <p:spPr>
@@ -8591,12 +8766,12 @@
           </a:prstGeom>
         </p:spPr>
         <p:txBody>
-          <a:bodyPr anchorCtr="0" anchor="t" bIns="91425" lIns="91425" spcFirstLastPara="1" rIns="91425" wrap="square" tIns="91425">
+          <a:bodyPr spcFirstLastPara="1" wrap="square" lIns="91425" tIns="91425" rIns="91425" bIns="91425" anchor="t" anchorCtr="0">
             <a:normAutofit/>
           </a:bodyPr>
           <a:lstStyle/>
           <a:p>
-            <a:pPr indent="0" lvl="0" marL="0" rtl="0" algn="l">
+            <a:pPr marL="0" lvl="0" indent="0" algn="l" rtl="0">
               <a:lnSpc>
                 <a:spcPct val="105000"/>
               </a:lnSpc>
@@ -8610,7 +8785,7 @@
               <a:buNone/>
             </a:pPr>
             <a:r>
-              <a:rPr b="1" lang="es" sz="1430">
+              <a:rPr lang="es" sz="1430" b="1">
                 <a:solidFill>
                   <a:schemeClr val="dk1"/>
                 </a:solidFill>
@@ -8632,7 +8807,7 @@
             </a:endParaRPr>
           </a:p>
           <a:p>
-            <a:pPr indent="0" lvl="0" marL="0" rtl="0" algn="l">
+            <a:pPr marL="0" lvl="0" indent="0" algn="l" rtl="0">
               <a:lnSpc>
                 <a:spcPct val="105000"/>
               </a:lnSpc>
@@ -8646,7 +8821,7 @@
               <a:buNone/>
             </a:pPr>
             <a:r>
-              <a:rPr b="1" lang="es" sz="1430">
+              <a:rPr lang="es" sz="1430" b="1">
                 <a:solidFill>
                   <a:schemeClr val="dk1"/>
                 </a:solidFill>
@@ -8662,7 +8837,7 @@
               <a:t> El cual es una parte designada de la organización, un cargo, proceso, o grupo de trabajo que tiene la responsabilidad de definir quienes tienen acceso, que pueden hacer con la información, y de determinar cuales son los requisitos para que la misma se salvaguarde ante accesos no autorizados, modificación, pérdida de la confidencialidad o destrucción deliberada y al mismo tiempo de definir que se hace con la información una vez ya no sea requerida,                                                       </a:t>
             </a:r>
             <a:r>
-              <a:rPr b="1" lang="es" sz="1430">
+              <a:rPr lang="es" sz="1430" b="1">
                 <a:solidFill>
                   <a:schemeClr val="dk1"/>
                 </a:solidFill>
@@ -8684,7 +8859,7 @@
             </a:endParaRPr>
           </a:p>
           <a:p>
-            <a:pPr indent="0" lvl="0" marL="0" rtl="0" algn="l">
+            <a:pPr marL="0" lvl="0" indent="0" algn="l" rtl="0">
               <a:lnSpc>
                 <a:spcPct val="105000"/>
               </a:lnSpc>
@@ -8698,7 +8873,7 @@
               <a:buNone/>
             </a:pPr>
             <a:r>
-              <a:rPr b="1" lang="es" sz="1430">
+              <a:rPr lang="es" sz="1430" b="1">
                 <a:solidFill>
                   <a:schemeClr val="dk1"/>
                 </a:solidFill>
@@ -8720,7 +8895,7 @@
             </a:endParaRPr>
           </a:p>
           <a:p>
-            <a:pPr indent="0" lvl="0" marL="0" rtl="0" algn="l">
+            <a:pPr marL="0" lvl="0" indent="0" algn="l" rtl="0">
               <a:lnSpc>
                 <a:spcPct val="105000"/>
               </a:lnSpc>
@@ -8733,9 +8908,6 @@
               <a:buSzPts val="935"/>
               <a:buNone/>
             </a:pPr>
-            <a:r>
-              <a:t/>
-            </a:r>
             <a:endParaRPr sz="1430">
               <a:solidFill>
                 <a:schemeClr val="dk1"/>
@@ -8781,11 +8953,11 @@
 </file>
 
 <file path=ppt/slides/slide7.xml><?xml version="1.0" encoding="utf-8"?>
-<p:sld xmlns:a="http://schemas.openxmlformats.org/drawingml/2006/main" xmlns:r="http://schemas.openxmlformats.org/officeDocument/2006/relationships" xmlns:mc="http://schemas.openxmlformats.org/markup-compatibility/2006" xmlns:mv="urn:schemas-microsoft-com:mac:vml" xmlns:p="http://schemas.openxmlformats.org/presentationml/2006/main" xmlns:c="http://schemas.openxmlformats.org/drawingml/2006/chart" xmlns:dgm="http://schemas.openxmlformats.org/drawingml/2006/diagram" xmlns:o="urn:schemas-microsoft-com:office:office" xmlns:v="urn:schemas-microsoft-com:vml" xmlns:pvml="urn:schemas-microsoft-com:office:powerpoint" xmlns:com="http://schemas.openxmlformats.org/drawingml/2006/compatibility" xmlns:p14="http://schemas.microsoft.com/office/powerpoint/2010/main" xmlns:p15="http://schemas.microsoft.com/office/powerpoint/2012/main" xmlns:ahyp="http://schemas.microsoft.com/office/drawing/2018/hyperlinkcolor">
+<p:sld xmlns:a="http://schemas.openxmlformats.org/drawingml/2006/main" xmlns:r="http://schemas.openxmlformats.org/officeDocument/2006/relationships" xmlns:p="http://schemas.openxmlformats.org/presentationml/2006/main">
   <p:cSld>
     <p:spTree>
       <p:nvGrpSpPr>
-        <p:cNvPr id="91" name="Shape 91"/>
+        <p:cNvPr id="1" name="Shape 91"/>
         <p:cNvGrpSpPr/>
         <p:nvPr/>
       </p:nvGrpSpPr>
@@ -8800,7 +8972,9 @@
       <p:sp>
         <p:nvSpPr>
           <p:cNvPr id="92" name="Google Shape;92;p19"/>
-          <p:cNvSpPr txBox="1"/>
+          <p:cNvSpPr txBox="1">
+            <a:spLocks noGrp="1"/>
+          </p:cNvSpPr>
           <p:nvPr>
             <p:ph type="title"/>
           </p:nvPr>
@@ -8815,12 +8989,12 @@
           </a:prstGeom>
         </p:spPr>
         <p:txBody>
-          <a:bodyPr anchorCtr="0" anchor="t" bIns="91425" lIns="91425" spcFirstLastPara="1" rIns="91425" wrap="square" tIns="91425">
+          <a:bodyPr spcFirstLastPara="1" wrap="square" lIns="91425" tIns="91425" rIns="91425" bIns="91425" anchor="t" anchorCtr="0">
             <a:normAutofit/>
           </a:bodyPr>
           <a:lstStyle/>
           <a:p>
-            <a:pPr indent="0" lvl="0" marL="0" rtl="0" algn="l">
+            <a:pPr marL="0" lvl="0" indent="0" algn="l" rtl="0">
               <a:spcBef>
                 <a:spcPts val="0"/>
               </a:spcBef>
@@ -8840,9 +9014,11 @@
       <p:sp>
         <p:nvSpPr>
           <p:cNvPr id="93" name="Google Shape;93;p19"/>
-          <p:cNvSpPr txBox="1"/>
+          <p:cNvSpPr txBox="1">
+            <a:spLocks noGrp="1"/>
+          </p:cNvSpPr>
           <p:nvPr>
-            <p:ph idx="1" type="body"/>
+            <p:ph type="body" idx="1"/>
           </p:nvPr>
         </p:nvSpPr>
         <p:spPr>
@@ -8855,12 +9031,12 @@
           </a:prstGeom>
         </p:spPr>
         <p:txBody>
-          <a:bodyPr anchorCtr="0" anchor="t" bIns="91425" lIns="91425" spcFirstLastPara="1" rIns="91425" wrap="square" tIns="91425">
+          <a:bodyPr spcFirstLastPara="1" wrap="square" lIns="91425" tIns="91425" rIns="91425" bIns="91425" anchor="t" anchorCtr="0">
             <a:normAutofit/>
           </a:bodyPr>
           <a:lstStyle/>
           <a:p>
-            <a:pPr indent="0" lvl="0" marL="0" rtl="0" algn="just">
+            <a:pPr marL="0" lvl="0" indent="0" algn="just" rtl="0">
               <a:spcBef>
                 <a:spcPts val="0"/>
               </a:spcBef>
@@ -8875,7 +9051,7 @@
               <a:buNone/>
             </a:pPr>
             <a:r>
-              <a:rPr b="1" lang="es" sz="1450">
+              <a:rPr lang="es" sz="1450" b="1">
                 <a:solidFill>
                   <a:schemeClr val="dk1"/>
                 </a:solidFill>
@@ -8918,7 +9094,7 @@
             </a:endParaRPr>
           </a:p>
           <a:p>
-            <a:pPr indent="0" lvl="0" marL="0" rtl="0" algn="just">
+            <a:pPr marL="0" lvl="0" indent="0" algn="just" rtl="0">
               <a:spcBef>
                 <a:spcPts val="1100"/>
               </a:spcBef>
@@ -8971,11 +9147,11 @@
 </file>
 
 <file path=ppt/slides/slide8.xml><?xml version="1.0" encoding="utf-8"?>
-<p:sld xmlns:a="http://schemas.openxmlformats.org/drawingml/2006/main" xmlns:r="http://schemas.openxmlformats.org/officeDocument/2006/relationships" xmlns:mc="http://schemas.openxmlformats.org/markup-compatibility/2006" xmlns:mv="urn:schemas-microsoft-com:mac:vml" xmlns:p="http://schemas.openxmlformats.org/presentationml/2006/main" xmlns:c="http://schemas.openxmlformats.org/drawingml/2006/chart" xmlns:dgm="http://schemas.openxmlformats.org/drawingml/2006/diagram" xmlns:o="urn:schemas-microsoft-com:office:office" xmlns:v="urn:schemas-microsoft-com:vml" xmlns:pvml="urn:schemas-microsoft-com:office:powerpoint" xmlns:com="http://schemas.openxmlformats.org/drawingml/2006/compatibility" xmlns:p14="http://schemas.microsoft.com/office/powerpoint/2010/main" xmlns:p15="http://schemas.microsoft.com/office/powerpoint/2012/main" xmlns:ahyp="http://schemas.microsoft.com/office/drawing/2018/hyperlinkcolor">
+<p:sld xmlns:a="http://schemas.openxmlformats.org/drawingml/2006/main" xmlns:r="http://schemas.openxmlformats.org/officeDocument/2006/relationships" xmlns:p="http://schemas.openxmlformats.org/presentationml/2006/main">
   <p:cSld>
     <p:spTree>
       <p:nvGrpSpPr>
-        <p:cNvPr id="97" name="Shape 97"/>
+        <p:cNvPr id="1" name="Shape 97"/>
         <p:cNvGrpSpPr/>
         <p:nvPr/>
       </p:nvGrpSpPr>
@@ -8990,7 +9166,9 @@
       <p:sp>
         <p:nvSpPr>
           <p:cNvPr id="98" name="Google Shape;98;p20"/>
-          <p:cNvSpPr txBox="1"/>
+          <p:cNvSpPr txBox="1">
+            <a:spLocks noGrp="1"/>
+          </p:cNvSpPr>
           <p:nvPr>
             <p:ph type="title"/>
           </p:nvPr>
@@ -9005,12 +9183,12 @@
           </a:prstGeom>
         </p:spPr>
         <p:txBody>
-          <a:bodyPr anchorCtr="0" anchor="t" bIns="91425" lIns="91425" spcFirstLastPara="1" rIns="91425" wrap="square" tIns="91425">
+          <a:bodyPr spcFirstLastPara="1" wrap="square" lIns="91425" tIns="91425" rIns="91425" bIns="91425" anchor="t" anchorCtr="0">
             <a:normAutofit fontScale="90000"/>
           </a:bodyPr>
           <a:lstStyle/>
           <a:p>
-            <a:pPr indent="0" lvl="0" marL="0" rtl="0" algn="l">
+            <a:pPr marL="0" lvl="0" indent="0" algn="l" rtl="0">
               <a:spcBef>
                 <a:spcPts val="0"/>
               </a:spcBef>
@@ -9030,9 +9208,11 @@
       <p:sp>
         <p:nvSpPr>
           <p:cNvPr id="99" name="Google Shape;99;p20"/>
-          <p:cNvSpPr txBox="1"/>
+          <p:cNvSpPr txBox="1">
+            <a:spLocks noGrp="1"/>
+          </p:cNvSpPr>
           <p:nvPr>
-            <p:ph idx="1" type="body"/>
+            <p:ph type="body" idx="1"/>
           </p:nvPr>
         </p:nvSpPr>
         <p:spPr>
@@ -9045,12 +9225,12 @@
           </a:prstGeom>
         </p:spPr>
         <p:txBody>
-          <a:bodyPr anchorCtr="0" anchor="t" bIns="91425" lIns="91425" spcFirstLastPara="1" rIns="91425" wrap="square" tIns="91425">
+          <a:bodyPr spcFirstLastPara="1" wrap="square" lIns="91425" tIns="91425" rIns="91425" bIns="91425" anchor="t" anchorCtr="0">
             <a:normAutofit lnSpcReduction="20000"/>
           </a:bodyPr>
           <a:lstStyle/>
           <a:p>
-            <a:pPr indent="0" lvl="0" marL="0" rtl="0" algn="l">
+            <a:pPr marL="0" lvl="0" indent="0" algn="l" rtl="0">
               <a:lnSpc>
                 <a:spcPct val="161052"/>
               </a:lnSpc>
@@ -9068,7 +9248,7 @@
               <a:buNone/>
             </a:pPr>
             <a:r>
-              <a:rPr b="1" lang="es" sz="1900">
+              <a:rPr lang="es" sz="1900" b="1">
                 <a:solidFill>
                   <a:schemeClr val="dk1"/>
                 </a:solidFill>
@@ -9111,7 +9291,7 @@
             </a:endParaRPr>
           </a:p>
           <a:p>
-            <a:pPr indent="0" lvl="0" marL="0" rtl="0" algn="just">
+            <a:pPr marL="0" lvl="0" indent="0" algn="just" rtl="0">
               <a:spcBef>
                 <a:spcPts val="800"/>
               </a:spcBef>
@@ -9121,7 +9301,7 @@
               <a:buNone/>
             </a:pPr>
             <a:r>
-              <a:rPr b="1" lang="es" sz="1150">
+              <a:rPr lang="es" sz="1150" b="1">
                 <a:solidFill>
                   <a:schemeClr val="dk1"/>
                 </a:solidFill>
@@ -9164,7 +9344,7 @@
             </a:endParaRPr>
           </a:p>
           <a:p>
-            <a:pPr indent="0" lvl="0" marL="0" rtl="0" algn="l">
+            <a:pPr marL="0" lvl="0" indent="0" algn="l" rtl="0">
               <a:lnSpc>
                 <a:spcPct val="161052"/>
               </a:lnSpc>
@@ -9177,7 +9357,7 @@
               <a:buNone/>
             </a:pPr>
             <a:r>
-              <a:rPr b="1" lang="es" sz="1900">
+              <a:rPr lang="es" sz="1900" b="1">
                 <a:solidFill>
                   <a:schemeClr val="dk1"/>
                 </a:solidFill>
@@ -9192,7 +9372,7 @@
               <a:t>Gestión de Incidentes de Seguridad de la Información</a:t>
             </a:r>
             <a:r>
-              <a:rPr b="1" i="1" lang="es" sz="1150">
+              <a:rPr lang="es" sz="1150" b="1" i="1">
                 <a:solidFill>
                   <a:schemeClr val="dk1"/>
                 </a:solidFill>
@@ -9235,7 +9415,7 @@
             </a:endParaRPr>
           </a:p>
           <a:p>
-            <a:pPr indent="0" lvl="0" marL="0" rtl="0" algn="just">
+            <a:pPr marL="0" lvl="0" indent="0" algn="just" rtl="0">
               <a:spcBef>
                 <a:spcPts val="800"/>
               </a:spcBef>
@@ -9245,7 +9425,7 @@
               <a:buNone/>
             </a:pPr>
             <a:r>
-              <a:rPr b="1" lang="es" sz="1150">
+              <a:rPr lang="es" sz="1150" b="1">
                 <a:solidFill>
                   <a:schemeClr val="dk1"/>
                 </a:solidFill>
@@ -9288,7 +9468,7 @@
             </a:endParaRPr>
           </a:p>
           <a:p>
-            <a:pPr indent="0" lvl="0" marL="0" rtl="0" algn="just">
+            <a:pPr marL="0" lvl="0" indent="0" algn="just" rtl="0">
               <a:spcBef>
                 <a:spcPts val="1100"/>
               </a:spcBef>
@@ -9298,7 +9478,7 @@
               <a:buNone/>
             </a:pPr>
             <a:r>
-              <a:rPr b="1" lang="es" sz="1150">
+              <a:rPr lang="es" sz="1150" b="1">
                 <a:solidFill>
                   <a:schemeClr val="dk1"/>
                 </a:solidFill>
@@ -9341,7 +9521,7 @@
             </a:endParaRPr>
           </a:p>
           <a:p>
-            <a:pPr indent="0" lvl="0" marL="0" rtl="0" algn="just">
+            <a:pPr marL="0" lvl="0" indent="0" algn="just" rtl="0">
               <a:spcBef>
                 <a:spcPts val="1100"/>
               </a:spcBef>
@@ -9355,9 +9535,6 @@
               <a:buFont typeface="Arial"/>
               <a:buNone/>
             </a:pPr>
-            <a:r>
-              <a:t/>
-            </a:r>
             <a:endParaRPr sz="1150">
               <a:solidFill>
                 <a:srgbClr val="79767F"/>
@@ -9382,11 +9559,11 @@
 </file>
 
 <file path=ppt/slides/slide9.xml><?xml version="1.0" encoding="utf-8"?>
-<p:sld xmlns:a="http://schemas.openxmlformats.org/drawingml/2006/main" xmlns:r="http://schemas.openxmlformats.org/officeDocument/2006/relationships" xmlns:mc="http://schemas.openxmlformats.org/markup-compatibility/2006" xmlns:mv="urn:schemas-microsoft-com:mac:vml" xmlns:p="http://schemas.openxmlformats.org/presentationml/2006/main" xmlns:c="http://schemas.openxmlformats.org/drawingml/2006/chart" xmlns:dgm="http://schemas.openxmlformats.org/drawingml/2006/diagram" xmlns:o="urn:schemas-microsoft-com:office:office" xmlns:v="urn:schemas-microsoft-com:vml" xmlns:pvml="urn:schemas-microsoft-com:office:powerpoint" xmlns:com="http://schemas.openxmlformats.org/drawingml/2006/compatibility" xmlns:p14="http://schemas.microsoft.com/office/powerpoint/2010/main" xmlns:p15="http://schemas.microsoft.com/office/powerpoint/2012/main" xmlns:ahyp="http://schemas.microsoft.com/office/drawing/2018/hyperlinkcolor">
+<p:sld xmlns:a="http://schemas.openxmlformats.org/drawingml/2006/main" xmlns:r="http://schemas.openxmlformats.org/officeDocument/2006/relationships" xmlns:p="http://schemas.openxmlformats.org/presentationml/2006/main">
   <p:cSld>
     <p:spTree>
       <p:nvGrpSpPr>
-        <p:cNvPr id="103" name="Shape 103"/>
+        <p:cNvPr id="1" name="Shape 103"/>
         <p:cNvGrpSpPr/>
         <p:nvPr/>
       </p:nvGrpSpPr>
@@ -9401,7 +9578,9 @@
       <p:sp>
         <p:nvSpPr>
           <p:cNvPr id="104" name="Google Shape;104;p21"/>
-          <p:cNvSpPr txBox="1"/>
+          <p:cNvSpPr txBox="1">
+            <a:spLocks noGrp="1"/>
+          </p:cNvSpPr>
           <p:nvPr>
             <p:ph type="title"/>
           </p:nvPr>
@@ -9416,12 +9595,12 @@
           </a:prstGeom>
         </p:spPr>
         <p:txBody>
-          <a:bodyPr anchorCtr="0" anchor="t" bIns="91425" lIns="91425" spcFirstLastPara="1" rIns="91425" wrap="square" tIns="91425">
+          <a:bodyPr spcFirstLastPara="1" wrap="square" lIns="91425" tIns="91425" rIns="91425" bIns="91425" anchor="t" anchorCtr="0">
             <a:normAutofit fontScale="90000"/>
           </a:bodyPr>
           <a:lstStyle/>
           <a:p>
-            <a:pPr indent="0" lvl="0" marL="0" rtl="0" algn="l">
+            <a:pPr marL="0" lvl="0" indent="0" algn="l" rtl="0">
               <a:spcBef>
                 <a:spcPts val="0"/>
               </a:spcBef>
@@ -9437,7 +9616,7 @@
             <a:endParaRPr/>
           </a:p>
           <a:p>
-            <a:pPr indent="0" lvl="0" marL="0" rtl="0" algn="l">
+            <a:pPr marL="0" lvl="0" indent="0" algn="l" rtl="0">
               <a:spcBef>
                 <a:spcPts val="0"/>
               </a:spcBef>
@@ -9446,9 +9625,6 @@
               </a:spcAft>
               <a:buNone/>
             </a:pPr>
-            <a:r>
-              <a:t/>
-            </a:r>
             <a:endParaRPr/>
           </a:p>
         </p:txBody>
@@ -9456,9 +9632,11 @@
       <p:sp>
         <p:nvSpPr>
           <p:cNvPr id="105" name="Google Shape;105;p21"/>
-          <p:cNvSpPr txBox="1"/>
+          <p:cNvSpPr txBox="1">
+            <a:spLocks noGrp="1"/>
+          </p:cNvSpPr>
           <p:nvPr>
-            <p:ph idx="1" type="body"/>
+            <p:ph type="body" idx="1"/>
           </p:nvPr>
         </p:nvSpPr>
         <p:spPr>
@@ -9471,12 +9649,12 @@
           </a:prstGeom>
         </p:spPr>
         <p:txBody>
-          <a:bodyPr anchorCtr="0" anchor="t" bIns="91425" lIns="91425" spcFirstLastPara="1" rIns="91425" wrap="square" tIns="91425">
+          <a:bodyPr spcFirstLastPara="1" wrap="square" lIns="91425" tIns="91425" rIns="91425" bIns="91425" anchor="t" anchorCtr="0">
             <a:normAutofit/>
           </a:bodyPr>
           <a:lstStyle/>
           <a:p>
-            <a:pPr indent="0" lvl="0" marL="0" rtl="0" algn="l">
+            <a:pPr marL="0" lvl="0" indent="0" algn="l" rtl="0">
               <a:lnSpc>
                 <a:spcPct val="161052"/>
               </a:lnSpc>
@@ -9494,7 +9672,7 @@
               <a:buNone/>
             </a:pPr>
             <a:r>
-              <a:rPr b="1" lang="es" sz="1900">
+              <a:rPr lang="es" sz="1900" b="1">
                 <a:solidFill>
                   <a:schemeClr val="dk1"/>
                 </a:solidFill>
@@ -9509,7 +9687,7 @@
               <a:t>Gestión del Cumplimiento</a:t>
             </a:r>
             <a:r>
-              <a:rPr b="1" i="1" lang="es" sz="1150">
+              <a:rPr lang="es" sz="1150" b="1" i="1">
                 <a:solidFill>
                   <a:schemeClr val="dk1"/>
                 </a:solidFill>
@@ -9524,7 +9702,7 @@
               <a:t>     </a:t>
             </a:r>
             <a:r>
-              <a:rPr b="1" i="1" lang="es" sz="1150">
+              <a:rPr lang="es" sz="1150" b="1" i="1">
                 <a:solidFill>
                   <a:srgbClr val="79767F"/>
                 </a:solidFill>
@@ -9567,7 +9745,7 @@
             </a:endParaRPr>
           </a:p>
           <a:p>
-            <a:pPr indent="0" lvl="0" marL="0" rtl="0" algn="just">
+            <a:pPr marL="0" lvl="0" indent="0" algn="just" rtl="0">
               <a:spcBef>
                 <a:spcPts val="800"/>
               </a:spcBef>
@@ -9610,7 +9788,7 @@
             </a:endParaRPr>
           </a:p>
           <a:p>
-            <a:pPr indent="0" lvl="0" marL="0" rtl="0" algn="l">
+            <a:pPr marL="0" lvl="0" indent="0" algn="l" rtl="0">
               <a:lnSpc>
                 <a:spcPct val="161052"/>
               </a:lnSpc>
@@ -9623,7 +9801,7 @@
               <a:buNone/>
             </a:pPr>
             <a:r>
-              <a:rPr b="1" lang="es" sz="1900">
+              <a:rPr lang="es" sz="1900" b="1">
                 <a:solidFill>
                   <a:schemeClr val="dk1"/>
                 </a:solidFill>
@@ -9638,7 +9816,7 @@
               <a:t>Gestión de la Continuidad del Negocio</a:t>
             </a:r>
             <a:r>
-              <a:rPr b="1" i="1" lang="es" sz="1150">
+              <a:rPr lang="es" sz="1150" b="1" i="1">
                 <a:solidFill>
                   <a:schemeClr val="dk1"/>
                 </a:solidFill>
@@ -9681,7 +9859,7 @@
             </a:endParaRPr>
           </a:p>
           <a:p>
-            <a:pPr indent="0" lvl="0" marL="0" rtl="0" algn="just">
+            <a:pPr marL="0" lvl="0" indent="0" algn="just" rtl="0">
               <a:spcBef>
                 <a:spcPts val="800"/>
               </a:spcBef>
@@ -9690,9 +9868,6 @@
               </a:spcAft>
               <a:buNone/>
             </a:pPr>
-            <a:r>
-              <a:t/>
-            </a:r>
             <a:endParaRPr sz="1150">
               <a:solidFill>
                 <a:srgbClr val="79767F"/>
@@ -9707,7 +9882,7 @@
             </a:endParaRPr>
           </a:p>
           <a:p>
-            <a:pPr indent="0" lvl="0" marL="0" rtl="0" algn="just">
+            <a:pPr marL="0" lvl="0" indent="0" algn="just" rtl="0">
               <a:spcBef>
                 <a:spcPts val="1100"/>
               </a:spcBef>
@@ -9721,9 +9896,6 @@
               <a:buFont typeface="Arial"/>
               <a:buNone/>
             </a:pPr>
-            <a:r>
-              <a:t/>
-            </a:r>
             <a:endParaRPr sz="1150">
               <a:solidFill>
                 <a:srgbClr val="79767F"/>
@@ -9748,7 +9920,288 @@
 </file>
 
 <file path=ppt/theme/theme1.xml><?xml version="1.0" encoding="utf-8"?>
-<a:theme xmlns:a="http://schemas.openxmlformats.org/drawingml/2006/main" xmlns:r="http://schemas.openxmlformats.org/officeDocument/2006/relationships">
+<a:theme xmlns:a="http://schemas.openxmlformats.org/drawingml/2006/main" name="Simple Light">
+  <a:themeElements>
+    <a:clrScheme name="Simple Light">
+      <a:dk1>
+        <a:srgbClr val="000000"/>
+      </a:dk1>
+      <a:lt1>
+        <a:srgbClr val="FFFFFF"/>
+      </a:lt1>
+      <a:dk2>
+        <a:srgbClr val="595959"/>
+      </a:dk2>
+      <a:lt2>
+        <a:srgbClr val="EEEEEE"/>
+      </a:lt2>
+      <a:accent1>
+        <a:srgbClr val="4285F4"/>
+      </a:accent1>
+      <a:accent2>
+        <a:srgbClr val="212121"/>
+      </a:accent2>
+      <a:accent3>
+        <a:srgbClr val="78909C"/>
+      </a:accent3>
+      <a:accent4>
+        <a:srgbClr val="FFAB40"/>
+      </a:accent4>
+      <a:accent5>
+        <a:srgbClr val="0097A7"/>
+      </a:accent5>
+      <a:accent6>
+        <a:srgbClr val="EEFF41"/>
+      </a:accent6>
+      <a:hlink>
+        <a:srgbClr val="0097A7"/>
+      </a:hlink>
+      <a:folHlink>
+        <a:srgbClr val="0097A7"/>
+      </a:folHlink>
+    </a:clrScheme>
+    <a:fontScheme name="Office">
+      <a:majorFont>
+        <a:latin typeface="Arial"/>
+        <a:ea typeface=""/>
+        <a:cs typeface=""/>
+        <a:font script="Jpan" typeface="ＭＳ Ｐゴシック"/>
+        <a:font script="Hang" typeface="맑은 고딕"/>
+        <a:font script="Hans" typeface="宋体"/>
+        <a:font script="Hant" typeface="新細明體"/>
+        <a:font script="Arab" typeface="Times New Roman"/>
+        <a:font script="Hebr" typeface="Times New Roman"/>
+        <a:font script="Thai" typeface="Angsana New"/>
+        <a:font script="Ethi" typeface="Nyala"/>
+        <a:font script="Beng" typeface="Vrinda"/>
+        <a:font script="Gujr" typeface="Shruti"/>
+        <a:font script="Khmr" typeface="MoolBoran"/>
+        <a:font script="Knda" typeface="Tunga"/>
+        <a:font script="Guru" typeface="Raavi"/>
+        <a:font script="Cans" typeface="Euphemia"/>
+        <a:font script="Cher" typeface="Plantagenet Cherokee"/>
+        <a:font script="Yiii" typeface="Microsoft Yi Baiti"/>
+        <a:font script="Tibt" typeface="Microsoft Himalaya"/>
+        <a:font script="Thaa" typeface="MV Boli"/>
+        <a:font script="Deva" typeface="Mangal"/>
+        <a:font script="Telu" typeface="Gautami"/>
+        <a:font script="Taml" typeface="Latha"/>
+        <a:font script="Syrc" typeface="Estrangelo Edessa"/>
+        <a:font script="Orya" typeface="Kalinga"/>
+        <a:font script="Mlym" typeface="Kartika"/>
+        <a:font script="Laoo" typeface="DokChampa"/>
+        <a:font script="Sinh" typeface="Iskoola Pota"/>
+        <a:font script="Mong" typeface="Mongolian Baiti"/>
+        <a:font script="Viet" typeface="Times New Roman"/>
+        <a:font script="Uigh" typeface="Microsoft Uighur"/>
+        <a:font script="Geor" typeface="Sylfaen"/>
+      </a:majorFont>
+      <a:minorFont>
+        <a:latin typeface="Arial"/>
+        <a:ea typeface=""/>
+        <a:cs typeface=""/>
+        <a:font script="Jpan" typeface="ＭＳ Ｐゴシック"/>
+        <a:font script="Hang" typeface="맑은 고딕"/>
+        <a:font script="Hans" typeface="宋体"/>
+        <a:font script="Hant" typeface="新細明體"/>
+        <a:font script="Arab" typeface="Arial"/>
+        <a:font script="Hebr" typeface="Arial"/>
+        <a:font script="Thai" typeface="Cordia New"/>
+        <a:font script="Ethi" typeface="Nyala"/>
+        <a:font script="Beng" typeface="Vrinda"/>
+        <a:font script="Gujr" typeface="Shruti"/>
+        <a:font script="Khmr" typeface="DaunPenh"/>
+        <a:font script="Knda" typeface="Tunga"/>
+        <a:font script="Guru" typeface="Raavi"/>
+        <a:font script="Cans" typeface="Euphemia"/>
+        <a:font script="Cher" typeface="Plantagenet Cherokee"/>
+        <a:font script="Yiii" typeface="Microsoft Yi Baiti"/>
+        <a:font script="Tibt" typeface="Microsoft Himalaya"/>
+        <a:font script="Thaa" typeface="MV Boli"/>
+        <a:font script="Deva" typeface="Mangal"/>
+        <a:font script="Telu" typeface="Gautami"/>
+        <a:font script="Taml" typeface="Latha"/>
+        <a:font script="Syrc" typeface="Estrangelo Edessa"/>
+        <a:font script="Orya" typeface="Kalinga"/>
+        <a:font script="Mlym" typeface="Kartika"/>
+        <a:font script="Laoo" typeface="DokChampa"/>
+        <a:font script="Sinh" typeface="Iskoola Pota"/>
+        <a:font script="Mong" typeface="Mongolian Baiti"/>
+        <a:font script="Viet" typeface="Arial"/>
+        <a:font script="Uigh" typeface="Microsoft Uighur"/>
+        <a:font script="Geor" typeface="Sylfaen"/>
+      </a:minorFont>
+    </a:fontScheme>
+    <a:fmtScheme name="Office">
+      <a:fillStyleLst>
+        <a:solidFill>
+          <a:schemeClr val="phClr"/>
+        </a:solidFill>
+        <a:gradFill rotWithShape="1">
+          <a:gsLst>
+            <a:gs pos="0">
+              <a:schemeClr val="phClr">
+                <a:tint val="50000"/>
+                <a:satMod val="300000"/>
+              </a:schemeClr>
+            </a:gs>
+            <a:gs pos="35000">
+              <a:schemeClr val="phClr">
+                <a:tint val="37000"/>
+                <a:satMod val="300000"/>
+              </a:schemeClr>
+            </a:gs>
+            <a:gs pos="100000">
+              <a:schemeClr val="phClr">
+                <a:tint val="15000"/>
+                <a:satMod val="350000"/>
+              </a:schemeClr>
+            </a:gs>
+          </a:gsLst>
+          <a:lin ang="16200000" scaled="1"/>
+        </a:gradFill>
+        <a:gradFill rotWithShape="1">
+          <a:gsLst>
+            <a:gs pos="0">
+              <a:schemeClr val="phClr">
+                <a:tint val="100000"/>
+                <a:shade val="100000"/>
+                <a:satMod val="130000"/>
+              </a:schemeClr>
+            </a:gs>
+            <a:gs pos="100000">
+              <a:schemeClr val="phClr">
+                <a:tint val="50000"/>
+                <a:shade val="100000"/>
+                <a:satMod val="350000"/>
+              </a:schemeClr>
+            </a:gs>
+          </a:gsLst>
+          <a:lin ang="16200000" scaled="0"/>
+        </a:gradFill>
+      </a:fillStyleLst>
+      <a:lnStyleLst>
+        <a:ln w="9525" cap="flat" cmpd="sng" algn="ctr">
+          <a:solidFill>
+            <a:schemeClr val="phClr">
+              <a:shade val="95000"/>
+              <a:satMod val="105000"/>
+            </a:schemeClr>
+          </a:solidFill>
+          <a:prstDash val="solid"/>
+        </a:ln>
+        <a:ln w="25400" cap="flat" cmpd="sng" algn="ctr">
+          <a:solidFill>
+            <a:schemeClr val="phClr"/>
+          </a:solidFill>
+          <a:prstDash val="solid"/>
+        </a:ln>
+        <a:ln w="38100" cap="flat" cmpd="sng" algn="ctr">
+          <a:solidFill>
+            <a:schemeClr val="phClr"/>
+          </a:solidFill>
+          <a:prstDash val="solid"/>
+        </a:ln>
+      </a:lnStyleLst>
+      <a:effectStyleLst>
+        <a:effectStyle>
+          <a:effectLst>
+            <a:outerShdw blurRad="40000" dist="20000" dir="5400000" rotWithShape="0">
+              <a:srgbClr val="000000">
+                <a:alpha val="38000"/>
+              </a:srgbClr>
+            </a:outerShdw>
+          </a:effectLst>
+        </a:effectStyle>
+        <a:effectStyle>
+          <a:effectLst>
+            <a:outerShdw blurRad="40000" dist="23000" dir="5400000" rotWithShape="0">
+              <a:srgbClr val="000000">
+                <a:alpha val="35000"/>
+              </a:srgbClr>
+            </a:outerShdw>
+          </a:effectLst>
+        </a:effectStyle>
+        <a:effectStyle>
+          <a:effectLst>
+            <a:outerShdw blurRad="40000" dist="23000" dir="5400000" rotWithShape="0">
+              <a:srgbClr val="000000">
+                <a:alpha val="35000"/>
+              </a:srgbClr>
+            </a:outerShdw>
+          </a:effectLst>
+          <a:scene3d>
+            <a:camera prst="orthographicFront">
+              <a:rot lat="0" lon="0" rev="0"/>
+            </a:camera>
+            <a:lightRig rig="threePt" dir="t">
+              <a:rot lat="0" lon="0" rev="1200000"/>
+            </a:lightRig>
+          </a:scene3d>
+          <a:sp3d>
+            <a:bevelT w="63500" h="25400"/>
+          </a:sp3d>
+        </a:effectStyle>
+      </a:effectStyleLst>
+      <a:bgFillStyleLst>
+        <a:solidFill>
+          <a:schemeClr val="phClr"/>
+        </a:solidFill>
+        <a:gradFill rotWithShape="1">
+          <a:gsLst>
+            <a:gs pos="0">
+              <a:schemeClr val="phClr">
+                <a:tint val="40000"/>
+                <a:satMod val="350000"/>
+              </a:schemeClr>
+            </a:gs>
+            <a:gs pos="40000">
+              <a:schemeClr val="phClr">
+                <a:tint val="45000"/>
+                <a:shade val="99000"/>
+                <a:satMod val="350000"/>
+              </a:schemeClr>
+            </a:gs>
+            <a:gs pos="100000">
+              <a:schemeClr val="phClr">
+                <a:shade val="20000"/>
+                <a:satMod val="255000"/>
+              </a:schemeClr>
+            </a:gs>
+          </a:gsLst>
+          <a:path path="circle">
+            <a:fillToRect l="50000" t="-80000" r="50000" b="180000"/>
+          </a:path>
+        </a:gradFill>
+        <a:gradFill rotWithShape="1">
+          <a:gsLst>
+            <a:gs pos="0">
+              <a:schemeClr val="phClr">
+                <a:tint val="80000"/>
+                <a:satMod val="300000"/>
+              </a:schemeClr>
+            </a:gs>
+            <a:gs pos="100000">
+              <a:schemeClr val="phClr">
+                <a:shade val="30000"/>
+                <a:satMod val="200000"/>
+              </a:schemeClr>
+            </a:gs>
+          </a:gsLst>
+          <a:path path="circle">
+            <a:fillToRect l="50000" t="50000" r="50000" b="50000"/>
+          </a:path>
+        </a:gradFill>
+      </a:bgFillStyleLst>
+    </a:fmtScheme>
+  </a:themeElements>
+  <a:objectDefaults/>
+  <a:extraClrSchemeLst/>
+</a:theme>
+</file>
+
+<file path=ppt/theme/theme2.xml><?xml version="1.0" encoding="utf-8"?>
+<a:theme xmlns:a="http://schemas.openxmlformats.org/drawingml/2006/main">
   <a:themeElements>
     <a:clrScheme name="Default">
       <a:dk1>
@@ -10023,284 +10476,7 @@
       </a:bgFillStyleLst>
     </a:fmtScheme>
   </a:themeElements>
-</a:theme>
-</file>
-
-<file path=ppt/theme/theme2.xml><?xml version="1.0" encoding="utf-8"?>
-<a:theme xmlns:a="http://schemas.openxmlformats.org/drawingml/2006/main" xmlns:r="http://schemas.openxmlformats.org/officeDocument/2006/relationships" name="Simple Light">
-  <a:themeElements>
-    <a:clrScheme name="Simple Light">
-      <a:dk1>
-        <a:srgbClr val="000000"/>
-      </a:dk1>
-      <a:lt1>
-        <a:srgbClr val="FFFFFF"/>
-      </a:lt1>
-      <a:dk2>
-        <a:srgbClr val="595959"/>
-      </a:dk2>
-      <a:lt2>
-        <a:srgbClr val="EEEEEE"/>
-      </a:lt2>
-      <a:accent1>
-        <a:srgbClr val="4285F4"/>
-      </a:accent1>
-      <a:accent2>
-        <a:srgbClr val="212121"/>
-      </a:accent2>
-      <a:accent3>
-        <a:srgbClr val="78909C"/>
-      </a:accent3>
-      <a:accent4>
-        <a:srgbClr val="FFAB40"/>
-      </a:accent4>
-      <a:accent5>
-        <a:srgbClr val="0097A7"/>
-      </a:accent5>
-      <a:accent6>
-        <a:srgbClr val="EEFF41"/>
-      </a:accent6>
-      <a:hlink>
-        <a:srgbClr val="0097A7"/>
-      </a:hlink>
-      <a:folHlink>
-        <a:srgbClr val="0097A7"/>
-      </a:folHlink>
-    </a:clrScheme>
-    <a:fontScheme name="Office">
-      <a:majorFont>
-        <a:latin typeface="Arial"/>
-        <a:ea typeface=""/>
-        <a:cs typeface=""/>
-        <a:font script="Jpan" typeface="ＭＳ Ｐゴシック"/>
-        <a:font script="Hang" typeface="맑은 고딕"/>
-        <a:font script="Hans" typeface="宋体"/>
-        <a:font script="Hant" typeface="新細明體"/>
-        <a:font script="Arab" typeface="Times New Roman"/>
-        <a:font script="Hebr" typeface="Times New Roman"/>
-        <a:font script="Thai" typeface="Angsana New"/>
-        <a:font script="Ethi" typeface="Nyala"/>
-        <a:font script="Beng" typeface="Vrinda"/>
-        <a:font script="Gujr" typeface="Shruti"/>
-        <a:font script="Khmr" typeface="MoolBoran"/>
-        <a:font script="Knda" typeface="Tunga"/>
-        <a:font script="Guru" typeface="Raavi"/>
-        <a:font script="Cans" typeface="Euphemia"/>
-        <a:font script="Cher" typeface="Plantagenet Cherokee"/>
-        <a:font script="Yiii" typeface="Microsoft Yi Baiti"/>
-        <a:font script="Tibt" typeface="Microsoft Himalaya"/>
-        <a:font script="Thaa" typeface="MV Boli"/>
-        <a:font script="Deva" typeface="Mangal"/>
-        <a:font script="Telu" typeface="Gautami"/>
-        <a:font script="Taml" typeface="Latha"/>
-        <a:font script="Syrc" typeface="Estrangelo Edessa"/>
-        <a:font script="Orya" typeface="Kalinga"/>
-        <a:font script="Mlym" typeface="Kartika"/>
-        <a:font script="Laoo" typeface="DokChampa"/>
-        <a:font script="Sinh" typeface="Iskoola Pota"/>
-        <a:font script="Mong" typeface="Mongolian Baiti"/>
-        <a:font script="Viet" typeface="Times New Roman"/>
-        <a:font script="Uigh" typeface="Microsoft Uighur"/>
-        <a:font script="Geor" typeface="Sylfaen"/>
-      </a:majorFont>
-      <a:minorFont>
-        <a:latin typeface="Arial"/>
-        <a:ea typeface=""/>
-        <a:cs typeface=""/>
-        <a:font script="Jpan" typeface="ＭＳ Ｐゴシック"/>
-        <a:font script="Hang" typeface="맑은 고딕"/>
-        <a:font script="Hans" typeface="宋体"/>
-        <a:font script="Hant" typeface="新細明體"/>
-        <a:font script="Arab" typeface="Arial"/>
-        <a:font script="Hebr" typeface="Arial"/>
-        <a:font script="Thai" typeface="Cordia New"/>
-        <a:font script="Ethi" typeface="Nyala"/>
-        <a:font script="Beng" typeface="Vrinda"/>
-        <a:font script="Gujr" typeface="Shruti"/>
-        <a:font script="Khmr" typeface="DaunPenh"/>
-        <a:font script="Knda" typeface="Tunga"/>
-        <a:font script="Guru" typeface="Raavi"/>
-        <a:font script="Cans" typeface="Euphemia"/>
-        <a:font script="Cher" typeface="Plantagenet Cherokee"/>
-        <a:font script="Yiii" typeface="Microsoft Yi Baiti"/>
-        <a:font script="Tibt" typeface="Microsoft Himalaya"/>
-        <a:font script="Thaa" typeface="MV Boli"/>
-        <a:font script="Deva" typeface="Mangal"/>
-        <a:font script="Telu" typeface="Gautami"/>
-        <a:font script="Taml" typeface="Latha"/>
-        <a:font script="Syrc" typeface="Estrangelo Edessa"/>
-        <a:font script="Orya" typeface="Kalinga"/>
-        <a:font script="Mlym" typeface="Kartika"/>
-        <a:font script="Laoo" typeface="DokChampa"/>
-        <a:font script="Sinh" typeface="Iskoola Pota"/>
-        <a:font script="Mong" typeface="Mongolian Baiti"/>
-        <a:font script="Viet" typeface="Arial"/>
-        <a:font script="Uigh" typeface="Microsoft Uighur"/>
-        <a:font script="Geor" typeface="Sylfaen"/>
-      </a:minorFont>
-    </a:fontScheme>
-    <a:fmtScheme name="Office">
-      <a:fillStyleLst>
-        <a:solidFill>
-          <a:schemeClr val="phClr"/>
-        </a:solidFill>
-        <a:gradFill rotWithShape="1">
-          <a:gsLst>
-            <a:gs pos="0">
-              <a:schemeClr val="phClr">
-                <a:tint val="50000"/>
-                <a:satMod val="300000"/>
-              </a:schemeClr>
-            </a:gs>
-            <a:gs pos="35000">
-              <a:schemeClr val="phClr">
-                <a:tint val="37000"/>
-                <a:satMod val="300000"/>
-              </a:schemeClr>
-            </a:gs>
-            <a:gs pos="100000">
-              <a:schemeClr val="phClr">
-                <a:tint val="15000"/>
-                <a:satMod val="350000"/>
-              </a:schemeClr>
-            </a:gs>
-          </a:gsLst>
-          <a:lin ang="16200000" scaled="1"/>
-        </a:gradFill>
-        <a:gradFill rotWithShape="1">
-          <a:gsLst>
-            <a:gs pos="0">
-              <a:schemeClr val="phClr">
-                <a:tint val="100000"/>
-                <a:shade val="100000"/>
-                <a:satMod val="130000"/>
-              </a:schemeClr>
-            </a:gs>
-            <a:gs pos="100000">
-              <a:schemeClr val="phClr">
-                <a:tint val="50000"/>
-                <a:shade val="100000"/>
-                <a:satMod val="350000"/>
-              </a:schemeClr>
-            </a:gs>
-          </a:gsLst>
-          <a:lin ang="16200000" scaled="0"/>
-        </a:gradFill>
-      </a:fillStyleLst>
-      <a:lnStyleLst>
-        <a:ln w="9525" cap="flat" cmpd="sng" algn="ctr">
-          <a:solidFill>
-            <a:schemeClr val="phClr">
-              <a:shade val="95000"/>
-              <a:satMod val="105000"/>
-            </a:schemeClr>
-          </a:solidFill>
-          <a:prstDash val="solid"/>
-        </a:ln>
-        <a:ln w="25400" cap="flat" cmpd="sng" algn="ctr">
-          <a:solidFill>
-            <a:schemeClr val="phClr"/>
-          </a:solidFill>
-          <a:prstDash val="solid"/>
-        </a:ln>
-        <a:ln w="38100" cap="flat" cmpd="sng" algn="ctr">
-          <a:solidFill>
-            <a:schemeClr val="phClr"/>
-          </a:solidFill>
-          <a:prstDash val="solid"/>
-        </a:ln>
-      </a:lnStyleLst>
-      <a:effectStyleLst>
-        <a:effectStyle>
-          <a:effectLst>
-            <a:outerShdw blurRad="40000" dist="20000" dir="5400000" rotWithShape="0">
-              <a:srgbClr val="000000">
-                <a:alpha val="38000"/>
-              </a:srgbClr>
-            </a:outerShdw>
-          </a:effectLst>
-        </a:effectStyle>
-        <a:effectStyle>
-          <a:effectLst>
-            <a:outerShdw blurRad="40000" dist="23000" dir="5400000" rotWithShape="0">
-              <a:srgbClr val="000000">
-                <a:alpha val="35000"/>
-              </a:srgbClr>
-            </a:outerShdw>
-          </a:effectLst>
-        </a:effectStyle>
-        <a:effectStyle>
-          <a:effectLst>
-            <a:outerShdw blurRad="40000" dist="23000" dir="5400000" rotWithShape="0">
-              <a:srgbClr val="000000">
-                <a:alpha val="35000"/>
-              </a:srgbClr>
-            </a:outerShdw>
-          </a:effectLst>
-          <a:scene3d>
-            <a:camera prst="orthographicFront">
-              <a:rot lat="0" lon="0" rev="0"/>
-            </a:camera>
-            <a:lightRig rig="threePt" dir="t">
-              <a:rot lat="0" lon="0" rev="1200000"/>
-            </a:lightRig>
-          </a:scene3d>
-          <a:sp3d>
-            <a:bevelT w="63500" h="25400"/>
-          </a:sp3d>
-        </a:effectStyle>
-      </a:effectStyleLst>
-      <a:bgFillStyleLst>
-        <a:solidFill>
-          <a:schemeClr val="phClr"/>
-        </a:solidFill>
-        <a:gradFill rotWithShape="1">
-          <a:gsLst>
-            <a:gs pos="0">
-              <a:schemeClr val="phClr">
-                <a:tint val="40000"/>
-                <a:satMod val="350000"/>
-              </a:schemeClr>
-            </a:gs>
-            <a:gs pos="40000">
-              <a:schemeClr val="phClr">
-                <a:tint val="45000"/>
-                <a:shade val="99000"/>
-                <a:satMod val="350000"/>
-              </a:schemeClr>
-            </a:gs>
-            <a:gs pos="100000">
-              <a:schemeClr val="phClr">
-                <a:shade val="20000"/>
-                <a:satMod val="255000"/>
-              </a:schemeClr>
-            </a:gs>
-          </a:gsLst>
-          <a:path path="circle">
-            <a:fillToRect l="50000" t="-80000" r="50000" b="180000"/>
-          </a:path>
-        </a:gradFill>
-        <a:gradFill rotWithShape="1">
-          <a:gsLst>
-            <a:gs pos="0">
-              <a:schemeClr val="phClr">
-                <a:tint val="80000"/>
-                <a:satMod val="300000"/>
-              </a:schemeClr>
-            </a:gs>
-            <a:gs pos="100000">
-              <a:schemeClr val="phClr">
-                <a:shade val="30000"/>
-                <a:satMod val="200000"/>
-              </a:schemeClr>
-            </a:gs>
-          </a:gsLst>
-          <a:path path="circle">
-            <a:fillToRect l="50000" t="50000" r="50000" b="50000"/>
-          </a:path>
-        </a:gradFill>
-      </a:bgFillStyleLst>
-    </a:fmtScheme>
-  </a:themeElements>
+  <a:objectDefaults/>
+  <a:extraClrSchemeLst/>
 </a:theme>
 </file>